--- a/20 Phase vocoder/Phase vocoder 2.pptx
+++ b/20 Phase vocoder/Phase vocoder 2.pptx
@@ -5,26 +5,25 @@
     <p:sldMasterId id="2147483648" r:id="rId1"/>
   </p:sldMasterIdLst>
   <p:notesMasterIdLst>
-    <p:notesMasterId r:id="rId19"/>
+    <p:notesMasterId r:id="rId18"/>
   </p:notesMasterIdLst>
   <p:sldIdLst>
     <p:sldId id="287" r:id="rId2"/>
-    <p:sldId id="268" r:id="rId3"/>
-    <p:sldId id="267" r:id="rId4"/>
-    <p:sldId id="288" r:id="rId5"/>
-    <p:sldId id="269" r:id="rId6"/>
-    <p:sldId id="270" r:id="rId7"/>
-    <p:sldId id="271" r:id="rId8"/>
-    <p:sldId id="272" r:id="rId9"/>
-    <p:sldId id="273" r:id="rId10"/>
-    <p:sldId id="274" r:id="rId11"/>
-    <p:sldId id="275" r:id="rId12"/>
-    <p:sldId id="276" r:id="rId13"/>
-    <p:sldId id="277" r:id="rId14"/>
-    <p:sldId id="278" r:id="rId15"/>
-    <p:sldId id="279" r:id="rId16"/>
-    <p:sldId id="280" r:id="rId17"/>
-    <p:sldId id="281" r:id="rId18"/>
+    <p:sldId id="267" r:id="rId3"/>
+    <p:sldId id="288" r:id="rId4"/>
+    <p:sldId id="269" r:id="rId5"/>
+    <p:sldId id="270" r:id="rId6"/>
+    <p:sldId id="271" r:id="rId7"/>
+    <p:sldId id="272" r:id="rId8"/>
+    <p:sldId id="273" r:id="rId9"/>
+    <p:sldId id="274" r:id="rId10"/>
+    <p:sldId id="275" r:id="rId11"/>
+    <p:sldId id="276" r:id="rId12"/>
+    <p:sldId id="277" r:id="rId13"/>
+    <p:sldId id="278" r:id="rId14"/>
+    <p:sldId id="279" r:id="rId15"/>
+    <p:sldId id="280" r:id="rId16"/>
+    <p:sldId id="281" r:id="rId17"/>
   </p:sldIdLst>
   <p:sldSz cx="24384000" cy="13716000"/>
   <p:notesSz cx="6858000" cy="9144000"/>
@@ -1114,7 +1113,7 @@
           </a:ln>
           <a:extLst>
             <a:ext uri="{C572A759-6A51-4108-AA02-DFA0A04FC94B}">
-              <ma14:wrappingTextBoxFlag xmlns:ma14="http://schemas.microsoft.com/office/mac/drawingml/2011/main" xmlns:a14="http://schemas.microsoft.com/office/drawing/2010/main" xmlns:m="http://schemas.openxmlformats.org/officeDocument/2006/math" xmlns="" val="1"/>
+              <ma14:wrappingTextBoxFlag xmlns="" xmlns:m="http://schemas.openxmlformats.org/officeDocument/2006/math" xmlns:a14="http://schemas.microsoft.com/office/drawing/2010/main" xmlns:ma14="http://schemas.microsoft.com/office/mac/drawingml/2011/main" val="1"/>
             </a:ext>
           </a:extLst>
         </p:spPr>
@@ -1153,7 +1152,7 @@
           </a:ln>
           <a:extLst>
             <a:ext uri="{C572A759-6A51-4108-AA02-DFA0A04FC94B}">
-              <ma14:wrappingTextBoxFlag xmlns:ma14="http://schemas.microsoft.com/office/mac/drawingml/2011/main" xmlns:a14="http://schemas.microsoft.com/office/drawing/2010/main" xmlns:m="http://schemas.openxmlformats.org/officeDocument/2006/math" xmlns="" val="1"/>
+              <ma14:wrappingTextBoxFlag xmlns="" xmlns:m="http://schemas.openxmlformats.org/officeDocument/2006/math" xmlns:a14="http://schemas.microsoft.com/office/drawing/2010/main" xmlns:ma14="http://schemas.microsoft.com/office/mac/drawingml/2011/main" val="1"/>
             </a:ext>
           </a:extLst>
         </p:spPr>
@@ -1988,6 +1987,10 @@
           </p:nvPr>
         </p:nvSpPr>
         <p:spPr>
+          <a:xfrm>
+            <a:off x="533500" y="2318326"/>
+            <a:ext cx="13773628" cy="9986949"/>
+          </a:xfrm>
           <a:prstGeom prst="rect">
             <a:avLst/>
           </a:prstGeom>
@@ -2073,67 +2076,10 @@
           </a:p>
           <a:p>
             <a:r>
-              <a:rPr dirty="0">
-                <a:solidFill>
-                  <a:srgbClr val="3D46A6"/>
-                </a:solidFill>
-              </a:rPr>
-              <a:t>Phase vocoder </a:t>
-            </a:r>
-            <a:r>
-              <a:rPr dirty="0"/>
-              <a:t>effects:</a:t>
-            </a:r>
-          </a:p>
-          <a:p>
-            <a:pPr lvl="1"/>
-            <a:r>
               <a:rPr lang="en-GB" dirty="0"/>
               <a:t>FFT-based frequency detector</a:t>
             </a:r>
-          </a:p>
-          <a:p>
-            <a:pPr lvl="1"/>
-            <a:r>
-              <a:rPr dirty="0" err="1"/>
-              <a:t>Robotisation</a:t>
-            </a:r>
-            <a:r>
-              <a:rPr dirty="0"/>
-              <a:t> (phase zeroing)</a:t>
-            </a:r>
-          </a:p>
-          <a:p>
-            <a:pPr lvl="1"/>
-            <a:r>
-              <a:rPr dirty="0" err="1"/>
-              <a:t>Whisperisation</a:t>
-            </a:r>
-            <a:r>
-              <a:rPr dirty="0"/>
-              <a:t> (phase </a:t>
-            </a:r>
-            <a:r>
-              <a:rPr dirty="0" err="1"/>
-              <a:t>randomisation</a:t>
-            </a:r>
-            <a:r>
-              <a:rPr dirty="0"/>
-              <a:t>)</a:t>
-            </a:r>
-          </a:p>
-          <a:p>
-            <a:pPr lvl="1">
-              <a:defRPr>
-                <a:solidFill>
-                  <a:srgbClr val="3D46A6"/>
-                </a:solidFill>
-              </a:defRPr>
-            </a:pPr>
-            <a:r>
-              <a:rPr dirty="0"/>
-              <a:t>Pitch shifting</a:t>
-            </a:r>
+            <a:endParaRPr dirty="0"/>
           </a:p>
         </p:txBody>
       </p:sp>
@@ -2171,10 +2117,10 @@
         </p:nvGrpSpPr>
         <p:grpSpPr>
           <a:xfrm>
-            <a:off x="17112693" y="1778000"/>
-            <a:ext cx="6774121" cy="10735533"/>
+            <a:off x="15176833" y="7389"/>
+            <a:ext cx="9207167" cy="13708611"/>
             <a:chOff x="0" y="0"/>
-            <a:chExt cx="6774119" cy="10735532"/>
+            <a:chExt cx="6774120" cy="10086033"/>
           </a:xfrm>
         </p:grpSpPr>
         <p:pic>
@@ -2264,53 +2210,6 @@
             <a:effectLst/>
           </p:spPr>
         </p:pic>
-        <p:sp>
-          <p:nvSpPr>
-            <p:cNvPr id="2182" name="[images: wikipedia]"/>
-            <p:cNvSpPr txBox="1"/>
-            <p:nvPr/>
-          </p:nvSpPr>
-          <p:spPr>
-            <a:xfrm>
-              <a:off x="1538045" y="10114350"/>
-              <a:ext cx="3698031" cy="621183"/>
-            </a:xfrm>
-            <a:prstGeom prst="rect">
-              <a:avLst/>
-            </a:prstGeom>
-            <a:noFill/>
-            <a:ln w="12700" cap="flat">
-              <a:noFill/>
-              <a:miter lim="400000"/>
-            </a:ln>
-            <a:effectLst/>
-            <a:extLst>
-              <a:ext uri="{C572A759-6A51-4108-AA02-DFA0A04FC94B}">
-                <ma14:wrappingTextBoxFlag xmlns:ma14="http://schemas.microsoft.com/office/mac/drawingml/2011/main" xmlns:a14="http://schemas.microsoft.com/office/drawing/2010/main" xmlns:m="http://schemas.openxmlformats.org/officeDocument/2006/math" xmlns="" val="1"/>
-              </a:ext>
-            </a:extLst>
-          </p:spPr>
-          <p:txBody>
-            <a:bodyPr wrap="square" lIns="50800" tIns="50800" rIns="50800" bIns="50800" numCol="1" anchor="ctr">
-              <a:noAutofit/>
-            </a:bodyPr>
-            <a:lstStyle>
-              <a:lvl1pPr defTabSz="584200">
-                <a:defRPr sz="2100" b="0">
-                  <a:latin typeface="Arial"/>
-                  <a:ea typeface="Arial"/>
-                  <a:cs typeface="Arial"/>
-                  <a:sym typeface="Arial"/>
-                </a:defRPr>
-              </a:lvl1pPr>
-            </a:lstStyle>
-            <a:p>
-              <a:r>
-                <a:t>[images: wikipedia]</a:t>
-              </a:r>
-            </a:p>
-          </p:txBody>
-        </p:sp>
       </p:grpSp>
     </p:spTree>
   </p:cSld>
@@ -2322,872 +2221,6 @@
 </file>
 
 <file path=ppt/slides/slide10.xml><?xml version="1.0" encoding="utf-8"?>
-<p:sld xmlns:a="http://schemas.openxmlformats.org/drawingml/2006/main" xmlns:r="http://schemas.openxmlformats.org/officeDocument/2006/relationships" xmlns:p="http://schemas.openxmlformats.org/presentationml/2006/main">
-  <p:cSld>
-    <p:spTree>
-      <p:nvGrpSpPr>
-        <p:cNvPr id="1" name=""/>
-        <p:cNvGrpSpPr/>
-        <p:nvPr/>
-      </p:nvGrpSpPr>
-      <p:grpSpPr>
-        <a:xfrm>
-          <a:off x="0" y="0"/>
-          <a:ext cx="0" cy="0"/>
-          <a:chOff x="0" y="0"/>
-          <a:chExt cx="0" cy="0"/>
-        </a:xfrm>
-      </p:grpSpPr>
-      <p:sp>
-        <p:nvSpPr>
-          <p:cNvPr id="562" name="The previous formulas gave us one frequency component for each bin…"/>
-          <p:cNvSpPr txBox="1">
-            <a:spLocks noGrp="1"/>
-          </p:cNvSpPr>
-          <p:nvPr>
-            <p:ph type="body" idx="1"/>
-          </p:nvPr>
-        </p:nvSpPr>
-        <p:spPr>
-          <a:prstGeom prst="rect">
-            <a:avLst/>
-          </a:prstGeom>
-        </p:spPr>
-        <p:txBody>
-          <a:bodyPr anchor="t"/>
-          <a:lstStyle/>
-          <a:p>
-            <a:r>
-              <a:t>The previous formulas gave us </a:t>
-            </a:r>
-            <a:r>
-              <a:rPr>
-                <a:solidFill>
-                  <a:srgbClr val="3D46A6"/>
-                </a:solidFill>
-              </a:rPr>
-              <a:t>one frequency component for each bin</a:t>
-            </a:r>
-          </a:p>
-          <a:p>
-            <a:pPr lvl="1"/>
-            <a:r>
-              <a:t>An FFT of size </a:t>
-            </a:r>
-            <a:r>
-              <a:rPr i="1"/>
-              <a:t>N</a:t>
-            </a:r>
-            <a:r>
-              <a:t> has (</a:t>
-            </a:r>
-            <a:r>
-              <a:rPr i="1"/>
-              <a:t>N</a:t>
-            </a:r>
-            <a:r>
-              <a:t>/2+1) unique bins after accounting for symmetry</a:t>
-            </a:r>
-          </a:p>
-          <a:p>
-            <a:pPr lvl="1"/>
-            <a:r>
-              <a:t>This tells us the maximum number of frequency components we can represent</a:t>
-            </a:r>
-          </a:p>
-          <a:p>
-            <a:r>
-              <a:t>Hence, </a:t>
-            </a:r>
-            <a:r>
-              <a:rPr>
-                <a:solidFill>
-                  <a:srgbClr val="3D46A6"/>
-                </a:solidFill>
-              </a:rPr>
-              <a:t>the larger the FFT, the greater the frequency resolution</a:t>
-            </a:r>
-          </a:p>
-          <a:p>
-            <a:pPr lvl="1"/>
-            <a:r>
-              <a:t>Bins are spaced more closely together in frequency: 2π</a:t>
-            </a:r>
-            <a:r>
-              <a:rPr i="1"/>
-              <a:t>k</a:t>
-            </a:r>
-            <a:r>
-              <a:t>/</a:t>
-            </a:r>
-            <a:r>
-              <a:rPr i="1"/>
-              <a:t>N</a:t>
-            </a:r>
-          </a:p>
-          <a:p>
-            <a:pPr lvl="1"/>
-            <a:r>
-              <a:t>Easier to resolve two closely-spaced frequency components of a signal</a:t>
-            </a:r>
-          </a:p>
-          <a:p>
-            <a:r>
-              <a:t>What’s the tradeoff?</a:t>
-            </a:r>
-          </a:p>
-          <a:p>
-            <a:pPr>
-              <a:defRPr>
-                <a:solidFill>
-                  <a:srgbClr val="3D46A6"/>
-                </a:solidFill>
-              </a:defRPr>
-            </a:pPr>
-            <a:r>
-              <a:t>N time-domain samples ↔︎ N frequency-domain bins</a:t>
-            </a:r>
-          </a:p>
-          <a:p>
-            <a:pPr lvl="1">
-              <a:spcBef>
-                <a:spcPts val="0"/>
-              </a:spcBef>
-            </a:pPr>
-            <a:r>
-              <a:t>Resolving </a:t>
-            </a:r>
-            <a:r>
-              <a:rPr>
-                <a:solidFill>
-                  <a:srgbClr val="3D46A6"/>
-                </a:solidFill>
-              </a:rPr>
-              <a:t>short transient events</a:t>
-            </a:r>
-            <a:r>
-              <a:t> within a long time window is difficult</a:t>
-            </a:r>
-          </a:p>
-          <a:p>
-            <a:pPr lvl="1"/>
-            <a:r>
-              <a:t>Frequency-domain processing tends to smear transients, distorting their shape</a:t>
-            </a:r>
-          </a:p>
-          <a:p>
-            <a:pPr lvl="1"/>
-            <a:r>
-              <a:t>Another tradeoff to large FFTs:</a:t>
-            </a:r>
-            <a:r>
-              <a:rPr>
-                <a:solidFill>
-                  <a:srgbClr val="9B1200"/>
-                </a:solidFill>
-              </a:rPr>
-              <a:t> longer latency</a:t>
-            </a:r>
-          </a:p>
-          <a:p>
-            <a:pPr lvl="1"/>
-            <a:r>
-              <a:t>These are fundamental mathematical limitations</a:t>
-            </a:r>
-          </a:p>
-        </p:txBody>
-      </p:sp>
-      <p:sp>
-        <p:nvSpPr>
-          <p:cNvPr id="563" name="Choosing an FFT size"/>
-          <p:cNvSpPr txBox="1">
-            <a:spLocks noGrp="1"/>
-          </p:cNvSpPr>
-          <p:nvPr>
-            <p:ph type="title"/>
-          </p:nvPr>
-        </p:nvSpPr>
-        <p:spPr>
-          <a:prstGeom prst="rect">
-            <a:avLst/>
-          </a:prstGeom>
-        </p:spPr>
-        <p:txBody>
-          <a:bodyPr/>
-          <a:lstStyle/>
-          <a:p>
-            <a:r>
-              <a:t>Choosing an FFT size</a:t>
-            </a:r>
-          </a:p>
-        </p:txBody>
-      </p:sp>
-      <p:sp>
-        <p:nvSpPr>
-          <p:cNvPr id="564" name="Poor time resolution"/>
-          <p:cNvSpPr txBox="1"/>
-          <p:nvPr/>
-        </p:nvSpPr>
-        <p:spPr>
-          <a:xfrm>
-            <a:off x="7339863" y="6752945"/>
-            <a:ext cx="6046674" cy="870510"/>
-          </a:xfrm>
-          <a:prstGeom prst="rect">
-            <a:avLst/>
-          </a:prstGeom>
-          <a:ln w="12700">
-            <a:miter lim="400000"/>
-          </a:ln>
-          <a:extLst>
-            <a:ext uri="{C572A759-6A51-4108-AA02-DFA0A04FC94B}">
-              <ma14:wrappingTextBoxFlag xmlns:ma14="http://schemas.microsoft.com/office/mac/drawingml/2011/main" xmlns:a14="http://schemas.microsoft.com/office/drawing/2010/main" xmlns:m="http://schemas.openxmlformats.org/officeDocument/2006/math" xmlns="" val="1"/>
-            </a:ext>
-          </a:extLst>
-        </p:spPr>
-        <p:txBody>
-          <a:bodyPr wrap="none" lIns="50800" tIns="50800" rIns="50800" bIns="50800" anchor="ctr">
-            <a:spAutoFit/>
-          </a:bodyPr>
-          <a:lstStyle>
-            <a:lvl1pPr>
-              <a:defRPr sz="5200" b="0">
-                <a:solidFill>
-                  <a:srgbClr val="9B1200"/>
-                </a:solidFill>
-              </a:defRPr>
-            </a:lvl1pPr>
-          </a:lstStyle>
-          <a:p>
-            <a:r>
-              <a:t>Poor time resolution</a:t>
-            </a:r>
-          </a:p>
-        </p:txBody>
-      </p:sp>
-    </p:spTree>
-  </p:cSld>
-  <p:clrMapOvr>
-    <a:masterClrMapping/>
-  </p:clrMapOvr>
-  <p:transition spd="med"/>
-  <p:timing>
-    <p:tnLst>
-      <p:par>
-        <p:cTn id="1" dur="indefinite" restart="never" fill="hold" nodeType="tmRoot">
-          <p:childTnLst>
-            <p:seq concurrent="1" prevAc="none" nextAc="seek">
-              <p:cTn id="2" dur="indefinite" fill="hold" nodeType="mainSeq">
-                <p:childTnLst>
-                  <p:par>
-                    <p:cTn id="3" fill="hold">
-                      <p:stCondLst>
-                        <p:cond delay="indefinite"/>
-                        <p:cond evt="onBegin" delay="0">
-                          <p:tn val="2"/>
-                        </p:cond>
-                      </p:stCondLst>
-                      <p:childTnLst>
-                        <p:par>
-                          <p:cTn id="4" fill="hold">
-                            <p:stCondLst>
-                              <p:cond delay="0"/>
-                            </p:stCondLst>
-                            <p:childTnLst>
-                              <p:par>
-                                <p:cTn id="5" presetID="1" presetClass="entr" presetSubtype="0" fill="hold" grpId="1" nodeType="afterEffect">
-                                  <p:stCondLst>
-                                    <p:cond delay="0"/>
-                                  </p:stCondLst>
-                                  <p:iterate>
-                                    <p:tmAbs val="0"/>
-                                  </p:iterate>
-                                  <p:childTnLst>
-                                    <p:set>
-                                      <p:cBhvr>
-                                        <p:cTn id="6" fill="hold"/>
-                                        <p:tgtEl>
-                                          <p:spTgt spid="562">
-                                            <p:bg/>
-                                          </p:spTgt>
-                                        </p:tgtEl>
-                                        <p:attrNameLst>
-                                          <p:attrName>style.visibility</p:attrName>
-                                        </p:attrNameLst>
-                                      </p:cBhvr>
-                                      <p:to>
-                                        <p:strVal val="visible"/>
-                                      </p:to>
-                                    </p:set>
-                                  </p:childTnLst>
-                                </p:cTn>
-                              </p:par>
-                              <p:par>
-                                <p:cTn id="7" presetID="1" presetClass="entr" presetSubtype="0" fill="hold" grpId="1" nodeType="withEffect">
-                                  <p:stCondLst>
-                                    <p:cond delay="0"/>
-                                  </p:stCondLst>
-                                  <p:iterate>
-                                    <p:tmAbs val="0"/>
-                                  </p:iterate>
-                                  <p:childTnLst>
-                                    <p:set>
-                                      <p:cBhvr>
-                                        <p:cTn id="8" fill="hold"/>
-                                        <p:tgtEl>
-                                          <p:spTgt spid="562">
-                                            <p:txEl>
-                                              <p:pRg st="0" end="0"/>
-                                            </p:txEl>
-                                          </p:spTgt>
-                                        </p:tgtEl>
-                                        <p:attrNameLst>
-                                          <p:attrName>style.visibility</p:attrName>
-                                        </p:attrNameLst>
-                                      </p:cBhvr>
-                                      <p:to>
-                                        <p:strVal val="visible"/>
-                                      </p:to>
-                                    </p:set>
-                                  </p:childTnLst>
-                                </p:cTn>
-                              </p:par>
-                            </p:childTnLst>
-                          </p:cTn>
-                        </p:par>
-                        <p:par>
-                          <p:cTn id="9" fill="hold">
-                            <p:stCondLst>
-                              <p:cond delay="0"/>
-                            </p:stCondLst>
-                            <p:childTnLst>
-                              <p:par>
-                                <p:cTn id="10" presetID="1" presetClass="entr" presetSubtype="0" fill="hold" grpId="1" nodeType="afterEffect">
-                                  <p:stCondLst>
-                                    <p:cond delay="0"/>
-                                  </p:stCondLst>
-                                  <p:iterate>
-                                    <p:tmAbs val="0"/>
-                                  </p:iterate>
-                                  <p:childTnLst>
-                                    <p:set>
-                                      <p:cBhvr>
-                                        <p:cTn id="11" fill="hold"/>
-                                        <p:tgtEl>
-                                          <p:spTgt spid="562">
-                                            <p:txEl>
-                                              <p:pRg st="1" end="1"/>
-                                            </p:txEl>
-                                          </p:spTgt>
-                                        </p:tgtEl>
-                                        <p:attrNameLst>
-                                          <p:attrName>style.visibility</p:attrName>
-                                        </p:attrNameLst>
-                                      </p:cBhvr>
-                                      <p:to>
-                                        <p:strVal val="visible"/>
-                                      </p:to>
-                                    </p:set>
-                                  </p:childTnLst>
-                                </p:cTn>
-                              </p:par>
-                            </p:childTnLst>
-                          </p:cTn>
-                        </p:par>
-                        <p:par>
-                          <p:cTn id="12" fill="hold">
-                            <p:stCondLst>
-                              <p:cond delay="0"/>
-                            </p:stCondLst>
-                            <p:childTnLst>
-                              <p:par>
-                                <p:cTn id="13" presetID="1" presetClass="entr" presetSubtype="0" fill="hold" grpId="1" nodeType="afterEffect">
-                                  <p:stCondLst>
-                                    <p:cond delay="0"/>
-                                  </p:stCondLst>
-                                  <p:iterate>
-                                    <p:tmAbs val="0"/>
-                                  </p:iterate>
-                                  <p:childTnLst>
-                                    <p:set>
-                                      <p:cBhvr>
-                                        <p:cTn id="14" fill="hold"/>
-                                        <p:tgtEl>
-                                          <p:spTgt spid="562">
-                                            <p:txEl>
-                                              <p:pRg st="2" end="2"/>
-                                            </p:txEl>
-                                          </p:spTgt>
-                                        </p:tgtEl>
-                                        <p:attrNameLst>
-                                          <p:attrName>style.visibility</p:attrName>
-                                        </p:attrNameLst>
-                                      </p:cBhvr>
-                                      <p:to>
-                                        <p:strVal val="visible"/>
-                                      </p:to>
-                                    </p:set>
-                                  </p:childTnLst>
-                                </p:cTn>
-                              </p:par>
-                            </p:childTnLst>
-                          </p:cTn>
-                        </p:par>
-                        <p:par>
-                          <p:cTn id="15" fill="hold">
-                            <p:stCondLst>
-                              <p:cond delay="0"/>
-                            </p:stCondLst>
-                            <p:childTnLst>
-                              <p:par>
-                                <p:cTn id="16" presetID="1" presetClass="entr" presetSubtype="0" fill="hold" grpId="1" nodeType="afterEffect">
-                                  <p:stCondLst>
-                                    <p:cond delay="0"/>
-                                  </p:stCondLst>
-                                  <p:iterate>
-                                    <p:tmAbs val="0"/>
-                                  </p:iterate>
-                                  <p:childTnLst>
-                                    <p:set>
-                                      <p:cBhvr>
-                                        <p:cTn id="17" fill="hold"/>
-                                        <p:tgtEl>
-                                          <p:spTgt spid="562">
-                                            <p:txEl>
-                                              <p:pRg st="3" end="3"/>
-                                            </p:txEl>
-                                          </p:spTgt>
-                                        </p:tgtEl>
-                                        <p:attrNameLst>
-                                          <p:attrName>style.visibility</p:attrName>
-                                        </p:attrNameLst>
-                                      </p:cBhvr>
-                                      <p:to>
-                                        <p:strVal val="visible"/>
-                                      </p:to>
-                                    </p:set>
-                                  </p:childTnLst>
-                                </p:cTn>
-                              </p:par>
-                            </p:childTnLst>
-                          </p:cTn>
-                        </p:par>
-                        <p:par>
-                          <p:cTn id="18" fill="hold">
-                            <p:stCondLst>
-                              <p:cond delay="0"/>
-                            </p:stCondLst>
-                            <p:childTnLst>
-                              <p:par>
-                                <p:cTn id="19" presetID="1" presetClass="entr" presetSubtype="0" fill="hold" grpId="1" nodeType="afterEffect">
-                                  <p:stCondLst>
-                                    <p:cond delay="0"/>
-                                  </p:stCondLst>
-                                  <p:iterate>
-                                    <p:tmAbs val="0"/>
-                                  </p:iterate>
-                                  <p:childTnLst>
-                                    <p:set>
-                                      <p:cBhvr>
-                                        <p:cTn id="20" fill="hold"/>
-                                        <p:tgtEl>
-                                          <p:spTgt spid="562">
-                                            <p:txEl>
-                                              <p:pRg st="4" end="4"/>
-                                            </p:txEl>
-                                          </p:spTgt>
-                                        </p:tgtEl>
-                                        <p:attrNameLst>
-                                          <p:attrName>style.visibility</p:attrName>
-                                        </p:attrNameLst>
-                                      </p:cBhvr>
-                                      <p:to>
-                                        <p:strVal val="visible"/>
-                                      </p:to>
-                                    </p:set>
-                                  </p:childTnLst>
-                                </p:cTn>
-                              </p:par>
-                            </p:childTnLst>
-                          </p:cTn>
-                        </p:par>
-                        <p:par>
-                          <p:cTn id="21" fill="hold">
-                            <p:stCondLst>
-                              <p:cond delay="0"/>
-                            </p:stCondLst>
-                            <p:childTnLst>
-                              <p:par>
-                                <p:cTn id="22" presetID="1" presetClass="entr" presetSubtype="0" fill="hold" grpId="1" nodeType="afterEffect">
-                                  <p:stCondLst>
-                                    <p:cond delay="0"/>
-                                  </p:stCondLst>
-                                  <p:iterate>
-                                    <p:tmAbs val="0"/>
-                                  </p:iterate>
-                                  <p:childTnLst>
-                                    <p:set>
-                                      <p:cBhvr>
-                                        <p:cTn id="23" fill="hold"/>
-                                        <p:tgtEl>
-                                          <p:spTgt spid="562">
-                                            <p:txEl>
-                                              <p:pRg st="5" end="5"/>
-                                            </p:txEl>
-                                          </p:spTgt>
-                                        </p:tgtEl>
-                                        <p:attrNameLst>
-                                          <p:attrName>style.visibility</p:attrName>
-                                        </p:attrNameLst>
-                                      </p:cBhvr>
-                                      <p:to>
-                                        <p:strVal val="visible"/>
-                                      </p:to>
-                                    </p:set>
-                                  </p:childTnLst>
-                                </p:cTn>
-                              </p:par>
-                            </p:childTnLst>
-                          </p:cTn>
-                        </p:par>
-                      </p:childTnLst>
-                    </p:cTn>
-                  </p:par>
-                  <p:par>
-                    <p:cTn id="24" fill="hold">
-                      <p:stCondLst>
-                        <p:cond delay="indefinite"/>
-                      </p:stCondLst>
-                      <p:childTnLst>
-                        <p:par>
-                          <p:cTn id="25" fill="hold">
-                            <p:stCondLst>
-                              <p:cond delay="0"/>
-                            </p:stCondLst>
-                            <p:childTnLst>
-                              <p:par>
-                                <p:cTn id="26" presetID="1" presetClass="entr" presetSubtype="0" fill="hold" grpId="1" nodeType="clickEffect">
-                                  <p:stCondLst>
-                                    <p:cond delay="0"/>
-                                  </p:stCondLst>
-                                  <p:iterate>
-                                    <p:tmAbs val="0"/>
-                                  </p:iterate>
-                                  <p:childTnLst>
-                                    <p:set>
-                                      <p:cBhvr>
-                                        <p:cTn id="27" fill="hold"/>
-                                        <p:tgtEl>
-                                          <p:spTgt spid="562">
-                                            <p:txEl>
-                                              <p:pRg st="6" end="6"/>
-                                            </p:txEl>
-                                          </p:spTgt>
-                                        </p:tgtEl>
-                                        <p:attrNameLst>
-                                          <p:attrName>style.visibility</p:attrName>
-                                        </p:attrNameLst>
-                                      </p:cBhvr>
-                                      <p:to>
-                                        <p:strVal val="visible"/>
-                                      </p:to>
-                                    </p:set>
-                                  </p:childTnLst>
-                                </p:cTn>
-                              </p:par>
-                            </p:childTnLst>
-                          </p:cTn>
-                        </p:par>
-                      </p:childTnLst>
-                    </p:cTn>
-                  </p:par>
-                  <p:par>
-                    <p:cTn id="28" fill="hold">
-                      <p:stCondLst>
-                        <p:cond delay="indefinite"/>
-                      </p:stCondLst>
-                      <p:childTnLst>
-                        <p:par>
-                          <p:cTn id="29" fill="hold">
-                            <p:stCondLst>
-                              <p:cond delay="0"/>
-                            </p:stCondLst>
-                            <p:childTnLst>
-                              <p:par>
-                                <p:cTn id="30" presetID="1" presetClass="entr" presetSubtype="0" fill="hold" grpId="2" nodeType="clickEffect">
-                                  <p:stCondLst>
-                                    <p:cond delay="0"/>
-                                  </p:stCondLst>
-                                  <p:iterate>
-                                    <p:tmAbs val="0"/>
-                                  </p:iterate>
-                                  <p:childTnLst>
-                                    <p:set>
-                                      <p:cBhvr>
-                                        <p:cTn id="31" fill="hold"/>
-                                        <p:tgtEl>
-                                          <p:spTgt spid="564"/>
-                                        </p:tgtEl>
-                                        <p:attrNameLst>
-                                          <p:attrName>style.visibility</p:attrName>
-                                        </p:attrNameLst>
-                                      </p:cBhvr>
-                                      <p:to>
-                                        <p:strVal val="visible"/>
-                                      </p:to>
-                                    </p:set>
-                                  </p:childTnLst>
-                                </p:cTn>
-                              </p:par>
-                            </p:childTnLst>
-                          </p:cTn>
-                        </p:par>
-                      </p:childTnLst>
-                    </p:cTn>
-                  </p:par>
-                  <p:par>
-                    <p:cTn id="32" fill="hold">
-                      <p:stCondLst>
-                        <p:cond delay="indefinite"/>
-                      </p:stCondLst>
-                      <p:childTnLst>
-                        <p:par>
-                          <p:cTn id="33" fill="hold">
-                            <p:stCondLst>
-                              <p:cond delay="0"/>
-                            </p:stCondLst>
-                            <p:childTnLst>
-                              <p:par>
-                                <p:cTn id="34" presetID="1" presetClass="entr" presetSubtype="0" fill="hold" grpId="1" nodeType="clickEffect">
-                                  <p:stCondLst>
-                                    <p:cond delay="0"/>
-                                  </p:stCondLst>
-                                  <p:iterate>
-                                    <p:tmAbs val="0"/>
-                                  </p:iterate>
-                                  <p:childTnLst>
-                                    <p:set>
-                                      <p:cBhvr>
-                                        <p:cTn id="35" fill="hold"/>
-                                        <p:tgtEl>
-                                          <p:spTgt spid="562">
-                                            <p:txEl>
-                                              <p:pRg st="7" end="7"/>
-                                            </p:txEl>
-                                          </p:spTgt>
-                                        </p:tgtEl>
-                                        <p:attrNameLst>
-                                          <p:attrName>style.visibility</p:attrName>
-                                        </p:attrNameLst>
-                                      </p:cBhvr>
-                                      <p:to>
-                                        <p:strVal val="visible"/>
-                                      </p:to>
-                                    </p:set>
-                                  </p:childTnLst>
-                                </p:cTn>
-                              </p:par>
-                            </p:childTnLst>
-                          </p:cTn>
-                        </p:par>
-                        <p:par>
-                          <p:cTn id="36" fill="hold">
-                            <p:stCondLst>
-                              <p:cond delay="0"/>
-                            </p:stCondLst>
-                            <p:childTnLst>
-                              <p:par>
-                                <p:cTn id="37" presetID="1" presetClass="entr" presetSubtype="0" fill="hold" grpId="1" nodeType="afterEffect">
-                                  <p:stCondLst>
-                                    <p:cond delay="0"/>
-                                  </p:stCondLst>
-                                  <p:iterate>
-                                    <p:tmAbs val="0"/>
-                                  </p:iterate>
-                                  <p:childTnLst>
-                                    <p:set>
-                                      <p:cBhvr>
-                                        <p:cTn id="38" fill="hold"/>
-                                        <p:tgtEl>
-                                          <p:spTgt spid="562">
-                                            <p:txEl>
-                                              <p:pRg st="8" end="8"/>
-                                            </p:txEl>
-                                          </p:spTgt>
-                                        </p:tgtEl>
-                                        <p:attrNameLst>
-                                          <p:attrName>style.visibility</p:attrName>
-                                        </p:attrNameLst>
-                                      </p:cBhvr>
-                                      <p:to>
-                                        <p:strVal val="visible"/>
-                                      </p:to>
-                                    </p:set>
-                                  </p:childTnLst>
-                                </p:cTn>
-                              </p:par>
-                            </p:childTnLst>
-                          </p:cTn>
-                        </p:par>
-                        <p:par>
-                          <p:cTn id="39" fill="hold">
-                            <p:stCondLst>
-                              <p:cond delay="0"/>
-                            </p:stCondLst>
-                            <p:childTnLst>
-                              <p:par>
-                                <p:cTn id="40" presetID="1" presetClass="entr" presetSubtype="0" fill="hold" grpId="1" nodeType="afterEffect">
-                                  <p:stCondLst>
-                                    <p:cond delay="0"/>
-                                  </p:stCondLst>
-                                  <p:iterate>
-                                    <p:tmAbs val="0"/>
-                                  </p:iterate>
-                                  <p:childTnLst>
-                                    <p:set>
-                                      <p:cBhvr>
-                                        <p:cTn id="41" fill="hold"/>
-                                        <p:tgtEl>
-                                          <p:spTgt spid="562">
-                                            <p:txEl>
-                                              <p:pRg st="9" end="9"/>
-                                            </p:txEl>
-                                          </p:spTgt>
-                                        </p:tgtEl>
-                                        <p:attrNameLst>
-                                          <p:attrName>style.visibility</p:attrName>
-                                        </p:attrNameLst>
-                                      </p:cBhvr>
-                                      <p:to>
-                                        <p:strVal val="visible"/>
-                                      </p:to>
-                                    </p:set>
-                                  </p:childTnLst>
-                                </p:cTn>
-                              </p:par>
-                            </p:childTnLst>
-                          </p:cTn>
-                        </p:par>
-                      </p:childTnLst>
-                    </p:cTn>
-                  </p:par>
-                  <p:par>
-                    <p:cTn id="42" fill="hold">
-                      <p:stCondLst>
-                        <p:cond delay="indefinite"/>
-                      </p:stCondLst>
-                      <p:childTnLst>
-                        <p:par>
-                          <p:cTn id="43" fill="hold">
-                            <p:stCondLst>
-                              <p:cond delay="0"/>
-                            </p:stCondLst>
-                            <p:childTnLst>
-                              <p:par>
-                                <p:cTn id="44" presetID="1" presetClass="entr" presetSubtype="0" fill="hold" grpId="1" nodeType="clickEffect">
-                                  <p:stCondLst>
-                                    <p:cond delay="0"/>
-                                  </p:stCondLst>
-                                  <p:iterate>
-                                    <p:tmAbs val="0"/>
-                                  </p:iterate>
-                                  <p:childTnLst>
-                                    <p:set>
-                                      <p:cBhvr>
-                                        <p:cTn id="45" fill="hold"/>
-                                        <p:tgtEl>
-                                          <p:spTgt spid="562">
-                                            <p:txEl>
-                                              <p:pRg st="10" end="10"/>
-                                            </p:txEl>
-                                          </p:spTgt>
-                                        </p:tgtEl>
-                                        <p:attrNameLst>
-                                          <p:attrName>style.visibility</p:attrName>
-                                        </p:attrNameLst>
-                                      </p:cBhvr>
-                                      <p:to>
-                                        <p:strVal val="visible"/>
-                                      </p:to>
-                                    </p:set>
-                                  </p:childTnLst>
-                                </p:cTn>
-                              </p:par>
-                            </p:childTnLst>
-                          </p:cTn>
-                        </p:par>
-                        <p:par>
-                          <p:cTn id="46" fill="hold">
-                            <p:stCondLst>
-                              <p:cond delay="0"/>
-                            </p:stCondLst>
-                            <p:childTnLst>
-                              <p:par>
-                                <p:cTn id="47" presetID="1" presetClass="entr" presetSubtype="0" fill="hold" grpId="1" nodeType="afterEffect">
-                                  <p:stCondLst>
-                                    <p:cond delay="0"/>
-                                  </p:stCondLst>
-                                  <p:iterate>
-                                    <p:tmAbs val="0"/>
-                                  </p:iterate>
-                                  <p:childTnLst>
-                                    <p:set>
-                                      <p:cBhvr>
-                                        <p:cTn id="48" fill="hold"/>
-                                        <p:tgtEl>
-                                          <p:spTgt spid="562">
-                                            <p:txEl>
-                                              <p:pRg st="11" end="11"/>
-                                            </p:txEl>
-                                          </p:spTgt>
-                                        </p:tgtEl>
-                                        <p:attrNameLst>
-                                          <p:attrName>style.visibility</p:attrName>
-                                        </p:attrNameLst>
-                                      </p:cBhvr>
-                                      <p:to>
-                                        <p:strVal val="visible"/>
-                                      </p:to>
-                                    </p:set>
-                                  </p:childTnLst>
-                                </p:cTn>
-                              </p:par>
-                            </p:childTnLst>
-                          </p:cTn>
-                        </p:par>
-                      </p:childTnLst>
-                    </p:cTn>
-                  </p:par>
-                </p:childTnLst>
-              </p:cTn>
-              <p:prevCondLst>
-                <p:cond evt="onPrev" delay="0">
-                  <p:tgtEl>
-                    <p:sldTgt/>
-                  </p:tgtEl>
-                </p:cond>
-              </p:prevCondLst>
-              <p:nextCondLst>
-                <p:cond evt="onNext" delay="0">
-                  <p:tgtEl>
-                    <p:sldTgt/>
-                  </p:tgtEl>
-                </p:cond>
-              </p:nextCondLst>
-            </p:seq>
-          </p:childTnLst>
-        </p:cTn>
-      </p:par>
-    </p:tnLst>
-    <p:bldLst>
-      <p:bldP spid="562" grpId="1" build="p" bldLvl="5" animBg="1" advAuto="0"/>
-      <p:bldP spid="564" grpId="2" animBg="1" advAuto="0"/>
-    </p:bldLst>
-  </p:timing>
-</p:sld>
-</file>
-
-<file path=ppt/slides/slide11.xml><?xml version="1.0" encoding="utf-8"?>
 <p:sld xmlns:a="http://schemas.openxmlformats.org/drawingml/2006/main" xmlns:r="http://schemas.openxmlformats.org/officeDocument/2006/relationships" xmlns:p="http://schemas.openxmlformats.org/presentationml/2006/main">
   <p:cSld>
     <p:spTree>
@@ -3237,7 +2270,7 @@
             </a:pPr>
             <a:r>
               <a:rPr dirty="0"/>
-              <a:t>How often should we take an FFT?</a:t>
+              <a:t>How often should we take FFT?</a:t>
             </a:r>
           </a:p>
           <a:p>
@@ -3307,8 +2340,8 @@
               <a:defRPr sz="4356"/>
             </a:pPr>
             <a:r>
-              <a:rPr dirty="0"/>
-              <a:t>We get </a:t>
+              <a:rPr lang="en-GB" dirty="0"/>
+              <a:t>M</a:t>
             </a:r>
             <a:r>
               <a:rPr dirty="0">
@@ -3316,11 +2349,11 @@
                   <a:srgbClr val="3D46A6"/>
                 </a:solidFill>
               </a:rPr>
-              <a:t>more frequent time snapshots</a:t>
+              <a:t>ore frequent time snapshots</a:t>
             </a:r>
             <a:r>
               <a:rPr dirty="0"/>
-              <a:t> of the signal</a:t>
+              <a:t> of signal</a:t>
             </a:r>
           </a:p>
           <a:p>
@@ -3473,10 +2506,7 @@
             </a:r>
             <a:r>
               <a:rPr dirty="0"/>
-              <a:t> </a:t>
-            </a:r>
-            <a:r>
-              <a:t>of FFT </a:t>
+              <a:t> of FFT </a:t>
             </a:r>
             <a:br>
               <a:rPr dirty="0"/>
@@ -4065,7 +3095,7 @@
           </a:ln>
           <a:extLst>
             <a:ext uri="{C572A759-6A51-4108-AA02-DFA0A04FC94B}">
-              <ma14:wrappingTextBoxFlag xmlns:ma14="http://schemas.microsoft.com/office/mac/drawingml/2011/main" xmlns:a14="http://schemas.microsoft.com/office/drawing/2010/main" xmlns:m="http://schemas.openxmlformats.org/officeDocument/2006/math" xmlns="" val="1"/>
+              <ma14:wrappingTextBoxFlag xmlns="" xmlns:m="http://schemas.openxmlformats.org/officeDocument/2006/math" xmlns:a14="http://schemas.microsoft.com/office/drawing/2010/main" xmlns:ma14="http://schemas.microsoft.com/office/mac/drawingml/2011/main" val="1"/>
             </a:ext>
           </a:extLst>
         </p:spPr>
@@ -4104,7 +3134,7 @@
           </a:ln>
           <a:extLst>
             <a:ext uri="{C572A759-6A51-4108-AA02-DFA0A04FC94B}">
-              <ma14:wrappingTextBoxFlag xmlns:ma14="http://schemas.microsoft.com/office/mac/drawingml/2011/main" xmlns:a14="http://schemas.microsoft.com/office/drawing/2010/main" xmlns:m="http://schemas.openxmlformats.org/officeDocument/2006/math" xmlns="" val="1"/>
+              <ma14:wrappingTextBoxFlag xmlns="" xmlns:m="http://schemas.openxmlformats.org/officeDocument/2006/math" xmlns:a14="http://schemas.microsoft.com/office/drawing/2010/main" xmlns:ma14="http://schemas.microsoft.com/office/mac/drawingml/2011/main" val="1"/>
             </a:ext>
           </a:extLst>
         </p:spPr>
@@ -4143,7 +3173,7 @@
           </a:ln>
           <a:extLst>
             <a:ext uri="{C572A759-6A51-4108-AA02-DFA0A04FC94B}">
-              <ma14:wrappingTextBoxFlag xmlns:ma14="http://schemas.microsoft.com/office/mac/drawingml/2011/main" xmlns:a14="http://schemas.microsoft.com/office/drawing/2010/main" xmlns:m="http://schemas.openxmlformats.org/officeDocument/2006/math" xmlns="" val="1"/>
+              <ma14:wrappingTextBoxFlag xmlns="" xmlns:m="http://schemas.openxmlformats.org/officeDocument/2006/math" xmlns:a14="http://schemas.microsoft.com/office/drawing/2010/main" xmlns:ma14="http://schemas.microsoft.com/office/mac/drawingml/2011/main" val="1"/>
             </a:ext>
           </a:extLst>
         </p:spPr>
@@ -5109,7 +4139,7 @@
 </p:sld>
 </file>
 
-<file path=ppt/slides/slide12.xml><?xml version="1.0" encoding="utf-8"?>
+<file path=ppt/slides/slide11.xml><?xml version="1.0" encoding="utf-8"?>
 <p:sld xmlns:a="http://schemas.openxmlformats.org/drawingml/2006/main" xmlns:r="http://schemas.openxmlformats.org/officeDocument/2006/relationships" xmlns:p="http://schemas.openxmlformats.org/presentationml/2006/main">
   <p:cSld>
     <p:spTree>
@@ -5606,7 +4636,7 @@
           </a:ln>
           <a:extLst>
             <a:ext uri="{C572A759-6A51-4108-AA02-DFA0A04FC94B}">
-              <ma14:wrappingTextBoxFlag xmlns:ma14="http://schemas.microsoft.com/office/mac/drawingml/2011/main" xmlns:a14="http://schemas.microsoft.com/office/drawing/2010/main" xmlns:m="http://schemas.openxmlformats.org/officeDocument/2006/math" xmlns="" val="1"/>
+              <ma14:wrappingTextBoxFlag xmlns="" xmlns:m="http://schemas.openxmlformats.org/officeDocument/2006/math" xmlns:a14="http://schemas.microsoft.com/office/drawing/2010/main" xmlns:ma14="http://schemas.microsoft.com/office/mac/drawingml/2011/main" val="1"/>
             </a:ext>
           </a:extLst>
         </p:spPr>
@@ -5806,7 +4836,7 @@
             <a:effectLst/>
             <a:extLst>
               <a:ext uri="{C572A759-6A51-4108-AA02-DFA0A04FC94B}">
-                <ma14:wrappingTextBoxFlag xmlns:ma14="http://schemas.microsoft.com/office/mac/drawingml/2011/main" xmlns:a14="http://schemas.microsoft.com/office/drawing/2010/main" xmlns:m="http://schemas.openxmlformats.org/officeDocument/2006/math" xmlns="" val="1"/>
+                <ma14:wrappingTextBoxFlag xmlns="" xmlns:m="http://schemas.openxmlformats.org/officeDocument/2006/math" xmlns:a14="http://schemas.microsoft.com/office/drawing/2010/main" xmlns:ma14="http://schemas.microsoft.com/office/mac/drawingml/2011/main" val="1"/>
               </a:ext>
             </a:extLst>
           </p:spPr>
@@ -7157,7 +6187,7 @@
             <a:effectLst/>
             <a:extLst>
               <a:ext uri="{C572A759-6A51-4108-AA02-DFA0A04FC94B}">
-                <ma14:wrappingTextBoxFlag xmlns:ma14="http://schemas.microsoft.com/office/mac/drawingml/2011/main" xmlns:a14="http://schemas.microsoft.com/office/drawing/2010/main" xmlns:m="http://schemas.openxmlformats.org/officeDocument/2006/math" xmlns="" val="1"/>
+                <ma14:wrappingTextBoxFlag xmlns="" xmlns:m="http://schemas.openxmlformats.org/officeDocument/2006/math" xmlns:a14="http://schemas.microsoft.com/office/drawing/2010/main" xmlns:ma14="http://schemas.microsoft.com/office/mac/drawingml/2011/main" val="1"/>
               </a:ext>
             </a:extLst>
           </p:spPr>
@@ -7609,7 +6639,7 @@
 </p:sld>
 </file>
 
-<file path=ppt/slides/slide13.xml><?xml version="1.0" encoding="utf-8"?>
+<file path=ppt/slides/slide12.xml><?xml version="1.0" encoding="utf-8"?>
 <p:sld xmlns:a="http://schemas.openxmlformats.org/drawingml/2006/main" xmlns:r="http://schemas.openxmlformats.org/officeDocument/2006/relationships" xmlns:p="http://schemas.openxmlformats.org/presentationml/2006/main">
   <p:cSld>
     <p:spTree>
@@ -8591,7 +7621,7 @@
           </a:ln>
           <a:extLst>
             <a:ext uri="{C572A759-6A51-4108-AA02-DFA0A04FC94B}">
-              <ma14:wrappingTextBoxFlag xmlns:ma14="http://schemas.microsoft.com/office/mac/drawingml/2011/main" xmlns:a14="http://schemas.microsoft.com/office/drawing/2010/main" xmlns:m="http://schemas.openxmlformats.org/officeDocument/2006/math" xmlns="" val="1"/>
+              <ma14:wrappingTextBoxFlag xmlns="" xmlns:m="http://schemas.openxmlformats.org/officeDocument/2006/math" xmlns:a14="http://schemas.microsoft.com/office/drawing/2010/main" xmlns:ma14="http://schemas.microsoft.com/office/mac/drawingml/2011/main" val="1"/>
             </a:ext>
           </a:extLst>
         </p:spPr>
@@ -8634,7 +7664,7 @@
           </a:ln>
           <a:extLst>
             <a:ext uri="{C572A759-6A51-4108-AA02-DFA0A04FC94B}">
-              <ma14:wrappingTextBoxFlag xmlns:ma14="http://schemas.microsoft.com/office/mac/drawingml/2011/main" xmlns:a14="http://schemas.microsoft.com/office/drawing/2010/main" xmlns:m="http://schemas.openxmlformats.org/officeDocument/2006/math" xmlns="" val="1"/>
+              <ma14:wrappingTextBoxFlag xmlns="" xmlns:m="http://schemas.openxmlformats.org/officeDocument/2006/math" xmlns:a14="http://schemas.microsoft.com/office/drawing/2010/main" xmlns:ma14="http://schemas.microsoft.com/office/mac/drawingml/2011/main" val="1"/>
             </a:ext>
           </a:extLst>
         </p:spPr>
@@ -8677,7 +7707,7 @@
           </a:ln>
           <a:extLst>
             <a:ext uri="{C572A759-6A51-4108-AA02-DFA0A04FC94B}">
-              <ma14:wrappingTextBoxFlag xmlns:ma14="http://schemas.microsoft.com/office/mac/drawingml/2011/main" xmlns:a14="http://schemas.microsoft.com/office/drawing/2010/main" xmlns:m="http://schemas.openxmlformats.org/officeDocument/2006/math" xmlns="" val="1"/>
+              <ma14:wrappingTextBoxFlag xmlns="" xmlns:m="http://schemas.openxmlformats.org/officeDocument/2006/math" xmlns:a14="http://schemas.microsoft.com/office/drawing/2010/main" xmlns:ma14="http://schemas.microsoft.com/office/mac/drawingml/2011/main" val="1"/>
             </a:ext>
           </a:extLst>
         </p:spPr>
@@ -8720,7 +7750,7 @@
           </a:ln>
           <a:extLst>
             <a:ext uri="{C572A759-6A51-4108-AA02-DFA0A04FC94B}">
-              <ma14:wrappingTextBoxFlag xmlns:ma14="http://schemas.microsoft.com/office/mac/drawingml/2011/main" xmlns:a14="http://schemas.microsoft.com/office/drawing/2010/main" xmlns:m="http://schemas.openxmlformats.org/officeDocument/2006/math" xmlns="" val="1"/>
+              <ma14:wrappingTextBoxFlag xmlns="" xmlns:m="http://schemas.openxmlformats.org/officeDocument/2006/math" xmlns:a14="http://schemas.microsoft.com/office/drawing/2010/main" xmlns:ma14="http://schemas.microsoft.com/office/mac/drawingml/2011/main" val="1"/>
             </a:ext>
           </a:extLst>
         </p:spPr>
@@ -8838,7 +7868,7 @@
             <a:effectLst/>
             <a:extLst>
               <a:ext uri="{C572A759-6A51-4108-AA02-DFA0A04FC94B}">
-                <ma14:wrappingTextBoxFlag xmlns:ma14="http://schemas.microsoft.com/office/mac/drawingml/2011/main" xmlns:a14="http://schemas.microsoft.com/office/drawing/2010/main" xmlns:m="http://schemas.openxmlformats.org/officeDocument/2006/math" xmlns="" val="1"/>
+                <ma14:wrappingTextBoxFlag xmlns="" xmlns:m="http://schemas.openxmlformats.org/officeDocument/2006/math" xmlns:a14="http://schemas.microsoft.com/office/drawing/2010/main" xmlns:ma14="http://schemas.microsoft.com/office/mac/drawingml/2011/main" val="1"/>
               </a:ext>
             </a:extLst>
           </p:spPr>
@@ -8868,7 +7898,7 @@
 </p:sld>
 </file>
 
-<file path=ppt/slides/slide14.xml><?xml version="1.0" encoding="utf-8"?>
+<file path=ppt/slides/slide13.xml><?xml version="1.0" encoding="utf-8"?>
 <p:sld xmlns:a="http://schemas.openxmlformats.org/drawingml/2006/main" xmlns:r="http://schemas.openxmlformats.org/officeDocument/2006/relationships" xmlns:p="http://schemas.openxmlformats.org/presentationml/2006/main">
   <p:cSld>
     <p:spTree>
@@ -8951,7 +7981,7 @@
             <a:effectLst/>
             <a:extLst>
               <a:ext uri="{C572A759-6A51-4108-AA02-DFA0A04FC94B}">
-                <ma14:wrappingTextBoxFlag xmlns:ma14="http://schemas.microsoft.com/office/mac/drawingml/2011/main" xmlns:a14="http://schemas.microsoft.com/office/drawing/2010/main" xmlns:m="http://schemas.openxmlformats.org/officeDocument/2006/math" xmlns="" val="1"/>
+                <ma14:wrappingTextBoxFlag xmlns="" xmlns:m="http://schemas.openxmlformats.org/officeDocument/2006/math" xmlns:a14="http://schemas.microsoft.com/office/drawing/2010/main" xmlns:ma14="http://schemas.microsoft.com/office/mac/drawingml/2011/main" val="1"/>
               </a:ext>
             </a:extLst>
           </p:spPr>
@@ -9418,7 +8448,7 @@
           </a:ln>
           <a:extLst>
             <a:ext uri="{C572A759-6A51-4108-AA02-DFA0A04FC94B}">
-              <ma14:wrappingTextBoxFlag xmlns:ma14="http://schemas.microsoft.com/office/mac/drawingml/2011/main" xmlns:a14="http://schemas.microsoft.com/office/drawing/2010/main" xmlns:m="http://schemas.openxmlformats.org/officeDocument/2006/math" xmlns="" val="1"/>
+              <ma14:wrappingTextBoxFlag xmlns="" xmlns:m="http://schemas.openxmlformats.org/officeDocument/2006/math" xmlns:a14="http://schemas.microsoft.com/office/drawing/2010/main" xmlns:ma14="http://schemas.microsoft.com/office/mac/drawingml/2011/main" val="1"/>
             </a:ext>
           </a:extLst>
         </p:spPr>
@@ -9544,7 +8574,7 @@
             <a:effectLst/>
             <a:extLst>
               <a:ext uri="{C572A759-6A51-4108-AA02-DFA0A04FC94B}">
-                <ma14:wrappingTextBoxFlag xmlns:ma14="http://schemas.microsoft.com/office/mac/drawingml/2011/main" xmlns:a14="http://schemas.microsoft.com/office/drawing/2010/main" xmlns:m="http://schemas.openxmlformats.org/officeDocument/2006/math" xmlns="" val="1"/>
+                <ma14:wrappingTextBoxFlag xmlns="" xmlns:m="http://schemas.openxmlformats.org/officeDocument/2006/math" xmlns:a14="http://schemas.microsoft.com/office/drawing/2010/main" xmlns:ma14="http://schemas.microsoft.com/office/mac/drawingml/2011/main" val="1"/>
               </a:ext>
             </a:extLst>
           </p:spPr>
@@ -9671,7 +8701,7 @@
             <a:effectLst/>
             <a:extLst>
               <a:ext uri="{C572A759-6A51-4108-AA02-DFA0A04FC94B}">
-                <ma14:wrappingTextBoxFlag xmlns:ma14="http://schemas.microsoft.com/office/mac/drawingml/2011/main" xmlns:a14="http://schemas.microsoft.com/office/drawing/2010/main" xmlns:m="http://schemas.openxmlformats.org/officeDocument/2006/math" xmlns="" val="1"/>
+                <ma14:wrappingTextBoxFlag xmlns="" xmlns:m="http://schemas.openxmlformats.org/officeDocument/2006/math" xmlns:a14="http://schemas.microsoft.com/office/drawing/2010/main" xmlns:ma14="http://schemas.microsoft.com/office/mac/drawingml/2011/main" val="1"/>
               </a:ext>
             </a:extLst>
           </p:spPr>
@@ -9707,46 +8737,6 @@
           </p:txBody>
         </p:sp>
       </p:grpSp>
-      <p:sp>
-        <p:nvSpPr>
-          <p:cNvPr id="671" name="ECS7012P Music and Audio Programming • Week 10b"/>
-          <p:cNvSpPr txBox="1"/>
-          <p:nvPr/>
-        </p:nvSpPr>
-        <p:spPr>
-          <a:xfrm>
-            <a:off x="4293541" y="12630898"/>
-            <a:ext cx="16905886" cy="988926"/>
-          </a:xfrm>
-          <a:prstGeom prst="rect">
-            <a:avLst/>
-          </a:prstGeom>
-          <a:ln w="12700">
-            <a:miter lim="400000"/>
-          </a:ln>
-          <a:extLst>
-            <a:ext uri="{C572A759-6A51-4108-AA02-DFA0A04FC94B}">
-              <ma14:wrappingTextBoxFlag xmlns:ma14="http://schemas.microsoft.com/office/mac/drawingml/2011/main" xmlns:a14="http://schemas.microsoft.com/office/drawing/2010/main" xmlns:m="http://schemas.openxmlformats.org/officeDocument/2006/math" xmlns="" val="1"/>
-            </a:ext>
-          </a:extLst>
-        </p:spPr>
-        <p:txBody>
-          <a:bodyPr lIns="50800" tIns="50800" rIns="50800" bIns="50800" anchor="ctr"/>
-          <a:lstStyle>
-            <a:lvl1pPr>
-              <a:spcBef>
-                <a:spcPts val="5900"/>
-              </a:spcBef>
-              <a:defRPr sz="4000" b="0"/>
-            </a:lvl1pPr>
-          </a:lstStyle>
-          <a:p>
-            <a:r>
-              <a:t>ECS7012P Music and Audio Programming • Week 10b</a:t>
-            </a:r>
-          </a:p>
-        </p:txBody>
-      </p:sp>
     </p:spTree>
   </p:cSld>
   <p:clrMapOvr>
@@ -10375,7 +9365,7 @@
 </p:sld>
 </file>
 
-<file path=ppt/slides/slide15.xml><?xml version="1.0" encoding="utf-8"?>
+<file path=ppt/slides/slide14.xml><?xml version="1.0" encoding="utf-8"?>
 <p:sld xmlns:a="http://schemas.openxmlformats.org/drawingml/2006/main" xmlns:r="http://schemas.openxmlformats.org/officeDocument/2006/relationships" xmlns:p="http://schemas.openxmlformats.org/presentationml/2006/main">
   <p:cSld>
     <p:spTree>
@@ -10492,7 +9482,7 @@
           </a:ln>
           <a:extLst>
             <a:ext uri="{C572A759-6A51-4108-AA02-DFA0A04FC94B}">
-              <ma14:wrappingTextBoxFlag xmlns:ma14="http://schemas.microsoft.com/office/mac/drawingml/2011/main" xmlns:a14="http://schemas.microsoft.com/office/drawing/2010/main" xmlns:m="http://schemas.openxmlformats.org/officeDocument/2006/math" xmlns="" val="1"/>
+              <ma14:wrappingTextBoxFlag xmlns="" xmlns:m="http://schemas.openxmlformats.org/officeDocument/2006/math" xmlns:a14="http://schemas.microsoft.com/office/drawing/2010/main" xmlns:ma14="http://schemas.microsoft.com/office/mac/drawingml/2011/main" val="1"/>
             </a:ext>
           </a:extLst>
         </p:spPr>
@@ -10563,7 +9553,7 @@
           </a:ln>
           <a:extLst>
             <a:ext uri="{C572A759-6A51-4108-AA02-DFA0A04FC94B}">
-              <ma14:wrappingTextBoxFlag xmlns:ma14="http://schemas.microsoft.com/office/mac/drawingml/2011/main" xmlns:a14="http://schemas.microsoft.com/office/drawing/2010/main" xmlns:m="http://schemas.openxmlformats.org/officeDocument/2006/math" xmlns="" val="1"/>
+              <ma14:wrappingTextBoxFlag xmlns="" xmlns:m="http://schemas.openxmlformats.org/officeDocument/2006/math" xmlns:a14="http://schemas.microsoft.com/office/drawing/2010/main" xmlns:ma14="http://schemas.microsoft.com/office/mac/drawingml/2011/main" val="1"/>
             </a:ext>
           </a:extLst>
         </p:spPr>
@@ -10606,7 +9596,7 @@
           </a:ln>
           <a:extLst>
             <a:ext uri="{C572A759-6A51-4108-AA02-DFA0A04FC94B}">
-              <ma14:wrappingTextBoxFlag xmlns:ma14="http://schemas.microsoft.com/office/mac/drawingml/2011/main" xmlns:a14="http://schemas.microsoft.com/office/drawing/2010/main" xmlns:m="http://schemas.openxmlformats.org/officeDocument/2006/math" xmlns="" val="1"/>
+              <ma14:wrappingTextBoxFlag xmlns="" xmlns:m="http://schemas.openxmlformats.org/officeDocument/2006/math" xmlns:a14="http://schemas.microsoft.com/office/drawing/2010/main" xmlns:ma14="http://schemas.microsoft.com/office/mac/drawingml/2011/main" val="1"/>
             </a:ext>
           </a:extLst>
         </p:spPr>
@@ -10649,7 +9639,7 @@
           </a:ln>
           <a:extLst>
             <a:ext uri="{C572A759-6A51-4108-AA02-DFA0A04FC94B}">
-              <ma14:wrappingTextBoxFlag xmlns:ma14="http://schemas.microsoft.com/office/mac/drawingml/2011/main" xmlns:a14="http://schemas.microsoft.com/office/drawing/2010/main" xmlns:m="http://schemas.openxmlformats.org/officeDocument/2006/math" xmlns="" val="1"/>
+              <ma14:wrappingTextBoxFlag xmlns="" xmlns:m="http://schemas.openxmlformats.org/officeDocument/2006/math" xmlns:a14="http://schemas.microsoft.com/office/drawing/2010/main" xmlns:ma14="http://schemas.microsoft.com/office/mac/drawingml/2011/main" val="1"/>
             </a:ext>
           </a:extLst>
         </p:spPr>
@@ -10692,7 +9682,7 @@
           </a:ln>
           <a:extLst>
             <a:ext uri="{C572A759-6A51-4108-AA02-DFA0A04FC94B}">
-              <ma14:wrappingTextBoxFlag xmlns:ma14="http://schemas.microsoft.com/office/mac/drawingml/2011/main" xmlns:a14="http://schemas.microsoft.com/office/drawing/2010/main" xmlns:m="http://schemas.openxmlformats.org/officeDocument/2006/math" xmlns="" val="1"/>
+              <ma14:wrappingTextBoxFlag xmlns="" xmlns:m="http://schemas.openxmlformats.org/officeDocument/2006/math" xmlns:a14="http://schemas.microsoft.com/office/drawing/2010/main" xmlns:ma14="http://schemas.microsoft.com/office/mac/drawingml/2011/main" val="1"/>
             </a:ext>
           </a:extLst>
         </p:spPr>
@@ -10762,7 +9752,7 @@
           </a:ln>
           <a:extLst>
             <a:ext uri="{C572A759-6A51-4108-AA02-DFA0A04FC94B}">
-              <ma14:wrappingTextBoxFlag xmlns:ma14="http://schemas.microsoft.com/office/mac/drawingml/2011/main" xmlns:a14="http://schemas.microsoft.com/office/drawing/2010/main" xmlns:m="http://schemas.openxmlformats.org/officeDocument/2006/math" xmlns="" val="1"/>
+              <ma14:wrappingTextBoxFlag xmlns="" xmlns:m="http://schemas.openxmlformats.org/officeDocument/2006/math" xmlns:a14="http://schemas.microsoft.com/office/drawing/2010/main" xmlns:ma14="http://schemas.microsoft.com/office/mac/drawingml/2011/main" val="1"/>
             </a:ext>
           </a:extLst>
         </p:spPr>
@@ -10808,7 +9798,7 @@
           </a:ln>
           <a:extLst>
             <a:ext uri="{C572A759-6A51-4108-AA02-DFA0A04FC94B}">
-              <ma14:wrappingTextBoxFlag xmlns:ma14="http://schemas.microsoft.com/office/mac/drawingml/2011/main" xmlns:a14="http://schemas.microsoft.com/office/drawing/2010/main" xmlns:m="http://schemas.openxmlformats.org/officeDocument/2006/math" xmlns="" val="1"/>
+              <ma14:wrappingTextBoxFlag xmlns="" xmlns:m="http://schemas.openxmlformats.org/officeDocument/2006/math" xmlns:a14="http://schemas.microsoft.com/office/drawing/2010/main" xmlns:ma14="http://schemas.microsoft.com/office/mac/drawingml/2011/main" val="1"/>
             </a:ext>
           </a:extLst>
         </p:spPr>
@@ -10854,7 +9844,7 @@
           </a:ln>
           <a:extLst>
             <a:ext uri="{C572A759-6A51-4108-AA02-DFA0A04FC94B}">
-              <ma14:wrappingTextBoxFlag xmlns:ma14="http://schemas.microsoft.com/office/mac/drawingml/2011/main" xmlns:a14="http://schemas.microsoft.com/office/drawing/2010/main" xmlns:m="http://schemas.openxmlformats.org/officeDocument/2006/math" xmlns="" val="1"/>
+              <ma14:wrappingTextBoxFlag xmlns="" xmlns:m="http://schemas.openxmlformats.org/officeDocument/2006/math" xmlns:a14="http://schemas.microsoft.com/office/drawing/2010/main" xmlns:ma14="http://schemas.microsoft.com/office/mac/drawingml/2011/main" val="1"/>
             </a:ext>
           </a:extLst>
         </p:spPr>
@@ -10900,7 +9890,7 @@
           </a:ln>
           <a:extLst>
             <a:ext uri="{C572A759-6A51-4108-AA02-DFA0A04FC94B}">
-              <ma14:wrappingTextBoxFlag xmlns:ma14="http://schemas.microsoft.com/office/mac/drawingml/2011/main" xmlns:a14="http://schemas.microsoft.com/office/drawing/2010/main" xmlns:m="http://schemas.openxmlformats.org/officeDocument/2006/math" xmlns="" val="1"/>
+              <ma14:wrappingTextBoxFlag xmlns="" xmlns:m="http://schemas.openxmlformats.org/officeDocument/2006/math" xmlns:a14="http://schemas.microsoft.com/office/drawing/2010/main" xmlns:ma14="http://schemas.microsoft.com/office/mac/drawingml/2011/main" val="1"/>
             </a:ext>
           </a:extLst>
         </p:spPr>
@@ -10920,46 +9910,6 @@
           <a:p>
             <a:r>
               <a:t>→ When in doubt: use a Hann window</a:t>
-            </a:r>
-          </a:p>
-        </p:txBody>
-      </p:sp>
-      <p:sp>
-        <p:nvSpPr>
-          <p:cNvPr id="687" name="ECS7012P Music and Audio Programming • Week 10b"/>
-          <p:cNvSpPr txBox="1"/>
-          <p:nvPr/>
-        </p:nvSpPr>
-        <p:spPr>
-          <a:xfrm>
-            <a:off x="4293541" y="12630898"/>
-            <a:ext cx="16905886" cy="988926"/>
-          </a:xfrm>
-          <a:prstGeom prst="rect">
-            <a:avLst/>
-          </a:prstGeom>
-          <a:ln w="12700">
-            <a:miter lim="400000"/>
-          </a:ln>
-          <a:extLst>
-            <a:ext uri="{C572A759-6A51-4108-AA02-DFA0A04FC94B}">
-              <ma14:wrappingTextBoxFlag xmlns:ma14="http://schemas.microsoft.com/office/mac/drawingml/2011/main" xmlns:a14="http://schemas.microsoft.com/office/drawing/2010/main" xmlns:m="http://schemas.openxmlformats.org/officeDocument/2006/math" xmlns="" val="1"/>
-            </a:ext>
-          </a:extLst>
-        </p:spPr>
-        <p:txBody>
-          <a:bodyPr lIns="50800" tIns="50800" rIns="50800" bIns="50800" anchor="ctr"/>
-          <a:lstStyle>
-            <a:lvl1pPr>
-              <a:spcBef>
-                <a:spcPts val="5900"/>
-              </a:spcBef>
-              <a:defRPr sz="4000" b="0"/>
-            </a:lvl1pPr>
-          </a:lstStyle>
-          <a:p>
-            <a:r>
-              <a:t>ECS7012P Music and Audio Programming • Week 10b</a:t>
             </a:r>
           </a:p>
         </p:txBody>
@@ -11058,7 +10008,7 @@
 </p:sld>
 </file>
 
-<file path=ppt/slides/slide16.xml><?xml version="1.0" encoding="utf-8"?>
+<file path=ppt/slides/slide15.xml><?xml version="1.0" encoding="utf-8"?>
 <p:sld xmlns:a="http://schemas.openxmlformats.org/drawingml/2006/main" xmlns:r="http://schemas.openxmlformats.org/officeDocument/2006/relationships" xmlns:p="http://schemas.openxmlformats.org/presentationml/2006/main">
   <p:cSld>
     <p:spTree>
@@ -11231,7 +10181,7 @@
           </a:ln>
           <a:extLst>
             <a:ext uri="{C572A759-6A51-4108-AA02-DFA0A04FC94B}">
-              <ma14:wrappingTextBoxFlag xmlns:ma14="http://schemas.microsoft.com/office/mac/drawingml/2011/main" xmlns:a14="http://schemas.microsoft.com/office/drawing/2010/main" xmlns:m="http://schemas.openxmlformats.org/officeDocument/2006/math" xmlns="" val="1"/>
+              <ma14:wrappingTextBoxFlag xmlns="" xmlns:m="http://schemas.openxmlformats.org/officeDocument/2006/math" xmlns:a14="http://schemas.microsoft.com/office/drawing/2010/main" xmlns:ma14="http://schemas.microsoft.com/office/mac/drawingml/2011/main" val="1"/>
             </a:ext>
           </a:extLst>
         </p:spPr>
@@ -11440,7 +10390,7 @@
               <a:effectLst/>
               <a:extLst>
                 <a:ext uri="{C572A759-6A51-4108-AA02-DFA0A04FC94B}">
-                  <ma14:wrappingTextBoxFlag xmlns:ma14="http://schemas.microsoft.com/office/mac/drawingml/2011/main" xmlns:a14="http://schemas.microsoft.com/office/drawing/2010/main" xmlns:m="http://schemas.openxmlformats.org/officeDocument/2006/math" xmlns="" val="1"/>
+                  <ma14:wrappingTextBoxFlag xmlns="" xmlns:m="http://schemas.openxmlformats.org/officeDocument/2006/math" xmlns:a14="http://schemas.microsoft.com/office/drawing/2010/main" xmlns:ma14="http://schemas.microsoft.com/office/mac/drawingml/2011/main" val="1"/>
                 </a:ext>
               </a:extLst>
             </p:spPr>
@@ -11782,7 +10732,7 @@
             <a:effectLst/>
             <a:extLst>
               <a:ext uri="{C572A759-6A51-4108-AA02-DFA0A04FC94B}">
-                <ma14:wrappingTextBoxFlag xmlns:ma14="http://schemas.microsoft.com/office/mac/drawingml/2011/main" xmlns:a14="http://schemas.microsoft.com/office/drawing/2010/main" xmlns:m="http://schemas.openxmlformats.org/officeDocument/2006/math" xmlns="" val="1"/>
+                <ma14:wrappingTextBoxFlag xmlns="" xmlns:m="http://schemas.openxmlformats.org/officeDocument/2006/math" xmlns:a14="http://schemas.microsoft.com/office/drawing/2010/main" xmlns:ma14="http://schemas.microsoft.com/office/mac/drawingml/2011/main" val="1"/>
               </a:ext>
             </a:extLst>
           </p:spPr>
@@ -11803,46 +10753,6 @@
           </p:txBody>
         </p:sp>
       </p:grpSp>
-      <p:sp>
-        <p:nvSpPr>
-          <p:cNvPr id="697" name="ECS7012P Music and Audio Programming • Week 10b"/>
-          <p:cNvSpPr txBox="1"/>
-          <p:nvPr/>
-        </p:nvSpPr>
-        <p:spPr>
-          <a:xfrm>
-            <a:off x="4293541" y="12630898"/>
-            <a:ext cx="16905886" cy="988926"/>
-          </a:xfrm>
-          <a:prstGeom prst="rect">
-            <a:avLst/>
-          </a:prstGeom>
-          <a:ln w="12700">
-            <a:miter lim="400000"/>
-          </a:ln>
-          <a:extLst>
-            <a:ext uri="{C572A759-6A51-4108-AA02-DFA0A04FC94B}">
-              <ma14:wrappingTextBoxFlag xmlns:ma14="http://schemas.microsoft.com/office/mac/drawingml/2011/main" xmlns:a14="http://schemas.microsoft.com/office/drawing/2010/main" xmlns:m="http://schemas.openxmlformats.org/officeDocument/2006/math" xmlns="" val="1"/>
-            </a:ext>
-          </a:extLst>
-        </p:spPr>
-        <p:txBody>
-          <a:bodyPr lIns="50800" tIns="50800" rIns="50800" bIns="50800" anchor="ctr"/>
-          <a:lstStyle>
-            <a:lvl1pPr>
-              <a:spcBef>
-                <a:spcPts val="5900"/>
-              </a:spcBef>
-              <a:defRPr sz="4000" b="0"/>
-            </a:lvl1pPr>
-          </a:lstStyle>
-          <a:p>
-            <a:r>
-              <a:t>ECS7012P Music and Audio Programming • Week 10b</a:t>
-            </a:r>
-          </a:p>
-        </p:txBody>
-      </p:sp>
     </p:spTree>
   </p:cSld>
   <p:clrMapOvr>
@@ -12414,7 +11324,7 @@
 </p:sld>
 </file>
 
-<file path=ppt/slides/slide17.xml><?xml version="1.0" encoding="utf-8"?>
+<file path=ppt/slides/slide16.xml><?xml version="1.0" encoding="utf-8"?>
 <p:sld xmlns:a="http://schemas.openxmlformats.org/drawingml/2006/main" xmlns:r="http://schemas.openxmlformats.org/officeDocument/2006/relationships" xmlns:p="http://schemas.openxmlformats.org/presentationml/2006/main">
   <p:cSld>
     <p:spTree>
@@ -12457,17 +11367,27 @@
               <a:defRPr sz="5044"/>
             </a:pPr>
             <a:r>
+              <a:rPr dirty="0"/>
               <a:t>Let’s go back to our </a:t>
             </a:r>
             <a:r>
-              <a:rPr>
+              <a:rPr dirty="0" err="1">
                 <a:solidFill>
                   <a:srgbClr val="3D46A6"/>
                 </a:solidFill>
               </a:rPr>
-              <a:t>fft-sine</a:t>
-            </a:r>
-            <a:r>
+              <a:t>fft</a:t>
+            </a:r>
+            <a:r>
+              <a:rPr dirty="0">
+                <a:solidFill>
+                  <a:srgbClr val="3D46A6"/>
+                </a:solidFill>
+              </a:rPr>
+              <a:t>-sine</a:t>
+            </a:r>
+            <a:r>
+              <a:rPr dirty="0"/>
               <a:t> project and see the window in action</a:t>
             </a:r>
           </a:p>
@@ -12479,7 +11399,7 @@
               <a:defRPr sz="5044"/>
             </a:pPr>
             <a:r>
-              <a:rPr>
+              <a:rPr dirty="0">
                 <a:solidFill>
                   <a:srgbClr val="9B1200"/>
                 </a:solidFill>
@@ -12487,21 +11407,31 @@
               <a:t>Task:</a:t>
             </a:r>
             <a:r>
+              <a:rPr dirty="0"/>
               <a:t> in </a:t>
             </a:r>
             <a:r>
-              <a:rPr>
+              <a:rPr dirty="0" err="1">
                 <a:solidFill>
                   <a:srgbClr val="3D46A6"/>
                 </a:solidFill>
               </a:rPr>
-              <a:t>fft-sine</a:t>
-            </a:r>
-            <a:r>
+              <a:t>fft</a:t>
+            </a:r>
+            <a:r>
+              <a:rPr dirty="0">
+                <a:solidFill>
+                  <a:srgbClr val="3D46A6"/>
+                </a:solidFill>
+              </a:rPr>
+              <a:t>-sine</a:t>
+            </a:r>
+            <a:r>
+              <a:rPr dirty="0"/>
               <a:t>, implement a </a:t>
             </a:r>
             <a:r>
-              <a:rPr>
+              <a:rPr dirty="0">
                 <a:solidFill>
                   <a:srgbClr val="3D46A6"/>
                 </a:solidFill>
@@ -12509,6 +11439,7 @@
               <a:t>Hann</a:t>
             </a:r>
             <a:r>
+              <a:rPr dirty="0"/>
               <a:t> window</a:t>
             </a:r>
           </a:p>
@@ -12520,6 +11451,7 @@
               <a:defRPr sz="4268"/>
             </a:pPr>
             <a:r>
+              <a:rPr dirty="0"/>
               <a:t>Change the frequency in the GUI so it doesn’t align with any bin</a:t>
             </a:r>
           </a:p>
@@ -12531,10 +11463,11 @@
               <a:defRPr sz="4268"/>
             </a:pPr>
             <a:r>
+              <a:rPr dirty="0"/>
               <a:t>What happens to the </a:t>
             </a:r>
             <a:r>
-              <a:rPr>
+              <a:rPr dirty="0">
                 <a:solidFill>
                   <a:srgbClr val="3D46A6"/>
                 </a:solidFill>
@@ -12542,6 +11475,7 @@
               <a:t>width of the main lobe</a:t>
             </a:r>
             <a:r>
+              <a:rPr dirty="0"/>
               <a:t>?</a:t>
             </a:r>
           </a:p>
@@ -12553,10 +11487,11 @@
               <a:defRPr sz="4268"/>
             </a:pPr>
             <a:r>
+              <a:rPr dirty="0"/>
               <a:t>What happens to the </a:t>
             </a:r>
             <a:r>
-              <a:rPr>
+              <a:rPr dirty="0">
                 <a:solidFill>
                   <a:srgbClr val="3D46A6"/>
                 </a:solidFill>
@@ -12564,6 +11499,7 @@
               <a:t>side lobes</a:t>
             </a:r>
             <a:r>
+              <a:rPr dirty="0"/>
               <a:t>?</a:t>
             </a:r>
           </a:p>
@@ -12575,17 +11511,35 @@
               <a:defRPr sz="4268"/>
             </a:pPr>
             <a:r>
-              <a:t>As a bonus, the Hann window should </a:t>
-            </a:r>
-            <a:r>
-              <a:rPr>
+              <a:rPr dirty="0"/>
+              <a:t>As a bonus, Hann window should </a:t>
+            </a:r>
+            <a:r>
+              <a:rPr dirty="0">
                 <a:solidFill>
                   <a:srgbClr val="3D46A6"/>
                 </a:solidFill>
               </a:rPr>
-              <a:t>improve the frequency estimation</a:t>
-            </a:r>
-            <a:r>
+              <a:t>improve</a:t>
+            </a:r>
+            <a:r>
+              <a:rPr lang="en-GB" dirty="0">
+                <a:solidFill>
+                  <a:srgbClr val="3D46A6"/>
+                </a:solidFill>
+              </a:rPr>
+              <a:t> </a:t>
+            </a:r>
+            <a:r>
+              <a:rPr dirty="0">
+                <a:solidFill>
+                  <a:srgbClr val="3D46A6"/>
+                </a:solidFill>
+              </a:rPr>
+              <a:t>frequency estimation</a:t>
+            </a:r>
+            <a:r>
+              <a:rPr dirty="0"/>
               <a:t>!</a:t>
             </a:r>
           </a:p>
@@ -12597,6 +11551,7 @@
               <a:defRPr sz="5044"/>
             </a:pPr>
             <a:r>
+              <a:rPr dirty="0"/>
               <a:t>Why didn’t we see the classic comb filter pattern?</a:t>
             </a:r>
           </a:p>
@@ -12608,10 +11563,11 @@
               <a:defRPr sz="4268"/>
             </a:pPr>
             <a:r>
-              <a:t>Because the </a:t>
-            </a:r>
-            <a:r>
-              <a:rPr>
+              <a:rPr dirty="0"/>
+              <a:t>Because </a:t>
+            </a:r>
+            <a:r>
+              <a:rPr dirty="0">
                 <a:solidFill>
                   <a:srgbClr val="3D46A6"/>
                 </a:solidFill>
@@ -12627,6 +11583,7 @@
               <a:defRPr sz="4268"/>
             </a:pPr>
             <a:r>
+              <a:rPr dirty="0"/>
               <a:t>The FFT is effectively sampling the peaks of each lobe</a:t>
             </a:r>
           </a:p>
@@ -12638,7 +11595,7 @@
               <a:defRPr sz="5044"/>
             </a:pPr>
             <a:r>
-              <a:rPr>
+              <a:rPr dirty="0">
                 <a:solidFill>
                   <a:srgbClr val="9B1200"/>
                 </a:solidFill>
@@ -12646,10 +11603,11 @@
               <a:t>Task 2:</a:t>
             </a:r>
             <a:r>
+              <a:rPr dirty="0"/>
               <a:t> in </a:t>
             </a:r>
             <a:r>
-              <a:rPr>
+              <a:rPr dirty="0">
                 <a:latin typeface="Courier"/>
                 <a:ea typeface="Courier"/>
                 <a:cs typeface="Courier"/>
@@ -12658,14 +11616,18 @@
               <a:t>setup()</a:t>
             </a:r>
             <a:r>
+              <a:rPr dirty="0"/>
               <a:t>, change the window size to </a:t>
             </a:r>
-            <a:br/>
-            <a:r>
+            <a:br>
+              <a:rPr dirty="0"/>
+            </a:br>
+            <a:r>
+              <a:rPr dirty="0"/>
               <a:t>be a </a:t>
             </a:r>
             <a:r>
-              <a:rPr>
+              <a:rPr dirty="0">
                 <a:solidFill>
                   <a:srgbClr val="3D46A6"/>
                 </a:solidFill>
@@ -12681,6 +11643,7 @@
               <a:defRPr sz="4268"/>
             </a:pPr>
             <a:r>
+              <a:rPr dirty="0"/>
               <a:t>Say 1/4 or 1/8 of the FFT length</a:t>
             </a:r>
           </a:p>
@@ -12692,6 +11655,7 @@
               <a:defRPr sz="4268"/>
             </a:pPr>
             <a:r>
+              <a:rPr dirty="0"/>
               <a:t>Now the lobes should be visible</a:t>
             </a:r>
           </a:p>
@@ -12717,7 +11681,12 @@
           <a:lstStyle/>
           <a:p>
             <a:r>
-              <a:t>Visualising the effects of windowing</a:t>
+              <a:rPr dirty="0" err="1"/>
+              <a:t>Visualising</a:t>
+            </a:r>
+            <a:r>
+              <a:rPr dirty="0"/>
+              <a:t> effects of windowing</a:t>
             </a:r>
           </a:p>
         </p:txBody>
@@ -14913,188 +13882,6 @@
           <a:chExt cx="0" cy="0"/>
         </a:xfrm>
       </p:grpSpPr>
-      <p:sp>
-        <p:nvSpPr>
-          <p:cNvPr id="467" name="Task: run the example project fft-sine…"/>
-          <p:cNvSpPr txBox="1">
-            <a:spLocks noGrp="1"/>
-          </p:cNvSpPr>
-          <p:nvPr>
-            <p:ph type="body" idx="1"/>
-          </p:nvPr>
-        </p:nvSpPr>
-        <p:spPr>
-          <a:prstGeom prst="rect">
-            <a:avLst/>
-          </a:prstGeom>
-        </p:spPr>
-        <p:txBody>
-          <a:bodyPr anchor="t"/>
-          <a:lstStyle/>
-          <a:p>
-            <a:r>
-              <a:rPr dirty="0">
-                <a:solidFill>
-                  <a:srgbClr val="9B1200"/>
-                </a:solidFill>
-              </a:rPr>
-              <a:t>Task:</a:t>
-            </a:r>
-            <a:r>
-              <a:rPr dirty="0"/>
-              <a:t> run the example project </a:t>
-            </a:r>
-            <a:r>
-              <a:rPr dirty="0" err="1">
-                <a:solidFill>
-                  <a:srgbClr val="3D46A6"/>
-                </a:solidFill>
-              </a:rPr>
-              <a:t>fft</a:t>
-            </a:r>
-            <a:r>
-              <a:rPr dirty="0">
-                <a:solidFill>
-                  <a:srgbClr val="3D46A6"/>
-                </a:solidFill>
-              </a:rPr>
-              <a:t>-sine</a:t>
-            </a:r>
-          </a:p>
-          <a:p>
-            <a:pPr lvl="1"/>
-            <a:r>
-              <a:rPr dirty="0"/>
-              <a:t>This project takes FFT of a sine wave and displays the spectrum in the GUI</a:t>
-            </a:r>
-          </a:p>
-          <a:p>
-            <a:pPr lvl="2"/>
-            <a:r>
-              <a:rPr dirty="0"/>
-              <a:t>Block-based processing in </a:t>
-            </a:r>
-            <a:r>
-              <a:rPr dirty="0">
-                <a:latin typeface="Courier"/>
-                <a:ea typeface="Courier"/>
-                <a:cs typeface="Courier"/>
-                <a:sym typeface="Courier"/>
-              </a:rPr>
-              <a:t>render.cpp</a:t>
-            </a:r>
-            <a:endParaRPr dirty="0"/>
-          </a:p>
-          <a:p>
-            <a:pPr lvl="1"/>
-            <a:r>
-              <a:rPr dirty="0"/>
-              <a:t>Adjust the frequency of the oscillator in the GUI: </a:t>
-            </a:r>
-            <a:r>
-              <a:rPr dirty="0">
-                <a:solidFill>
-                  <a:srgbClr val="3D46A6"/>
-                </a:solidFill>
-              </a:rPr>
-              <a:t>what happens to the spectrum?</a:t>
-            </a:r>
-          </a:p>
-          <a:p>
-            <a:pPr lvl="2"/>
-            <a:r>
-              <a:rPr dirty="0"/>
-              <a:t>By default, the sine is </a:t>
-            </a:r>
-            <a:r>
-              <a:rPr dirty="0">
-                <a:solidFill>
-                  <a:srgbClr val="3D46A6"/>
-                </a:solidFill>
-              </a:rPr>
-              <a:t>exactly</a:t>
-            </a:r>
-            <a:r>
-              <a:rPr dirty="0"/>
-              <a:t> on an FFT bin frequency</a:t>
-            </a:r>
-          </a:p>
-          <a:p>
-            <a:pPr lvl="2"/>
-            <a:r>
-              <a:rPr dirty="0"/>
-              <a:t>After you adjust it, the frequency will fall between FFT bins</a:t>
-            </a:r>
-          </a:p>
-          <a:p>
-            <a:pPr lvl="1"/>
-            <a:r>
-              <a:rPr dirty="0"/>
-              <a:t>You can change the FFT size at the top of </a:t>
-            </a:r>
-            <a:r>
-              <a:rPr dirty="0">
-                <a:latin typeface="Courier"/>
-                <a:ea typeface="Courier"/>
-                <a:cs typeface="Courier"/>
-                <a:sym typeface="Courier"/>
-              </a:rPr>
-              <a:t>render.cpp</a:t>
-            </a:r>
-          </a:p>
-        </p:txBody>
-      </p:sp>
-      <p:sp>
-        <p:nvSpPr>
-          <p:cNvPr id="468" name="Sine wave in the frequency domain: task"/>
-          <p:cNvSpPr txBox="1">
-            <a:spLocks noGrp="1"/>
-          </p:cNvSpPr>
-          <p:nvPr>
-            <p:ph type="title"/>
-          </p:nvPr>
-        </p:nvSpPr>
-        <p:spPr>
-          <a:prstGeom prst="rect">
-            <a:avLst/>
-          </a:prstGeom>
-        </p:spPr>
-        <p:txBody>
-          <a:bodyPr/>
-          <a:lstStyle/>
-          <a:p>
-            <a:r>
-              <a:t>Sine wave in the frequency domain: task</a:t>
-            </a:r>
-          </a:p>
-        </p:txBody>
-      </p:sp>
-    </p:spTree>
-  </p:cSld>
-  <p:clrMapOvr>
-    <a:masterClrMapping/>
-  </p:clrMapOvr>
-  <p:transition spd="med"/>
-</p:sld>
-</file>
-
-<file path=ppt/slides/slide3.xml><?xml version="1.0" encoding="utf-8"?>
-<p:sld xmlns:a="http://schemas.openxmlformats.org/drawingml/2006/main" xmlns:r="http://schemas.openxmlformats.org/officeDocument/2006/relationships" xmlns:p="http://schemas.openxmlformats.org/presentationml/2006/main">
-  <p:cSld>
-    <p:spTree>
-      <p:nvGrpSpPr>
-        <p:cNvPr id="1" name=""/>
-        <p:cNvGrpSpPr/>
-        <p:nvPr/>
-      </p:nvGrpSpPr>
-      <p:grpSpPr>
-        <a:xfrm>
-          <a:off x="0" y="0"/>
-          <a:ext cx="0" cy="0"/>
-          <a:chOff x="0" y="0"/>
-          <a:chExt cx="0" cy="0"/>
-        </a:xfrm>
-      </p:grpSpPr>
       <p:grpSp>
         <p:nvGrpSpPr>
           <p:cNvPr id="374" name="Group"/>
@@ -15161,7 +13948,7 @@
             <a:effectLst/>
             <a:extLst>
               <a:ext uri="{C572A759-6A51-4108-AA02-DFA0A04FC94B}">
-                <ma14:wrappingTextBoxFlag xmlns:ma14="http://schemas.microsoft.com/office/mac/drawingml/2011/main" xmlns:a14="http://schemas.microsoft.com/office/drawing/2010/main" xmlns:m="http://schemas.openxmlformats.org/officeDocument/2006/math" xmlns="" val="1"/>
+                <ma14:wrappingTextBoxFlag xmlns="" xmlns:m="http://schemas.openxmlformats.org/officeDocument/2006/math" xmlns:a14="http://schemas.microsoft.com/office/drawing/2010/main" xmlns:ma14="http://schemas.microsoft.com/office/mac/drawingml/2011/main" val="1"/>
               </a:ext>
             </a:extLst>
           </p:spPr>
@@ -15372,7 +14159,7 @@
           </a:ln>
           <a:extLst>
             <a:ext uri="{C572A759-6A51-4108-AA02-DFA0A04FC94B}">
-              <ma14:wrappingTextBoxFlag xmlns:ma14="http://schemas.microsoft.com/office/mac/drawingml/2011/main" xmlns:a14="http://schemas.microsoft.com/office/drawing/2010/main" xmlns:m="http://schemas.openxmlformats.org/officeDocument/2006/math" xmlns="" val="1"/>
+              <ma14:wrappingTextBoxFlag xmlns="" xmlns:m="http://schemas.openxmlformats.org/officeDocument/2006/math" xmlns:a14="http://schemas.microsoft.com/office/drawing/2010/main" xmlns:ma14="http://schemas.microsoft.com/office/mac/drawingml/2011/main" val="1"/>
             </a:ext>
           </a:extLst>
         </p:spPr>
@@ -15428,7 +14215,7 @@
             <a:effectLst/>
             <a:extLst>
               <a:ext uri="{C572A759-6A51-4108-AA02-DFA0A04FC94B}">
-                <ma14:wrappingTextBoxFlag xmlns:ma14="http://schemas.microsoft.com/office/mac/drawingml/2011/main" xmlns:a14="http://schemas.microsoft.com/office/drawing/2010/main" xmlns:m="http://schemas.openxmlformats.org/officeDocument/2006/math" xmlns="" val="1"/>
+                <ma14:wrappingTextBoxFlag xmlns="" xmlns:m="http://schemas.openxmlformats.org/officeDocument/2006/math" xmlns:a14="http://schemas.microsoft.com/office/drawing/2010/main" xmlns:ma14="http://schemas.microsoft.com/office/mac/drawingml/2011/main" val="1"/>
               </a:ext>
             </a:extLst>
           </p:spPr>
@@ -16497,7 +15284,7 @@
             <a:effectLst/>
             <a:extLst>
               <a:ext uri="{C572A759-6A51-4108-AA02-DFA0A04FC94B}">
-                <ma14:wrappingTextBoxFlag xmlns:ma14="http://schemas.microsoft.com/office/mac/drawingml/2011/main" xmlns:a14="http://schemas.microsoft.com/office/drawing/2010/main" xmlns:m="http://schemas.openxmlformats.org/officeDocument/2006/math" xmlns="" val="1"/>
+                <ma14:wrappingTextBoxFlag xmlns="" xmlns:m="http://schemas.openxmlformats.org/officeDocument/2006/math" xmlns:a14="http://schemas.microsoft.com/office/drawing/2010/main" xmlns:ma14="http://schemas.microsoft.com/office/mac/drawingml/2011/main" val="1"/>
               </a:ext>
             </a:extLst>
           </p:spPr>
@@ -16604,7 +15391,7 @@
             <a:effectLst/>
             <a:extLst>
               <a:ext uri="{C572A759-6A51-4108-AA02-DFA0A04FC94B}">
-                <ma14:wrappingTextBoxFlag xmlns:ma14="http://schemas.microsoft.com/office/mac/drawingml/2011/main" xmlns:a14="http://schemas.microsoft.com/office/drawing/2010/main" xmlns:m="http://schemas.openxmlformats.org/officeDocument/2006/math" xmlns="" val="1"/>
+                <ma14:wrappingTextBoxFlag xmlns="" xmlns:m="http://schemas.openxmlformats.org/officeDocument/2006/math" xmlns:a14="http://schemas.microsoft.com/office/drawing/2010/main" xmlns:ma14="http://schemas.microsoft.com/office/mac/drawingml/2011/main" val="1"/>
               </a:ext>
             </a:extLst>
           </p:spPr>
@@ -16659,7 +15446,7 @@
           </a:ln>
           <a:extLst>
             <a:ext uri="{C572A759-6A51-4108-AA02-DFA0A04FC94B}">
-              <ma14:wrappingTextBoxFlag xmlns:ma14="http://schemas.microsoft.com/office/mac/drawingml/2011/main" xmlns:a14="http://schemas.microsoft.com/office/drawing/2010/main" xmlns:m="http://schemas.openxmlformats.org/officeDocument/2006/math" xmlns="" val="1"/>
+              <ma14:wrappingTextBoxFlag xmlns="" xmlns:m="http://schemas.openxmlformats.org/officeDocument/2006/math" xmlns:a14="http://schemas.microsoft.com/office/drawing/2010/main" xmlns:ma14="http://schemas.microsoft.com/office/mac/drawingml/2011/main" val="1"/>
             </a:ext>
           </a:extLst>
         </p:spPr>
@@ -17046,7 +15833,7 @@
 </p:sld>
 </file>
 
-<file path=ppt/slides/slide4.xml><?xml version="1.0" encoding="utf-8"?>
+<file path=ppt/slides/slide3.xml><?xml version="1.0" encoding="utf-8"?>
 <p:sld xmlns:a="http://schemas.openxmlformats.org/drawingml/2006/main" xmlns:r="http://schemas.openxmlformats.org/officeDocument/2006/relationships" xmlns:p="http://schemas.openxmlformats.org/presentationml/2006/main">
   <p:cSld>
     <p:spTree>
@@ -17225,7 +16012,7 @@
             <a:effectLst/>
             <a:extLst>
               <a:ext uri="{C572A759-6A51-4108-AA02-DFA0A04FC94B}">
-                <ma14:wrappingTextBoxFlag xmlns:ma14="http://schemas.microsoft.com/office/mac/drawingml/2011/main" xmlns:a14="http://schemas.microsoft.com/office/drawing/2010/main" xmlns:m="http://schemas.openxmlformats.org/officeDocument/2006/math" xmlns="" val="1"/>
+                <ma14:wrappingTextBoxFlag xmlns="" xmlns:m="http://schemas.openxmlformats.org/officeDocument/2006/math" xmlns:a14="http://schemas.microsoft.com/office/drawing/2010/main" xmlns:ma14="http://schemas.microsoft.com/office/mac/drawingml/2011/main" val="1"/>
               </a:ext>
             </a:extLst>
           </p:spPr>
@@ -17416,7 +16203,7 @@
             <a:effectLst/>
             <a:extLst>
               <a:ext uri="{C572A759-6A51-4108-AA02-DFA0A04FC94B}">
-                <ma14:wrappingTextBoxFlag xmlns:ma14="http://schemas.microsoft.com/office/mac/drawingml/2011/main" xmlns:a14="http://schemas.microsoft.com/office/drawing/2010/main" xmlns:m="http://schemas.openxmlformats.org/officeDocument/2006/math" xmlns="" val="1"/>
+                <ma14:wrappingTextBoxFlag xmlns="" xmlns:m="http://schemas.openxmlformats.org/officeDocument/2006/math" xmlns:a14="http://schemas.microsoft.com/office/drawing/2010/main" xmlns:ma14="http://schemas.microsoft.com/office/mac/drawingml/2011/main" val="1"/>
               </a:ext>
             </a:extLst>
           </p:spPr>
@@ -17554,7 +16341,7 @@
               <a:effectLst/>
               <a:extLst>
                 <a:ext uri="{C572A759-6A51-4108-AA02-DFA0A04FC94B}">
-                  <ma14:wrappingTextBoxFlag xmlns:ma14="http://schemas.microsoft.com/office/mac/drawingml/2011/main" xmlns:a14="http://schemas.microsoft.com/office/drawing/2010/main" xmlns:m="http://schemas.openxmlformats.org/officeDocument/2006/math" xmlns="" val="1"/>
+                  <ma14:wrappingTextBoxFlag xmlns="" xmlns:m="http://schemas.openxmlformats.org/officeDocument/2006/math" xmlns:a14="http://schemas.microsoft.com/office/drawing/2010/main" xmlns:ma14="http://schemas.microsoft.com/office/mac/drawingml/2011/main" val="1"/>
                 </a:ext>
               </a:extLst>
             </p:spPr>
@@ -18575,7 +17362,7 @@
               <a:effectLst/>
               <a:extLst>
                 <a:ext uri="{C572A759-6A51-4108-AA02-DFA0A04FC94B}">
-                  <ma14:wrappingTextBoxFlag xmlns:ma14="http://schemas.microsoft.com/office/mac/drawingml/2011/main" xmlns:a14="http://schemas.microsoft.com/office/drawing/2010/main" xmlns:m="http://schemas.openxmlformats.org/officeDocument/2006/math" xmlns="" val="1"/>
+                  <ma14:wrappingTextBoxFlag xmlns="" xmlns:m="http://schemas.openxmlformats.org/officeDocument/2006/math" xmlns:a14="http://schemas.microsoft.com/office/drawing/2010/main" xmlns:ma14="http://schemas.microsoft.com/office/mac/drawingml/2011/main" val="1"/>
                 </a:ext>
               </a:extLst>
             </p:spPr>
@@ -19354,7 +18141,7 @@
             <a:effectLst/>
             <a:extLst>
               <a:ext uri="{C572A759-6A51-4108-AA02-DFA0A04FC94B}">
-                <ma14:wrappingTextBoxFlag xmlns:ma14="http://schemas.microsoft.com/office/mac/drawingml/2011/main" xmlns:a14="http://schemas.microsoft.com/office/drawing/2010/main" xmlns:m="http://schemas.openxmlformats.org/officeDocument/2006/math" xmlns="" val="1"/>
+                <ma14:wrappingTextBoxFlag xmlns="" xmlns:m="http://schemas.openxmlformats.org/officeDocument/2006/math" xmlns:a14="http://schemas.microsoft.com/office/drawing/2010/main" xmlns:ma14="http://schemas.microsoft.com/office/mac/drawingml/2011/main" val="1"/>
               </a:ext>
             </a:extLst>
           </p:spPr>
@@ -19933,7 +18720,7 @@
 </p:sld>
 </file>
 
-<file path=ppt/slides/slide5.xml><?xml version="1.0" encoding="utf-8"?>
+<file path=ppt/slides/slide4.xml><?xml version="1.0" encoding="utf-8"?>
 <p:sld xmlns:a="http://schemas.openxmlformats.org/drawingml/2006/main" xmlns:r="http://schemas.openxmlformats.org/officeDocument/2006/relationships" xmlns:p="http://schemas.openxmlformats.org/presentationml/2006/main">
   <p:cSld>
     <p:spTree>
@@ -19970,10 +18757,15 @@
           <a:lstStyle/>
           <a:p>
             <a:r>
-              <a:t>We can estimate the </a:t>
-            </a:r>
-            <a:r>
-              <a:rPr>
+              <a:rPr lang="en-GB" dirty="0"/>
+              <a:t>C</a:t>
+            </a:r>
+            <a:r>
+              <a:rPr dirty="0"/>
+              <a:t>an estimate </a:t>
+            </a:r>
+            <a:r>
+              <a:rPr dirty="0">
                 <a:solidFill>
                   <a:srgbClr val="3D46A6"/>
                 </a:solidFill>
@@ -19981,16 +18773,18 @@
               <a:t>exact frequency</a:t>
             </a:r>
             <a:r>
-              <a:t> of a sine wave from the FFT</a:t>
+              <a:rPr dirty="0"/>
+              <a:t> of sine wave from FFT</a:t>
             </a:r>
           </a:p>
           <a:p>
             <a:pPr lvl="1"/>
             <a:r>
-              <a:t>Even though the FFT only has bins at </a:t>
-            </a:r>
-            <a:r>
-              <a:rPr>
+              <a:rPr dirty="0"/>
+              <a:t>Even though FFT only has bins at </a:t>
+            </a:r>
+            <a:r>
+              <a:rPr dirty="0">
                 <a:solidFill>
                   <a:srgbClr val="3D46A6"/>
                 </a:solidFill>
@@ -19998,10 +18792,11 @@
               <a:t>fixed</a:t>
             </a:r>
             <a:r>
+              <a:rPr dirty="0"/>
               <a:t>, </a:t>
             </a:r>
             <a:r>
-              <a:rPr>
+              <a:rPr dirty="0">
                 <a:solidFill>
                   <a:srgbClr val="3D46A6"/>
                 </a:solidFill>
@@ -20009,15 +18804,25 @@
               <a:t>regularly spaced</a:t>
             </a:r>
             <a:r>
+              <a:rPr dirty="0"/>
               <a:t> frequencies!</a:t>
             </a:r>
           </a:p>
           <a:p>
             <a:r>
-              <a:t>To do this, we will need </a:t>
-            </a:r>
-            <a:r>
-              <a:rPr>
+              <a:rPr lang="en-GB" dirty="0"/>
+              <a:t>N</a:t>
+            </a:r>
+            <a:r>
+              <a:rPr dirty="0" err="1"/>
+              <a:t>eed</a:t>
+            </a:r>
+            <a:r>
+              <a:rPr dirty="0"/>
+              <a:t> </a:t>
+            </a:r>
+            <a:r>
+              <a:rPr dirty="0">
                 <a:solidFill>
                   <a:srgbClr val="3D46A6"/>
                 </a:solidFill>
@@ -20028,20 +18833,34 @@
           <a:p>
             <a:pPr lvl="1"/>
             <a:r>
-              <a:t>Two snapshots of the signal taken a known length of time apart</a:t>
+              <a:rPr dirty="0"/>
+              <a:t>Two snapshots of signal taken known length of time apart</a:t>
             </a:r>
           </a:p>
           <a:p>
             <a:r>
-              <a:t>Key point: </a:t>
-            </a:r>
-            <a:r>
-              <a:rPr>
+              <a:rPr lang="en-GB" dirty="0">
                 <a:solidFill>
                   <a:srgbClr val="9B1200"/>
                 </a:solidFill>
               </a:rPr>
-              <a:t>frequency is the derivative of phase</a:t>
+              <a:t>F</a:t>
+            </a:r>
+            <a:r>
+              <a:rPr dirty="0" err="1">
+                <a:solidFill>
+                  <a:srgbClr val="9B1200"/>
+                </a:solidFill>
+              </a:rPr>
+              <a:t>requency</a:t>
+            </a:r>
+            <a:r>
+              <a:rPr dirty="0">
+                <a:solidFill>
+                  <a:srgbClr val="9B1200"/>
+                </a:solidFill>
+              </a:rPr>
+              <a:t> is derivative of phase</a:t>
             </a:r>
           </a:p>
           <a:p>
@@ -20051,8 +18870,10 @@
               </a:spcBef>
             </a:pPr>
             <a:r>
-              <a:t>				or in discrete time:</a:t>
-            </a:r>
+              <a:rPr dirty="0"/>
+              <a:t>			</a:t>
+            </a:r>
+            <a:endParaRPr lang="en-GB" dirty="0"/>
           </a:p>
           <a:p>
             <a:pPr lvl="1">
@@ -20061,27 +18882,44 @@
               </a:spcBef>
             </a:pPr>
             <a:r>
-              <a:t>We can write out the first-order difference:</a:t>
-            </a:r>
+              <a:rPr lang="en-GB" dirty="0"/>
+              <a:t>I</a:t>
+            </a:r>
+            <a:r>
+              <a:rPr dirty="0"/>
+              <a:t>n discrete time:</a:t>
+            </a:r>
+          </a:p>
+          <a:p>
+            <a:pPr marL="635000" lvl="1" indent="0">
+              <a:buNone/>
+            </a:pPr>
+            <a:endParaRPr dirty="0"/>
+          </a:p>
+          <a:p>
+            <a:pPr lvl="2"/>
+            <a:endParaRPr dirty="0"/>
           </a:p>
           <a:p>
             <a:pPr lvl="1"/>
-            <a:endParaRPr/>
-          </a:p>
-          <a:p>
-            <a:pPr lvl="2"/>
-            <a:endParaRPr/>
-          </a:p>
-          <a:p>
-            <a:pPr lvl="1"/>
-            <a:r>
-              <a:t>Or generalising over a hop of </a:t>
-            </a:r>
-            <a:r>
-              <a:rPr i="1"/>
+            <a:r>
+              <a:rPr lang="en-GB" dirty="0"/>
+              <a:t>G</a:t>
+            </a:r>
+            <a:r>
+              <a:rPr dirty="0" err="1"/>
+              <a:t>eneralising</a:t>
+            </a:r>
+            <a:r>
+              <a:rPr dirty="0"/>
+              <a:t> over hop of </a:t>
+            </a:r>
+            <a:r>
+              <a:rPr i="1" dirty="0"/>
               <a:t>H </a:t>
             </a:r>
             <a:r>
+              <a:rPr dirty="0"/>
               <a:t>samples:</a:t>
             </a:r>
           </a:p>
@@ -20262,7 +19100,7 @@
             <a:effectLst/>
             <a:extLst>
               <a:ext uri="{C572A759-6A51-4108-AA02-DFA0A04FC94B}">
-                <ma14:wrappingTextBoxFlag xmlns:ma14="http://schemas.microsoft.com/office/mac/drawingml/2011/main" xmlns:a14="http://schemas.microsoft.com/office/drawing/2010/main" xmlns:m="http://schemas.openxmlformats.org/officeDocument/2006/math" xmlns="" val="1"/>
+                <ma14:wrappingTextBoxFlag xmlns="" xmlns:m="http://schemas.openxmlformats.org/officeDocument/2006/math" xmlns:a14="http://schemas.microsoft.com/office/drawing/2010/main" xmlns:ma14="http://schemas.microsoft.com/office/mac/drawingml/2011/main" val="1"/>
               </a:ext>
             </a:extLst>
           </p:spPr>
@@ -20510,16 +19348,15 @@
           </p:cNvPicPr>
           <p:nvPr/>
         </p:nvPicPr>
-        <p:blipFill>
+        <p:blipFill rotWithShape="1">
           <a:blip r:embed="rId3"/>
-          <a:stretch>
-            <a:fillRect/>
-          </a:stretch>
+          <a:srcRect l="10778"/>
+          <a:stretch/>
         </p:blipFill>
         <p:spPr>
           <a:xfrm>
-            <a:off x="2387791" y="8214328"/>
-            <a:ext cx="9296401" cy="1257301"/>
+            <a:off x="3389745" y="8214328"/>
+            <a:ext cx="8294447" cy="1257301"/>
           </a:xfrm>
           <a:prstGeom prst="rect">
             <a:avLst/>
@@ -20572,7 +19409,7 @@
         </p:blipFill>
         <p:spPr>
           <a:xfrm>
-            <a:off x="9632288" y="6108051"/>
+            <a:off x="997527" y="8284178"/>
             <a:ext cx="2501901" cy="1117601"/>
           </a:xfrm>
           <a:prstGeom prst="rect">
@@ -20974,23 +19811,14 @@
                             </p:childTnLst>
                           </p:cTn>
                         </p:par>
-                      </p:childTnLst>
-                    </p:cTn>
-                  </p:par>
-                  <p:par>
-                    <p:cTn id="31" fill="hold">
-                      <p:stCondLst>
-                        <p:cond delay="indefinite"/>
-                      </p:stCondLst>
-                      <p:childTnLst>
                         <p:par>
-                          <p:cTn id="32" fill="hold">
+                          <p:cTn id="31" fill="hold">
                             <p:stCondLst>
                               <p:cond delay="0"/>
                             </p:stCondLst>
                             <p:childTnLst>
                               <p:par>
-                                <p:cTn id="33" presetID="10" presetClass="entr" fill="hold" grpId="4" nodeType="clickEffect">
+                                <p:cTn id="32" presetID="1" presetClass="entr" presetSubtype="0" fill="hold" grpId="1" nodeType="afterEffect">
                                   <p:stCondLst>
                                     <p:cond delay="0"/>
                                   </p:stCondLst>
@@ -21000,140 +19828,7 @@
                                   <p:childTnLst>
                                     <p:set>
                                       <p:cBhvr>
-                                        <p:cTn id="34" fill="hold"/>
-                                        <p:tgtEl>
-                                          <p:spTgt spid="482"/>
-                                        </p:tgtEl>
-                                        <p:attrNameLst>
-                                          <p:attrName>style.visibility</p:attrName>
-                                        </p:attrNameLst>
-                                      </p:cBhvr>
-                                      <p:to>
-                                        <p:strVal val="visible"/>
-                                      </p:to>
-                                    </p:set>
-                                    <p:animEffect transition="in" filter="fade">
-                                      <p:cBhvr>
-                                        <p:cTn id="35" dur="500"/>
-                                        <p:tgtEl>
-                                          <p:spTgt spid="482"/>
-                                        </p:tgtEl>
-                                      </p:cBhvr>
-                                    </p:animEffect>
-                                  </p:childTnLst>
-                                </p:cTn>
-                              </p:par>
-                            </p:childTnLst>
-                          </p:cTn>
-                        </p:par>
-                        <p:par>
-                          <p:cTn id="36" fill="hold">
-                            <p:stCondLst>
-                              <p:cond delay="500"/>
-                            </p:stCondLst>
-                            <p:childTnLst>
-                              <p:par>
-                                <p:cTn id="37" presetID="10" presetClass="entr" fill="hold" grpId="5" nodeType="afterEffect">
-                                  <p:stCondLst>
-                                    <p:cond delay="0"/>
-                                  </p:stCondLst>
-                                  <p:iterate>
-                                    <p:tmAbs val="0"/>
-                                  </p:iterate>
-                                  <p:childTnLst>
-                                    <p:set>
-                                      <p:cBhvr>
-                                        <p:cTn id="38" fill="hold"/>
-                                        <p:tgtEl>
-                                          <p:spTgt spid="475"/>
-                                        </p:tgtEl>
-                                        <p:attrNameLst>
-                                          <p:attrName>style.visibility</p:attrName>
-                                        </p:attrNameLst>
-                                      </p:cBhvr>
-                                      <p:to>
-                                        <p:strVal val="visible"/>
-                                      </p:to>
-                                    </p:set>
-                                    <p:animEffect transition="in" filter="fade">
-                                      <p:cBhvr>
-                                        <p:cTn id="39" dur="1000"/>
-                                        <p:tgtEl>
-                                          <p:spTgt spid="475"/>
-                                        </p:tgtEl>
-                                      </p:cBhvr>
-                                    </p:animEffect>
-                                  </p:childTnLst>
-                                </p:cTn>
-                              </p:par>
-                            </p:childTnLst>
-                          </p:cTn>
-                        </p:par>
-                      </p:childTnLst>
-                    </p:cTn>
-                  </p:par>
-                  <p:par>
-                    <p:cTn id="40" fill="hold">
-                      <p:stCondLst>
-                        <p:cond delay="indefinite"/>
-                      </p:stCondLst>
-                      <p:childTnLst>
-                        <p:par>
-                          <p:cTn id="41" fill="hold">
-                            <p:stCondLst>
-                              <p:cond delay="0"/>
-                            </p:stCondLst>
-                            <p:childTnLst>
-                              <p:par>
-                                <p:cTn id="42" presetID="8" presetClass="emph" presetSubtype="0" fill="hold" grpId="6" nodeType="clickEffect">
-                                  <p:stCondLst>
-                                    <p:cond delay="0"/>
-                                  </p:stCondLst>
-                                  <p:childTnLst>
-                                    <p:animRot by="-21540000">
-                                      <p:cBhvr>
-                                        <p:cTn id="43" dur="3000" fill="hold"/>
-                                        <p:tgtEl>
-                                          <p:spTgt spid="475"/>
-                                        </p:tgtEl>
-                                        <p:attrNameLst>
-                                          <p:attrName>r</p:attrName>
-                                        </p:attrNameLst>
-                                      </p:cBhvr>
-                                    </p:animRot>
-                                  </p:childTnLst>
-                                </p:cTn>
-                              </p:par>
-                            </p:childTnLst>
-                          </p:cTn>
-                        </p:par>
-                      </p:childTnLst>
-                    </p:cTn>
-                  </p:par>
-                  <p:par>
-                    <p:cTn id="44" fill="hold">
-                      <p:stCondLst>
-                        <p:cond delay="indefinite"/>
-                      </p:stCondLst>
-                      <p:childTnLst>
-                        <p:par>
-                          <p:cTn id="45" fill="hold">
-                            <p:stCondLst>
-                              <p:cond delay="0"/>
-                            </p:stCondLst>
-                            <p:childTnLst>
-                              <p:par>
-                                <p:cTn id="46" presetID="1" presetClass="entr" presetSubtype="0" fill="hold" grpId="1" nodeType="clickEffect">
-                                  <p:stCondLst>
-                                    <p:cond delay="0"/>
-                                  </p:stCondLst>
-                                  <p:iterate>
-                                    <p:tmAbs val="0"/>
-                                  </p:iterate>
-                                  <p:childTnLst>
-                                    <p:set>
-                                      <p:cBhvr>
-                                        <p:cTn id="47" fill="hold"/>
+                                        <p:cTn id="33" fill="hold"/>
                                         <p:tgtEl>
                                           <p:spTgt spid="471">
                                             <p:txEl>
@@ -21155,14 +19850,23 @@
                             </p:childTnLst>
                           </p:cTn>
                         </p:par>
+                      </p:childTnLst>
+                    </p:cTn>
+                  </p:par>
+                  <p:par>
+                    <p:cTn id="34" fill="hold">
+                      <p:stCondLst>
+                        <p:cond delay="indefinite"/>
+                      </p:stCondLst>
+                      <p:childTnLst>
                         <p:par>
-                          <p:cTn id="48" fill="hold">
+                          <p:cTn id="35" fill="hold">
                             <p:stCondLst>
                               <p:cond delay="0"/>
                             </p:stCondLst>
                             <p:childTnLst>
                               <p:par>
-                                <p:cTn id="49" presetID="1" presetClass="entr" presetSubtype="0" fill="hold" grpId="7" nodeType="afterEffect">
+                                <p:cTn id="36" presetID="10" presetClass="entr" fill="hold" grpId="4" nodeType="clickEffect">
                                   <p:stCondLst>
                                     <p:cond delay="0"/>
                                   </p:stCondLst>
@@ -21172,7 +19876,131 @@
                                   <p:childTnLst>
                                     <p:set>
                                       <p:cBhvr>
-                                        <p:cTn id="50" fill="hold"/>
+                                        <p:cTn id="37" fill="hold"/>
+                                        <p:tgtEl>
+                                          <p:spTgt spid="482"/>
+                                        </p:tgtEl>
+                                        <p:attrNameLst>
+                                          <p:attrName>style.visibility</p:attrName>
+                                        </p:attrNameLst>
+                                      </p:cBhvr>
+                                      <p:to>
+                                        <p:strVal val="visible"/>
+                                      </p:to>
+                                    </p:set>
+                                    <p:animEffect transition="in" filter="fade">
+                                      <p:cBhvr>
+                                        <p:cTn id="38" dur="500"/>
+                                        <p:tgtEl>
+                                          <p:spTgt spid="482"/>
+                                        </p:tgtEl>
+                                      </p:cBhvr>
+                                    </p:animEffect>
+                                  </p:childTnLst>
+                                </p:cTn>
+                              </p:par>
+                            </p:childTnLst>
+                          </p:cTn>
+                        </p:par>
+                        <p:par>
+                          <p:cTn id="39" fill="hold">
+                            <p:stCondLst>
+                              <p:cond delay="500"/>
+                            </p:stCondLst>
+                            <p:childTnLst>
+                              <p:par>
+                                <p:cTn id="40" presetID="10" presetClass="entr" fill="hold" grpId="5" nodeType="afterEffect">
+                                  <p:stCondLst>
+                                    <p:cond delay="0"/>
+                                  </p:stCondLst>
+                                  <p:iterate>
+                                    <p:tmAbs val="0"/>
+                                  </p:iterate>
+                                  <p:childTnLst>
+                                    <p:set>
+                                      <p:cBhvr>
+                                        <p:cTn id="41" fill="hold"/>
+                                        <p:tgtEl>
+                                          <p:spTgt spid="475"/>
+                                        </p:tgtEl>
+                                        <p:attrNameLst>
+                                          <p:attrName>style.visibility</p:attrName>
+                                        </p:attrNameLst>
+                                      </p:cBhvr>
+                                      <p:to>
+                                        <p:strVal val="visible"/>
+                                      </p:to>
+                                    </p:set>
+                                    <p:animEffect transition="in" filter="fade">
+                                      <p:cBhvr>
+                                        <p:cTn id="42" dur="1000"/>
+                                        <p:tgtEl>
+                                          <p:spTgt spid="475"/>
+                                        </p:tgtEl>
+                                      </p:cBhvr>
+                                    </p:animEffect>
+                                  </p:childTnLst>
+                                </p:cTn>
+                              </p:par>
+                            </p:childTnLst>
+                          </p:cTn>
+                        </p:par>
+                      </p:childTnLst>
+                    </p:cTn>
+                  </p:par>
+                  <p:par>
+                    <p:cTn id="43" fill="hold">
+                      <p:stCondLst>
+                        <p:cond delay="indefinite"/>
+                      </p:stCondLst>
+                      <p:childTnLst>
+                        <p:par>
+                          <p:cTn id="44" fill="hold">
+                            <p:stCondLst>
+                              <p:cond delay="0"/>
+                            </p:stCondLst>
+                            <p:childTnLst>
+                              <p:par>
+                                <p:cTn id="45" presetID="8" presetClass="emph" presetSubtype="0" fill="hold" grpId="6" nodeType="clickEffect">
+                                  <p:stCondLst>
+                                    <p:cond delay="0"/>
+                                  </p:stCondLst>
+                                  <p:childTnLst>
+                                    <p:animRot by="-21540000">
+                                      <p:cBhvr>
+                                        <p:cTn id="46" dur="3000" fill="hold"/>
+                                        <p:tgtEl>
+                                          <p:spTgt spid="475"/>
+                                        </p:tgtEl>
+                                        <p:attrNameLst>
+                                          <p:attrName>r</p:attrName>
+                                        </p:attrNameLst>
+                                      </p:cBhvr>
+                                    </p:animRot>
+                                  </p:childTnLst>
+                                </p:cTn>
+                              </p:par>
+                            </p:childTnLst>
+                          </p:cTn>
+                        </p:par>
+                        <p:par>
+                          <p:cTn id="47" fill="hold">
+                            <p:stCondLst>
+                              <p:cond delay="3000"/>
+                            </p:stCondLst>
+                            <p:childTnLst>
+                              <p:par>
+                                <p:cTn id="48" presetID="1" presetClass="entr" presetSubtype="0" fill="hold" grpId="7" nodeType="afterEffect">
+                                  <p:stCondLst>
+                                    <p:cond delay="0"/>
+                                  </p:stCondLst>
+                                  <p:iterate>
+                                    <p:tmAbs val="0"/>
+                                  </p:iterate>
+                                  <p:childTnLst>
+                                    <p:set>
+                                      <p:cBhvr>
+                                        <p:cTn id="49" fill="hold"/>
                                         <p:tgtEl>
                                           <p:spTgt spid="483"/>
                                         </p:tgtEl>
@@ -21190,6 +20018,15 @@
                             </p:childTnLst>
                           </p:cTn>
                         </p:par>
+                      </p:childTnLst>
+                    </p:cTn>
+                  </p:par>
+                  <p:par>
+                    <p:cTn id="50" fill="hold">
+                      <p:stCondLst>
+                        <p:cond delay="indefinite"/>
+                      </p:stCondLst>
+                      <p:childTnLst>
                         <p:par>
                           <p:cTn id="51" fill="hold">
                             <p:stCondLst>
@@ -21197,7 +20034,7 @@
                             </p:stCondLst>
                             <p:childTnLst>
                               <p:par>
-                                <p:cTn id="52" presetID="1" presetClass="entr" presetSubtype="0" fill="hold" grpId="1" nodeType="afterEffect">
+                                <p:cTn id="52" presetID="1" presetClass="entr" presetSubtype="0" fill="hold" grpId="1" nodeType="clickEffect">
                                   <p:stCondLst>
                                     <p:cond delay="0"/>
                                   </p:stCondLst>
@@ -21211,7 +20048,7 @@
                                         <p:tgtEl>
                                           <p:spTgt spid="471">
                                             <p:txEl>
-                                              <p:pRg st="7" end="7"/>
+                                              <p:pRg st="9" end="9"/>
                                             </p:txEl>
                                           </p:spTgt>
                                         </p:tgtEl>
@@ -21236,7 +20073,7 @@
                             </p:stCondLst>
                             <p:childTnLst>
                               <p:par>
-                                <p:cTn id="55" presetID="1" presetClass="entr" presetSubtype="0" fill="hold" grpId="1" nodeType="afterEffect">
+                                <p:cTn id="55" presetID="1" presetClass="entr" presetSubtype="0" fill="hold" grpId="8" nodeType="afterEffect">
                                   <p:stCondLst>
                                     <p:cond delay="0"/>
                                   </p:stCondLst>
@@ -21247,93 +20084,6 @@
                                     <p:set>
                                       <p:cBhvr>
                                         <p:cTn id="56" fill="hold"/>
-                                        <p:tgtEl>
-                                          <p:spTgt spid="471">
-                                            <p:txEl>
-                                              <p:pRg st="8" end="8"/>
-                                            </p:txEl>
-                                          </p:spTgt>
-                                        </p:tgtEl>
-                                        <p:attrNameLst>
-                                          <p:attrName>style.visibility</p:attrName>
-                                        </p:attrNameLst>
-                                      </p:cBhvr>
-                                      <p:to>
-                                        <p:strVal val="visible"/>
-                                      </p:to>
-                                    </p:set>
-                                  </p:childTnLst>
-                                </p:cTn>
-                              </p:par>
-                            </p:childTnLst>
-                          </p:cTn>
-                        </p:par>
-                      </p:childTnLst>
-                    </p:cTn>
-                  </p:par>
-                  <p:par>
-                    <p:cTn id="57" fill="hold">
-                      <p:stCondLst>
-                        <p:cond delay="indefinite"/>
-                      </p:stCondLst>
-                      <p:childTnLst>
-                        <p:par>
-                          <p:cTn id="58" fill="hold">
-                            <p:stCondLst>
-                              <p:cond delay="0"/>
-                            </p:stCondLst>
-                            <p:childTnLst>
-                              <p:par>
-                                <p:cTn id="59" presetID="1" presetClass="entr" presetSubtype="0" fill="hold" grpId="1" nodeType="clickEffect">
-                                  <p:stCondLst>
-                                    <p:cond delay="0"/>
-                                  </p:stCondLst>
-                                  <p:iterate>
-                                    <p:tmAbs val="0"/>
-                                  </p:iterate>
-                                  <p:childTnLst>
-                                    <p:set>
-                                      <p:cBhvr>
-                                        <p:cTn id="60" fill="hold"/>
-                                        <p:tgtEl>
-                                          <p:spTgt spid="471">
-                                            <p:txEl>
-                                              <p:pRg st="9" end="9"/>
-                                            </p:txEl>
-                                          </p:spTgt>
-                                        </p:tgtEl>
-                                        <p:attrNameLst>
-                                          <p:attrName>style.visibility</p:attrName>
-                                        </p:attrNameLst>
-                                      </p:cBhvr>
-                                      <p:to>
-                                        <p:strVal val="visible"/>
-                                      </p:to>
-                                    </p:set>
-                                  </p:childTnLst>
-                                </p:cTn>
-                              </p:par>
-                            </p:childTnLst>
-                          </p:cTn>
-                        </p:par>
-                        <p:par>
-                          <p:cTn id="61" fill="hold">
-                            <p:stCondLst>
-                              <p:cond delay="0"/>
-                            </p:stCondLst>
-                            <p:childTnLst>
-                              <p:par>
-                                <p:cTn id="62" presetID="1" presetClass="entr" presetSubtype="0" fill="hold" grpId="8" nodeType="afterEffect">
-                                  <p:stCondLst>
-                                    <p:cond delay="0"/>
-                                  </p:stCondLst>
-                                  <p:iterate>
-                                    <p:tmAbs val="0"/>
-                                  </p:iterate>
-                                  <p:childTnLst>
-                                    <p:set>
-                                      <p:cBhvr>
-                                        <p:cTn id="63" fill="hold"/>
                                         <p:tgtEl>
                                           <p:spTgt spid="484"/>
                                         </p:tgtEl>
@@ -21389,7 +20139,7 @@
 </p:sld>
 </file>
 
-<file path=ppt/slides/slide6.xml><?xml version="1.0" encoding="utf-8"?>
+<file path=ppt/slides/slide5.xml><?xml version="1.0" encoding="utf-8"?>
 <p:sld xmlns:a="http://schemas.openxmlformats.org/drawingml/2006/main" xmlns:r="http://schemas.openxmlformats.org/officeDocument/2006/relationships" xmlns:p="http://schemas.openxmlformats.org/presentationml/2006/main">
   <p:cSld>
     <p:spTree>
@@ -21436,7 +20186,7 @@
               <a:defRPr sz="5096"/>
             </a:pPr>
             <a:r>
-              <a:rPr>
+              <a:rPr dirty="0">
                 <a:solidFill>
                   <a:srgbClr val="3D46A6"/>
                 </a:solidFill>
@@ -21444,6 +20194,7 @@
               <a:t>Calculating frequency from phase</a:t>
             </a:r>
             <a:r>
+              <a:rPr dirty="0"/>
               <a:t> in discrete time:</a:t>
             </a:r>
           </a:p>
@@ -21454,7 +20205,7 @@
               </a:spcBef>
               <a:defRPr sz="5096"/>
             </a:pPr>
-            <a:endParaRPr/>
+            <a:endParaRPr dirty="0"/>
           </a:p>
           <a:p>
             <a:pPr marL="497839" indent="-497839" defTabSz="808990">
@@ -21463,7 +20214,7 @@
               </a:spcBef>
               <a:defRPr sz="5096"/>
             </a:pPr>
-            <a:endParaRPr/>
+            <a:endParaRPr dirty="0"/>
           </a:p>
           <a:p>
             <a:pPr marL="1166812" lvl="1" indent="-544512" defTabSz="808990">
@@ -21473,7 +20224,16 @@
               <a:defRPr sz="4312"/>
             </a:pPr>
             <a:r>
-              <a:t>In discrete time, frequency 𝜔 is normalised between 0 and 2π; </a:t>
+              <a:rPr dirty="0"/>
+              <a:t>In discrete time, frequency 𝜔 </a:t>
+            </a:r>
+            <a:r>
+              <a:rPr dirty="0" err="1"/>
+              <a:t>normalised</a:t>
+            </a:r>
+            <a:r>
+              <a:rPr dirty="0"/>
+              <a:t> between 0 and 2π; </a:t>
             </a:r>
           </a:p>
           <a:p>
@@ -21484,10 +20244,11 @@
               <a:defRPr sz="4312"/>
             </a:pPr>
             <a:r>
+              <a:rPr dirty="0"/>
               <a:t>Assumes </a:t>
             </a:r>
             <a:r>
-              <a:rPr>
+              <a:rPr dirty="0">
                 <a:solidFill>
                   <a:srgbClr val="3D46A6"/>
                 </a:solidFill>
@@ -21495,6 +20256,7 @@
               <a:t>unwrapped phase </a:t>
             </a:r>
             <a:r>
+              <a:rPr dirty="0"/>
               <a:t>(i.e. always increasing, not constrained 0-2π)</a:t>
             </a:r>
           </a:p>
@@ -21506,10 +20268,19 @@
               <a:defRPr sz="5096"/>
             </a:pPr>
             <a:r>
-              <a:t>We can invert this formula to</a:t>
-            </a:r>
-            <a:r>
-              <a:rPr>
+              <a:rPr lang="en-GB" dirty="0"/>
+              <a:t>I</a:t>
+            </a:r>
+            <a:r>
+              <a:rPr dirty="0" err="1"/>
+              <a:t>nvert</a:t>
+            </a:r>
+            <a:r>
+              <a:rPr dirty="0"/>
+              <a:t> this formula to</a:t>
+            </a:r>
+            <a:r>
+              <a:rPr dirty="0">
                 <a:solidFill>
                   <a:srgbClr val="3D46A6"/>
                 </a:solidFill>
@@ -21517,6 +20288,7 @@
               <a:t> calculate phase shift based on frequency</a:t>
             </a:r>
             <a:r>
+              <a:rPr dirty="0"/>
               <a:t>:</a:t>
             </a:r>
           </a:p>
@@ -21527,7 +20299,7 @@
               </a:spcBef>
               <a:defRPr sz="5096"/>
             </a:pPr>
-            <a:endParaRPr/>
+            <a:endParaRPr dirty="0"/>
           </a:p>
           <a:p>
             <a:pPr marL="1166812" lvl="1" indent="-544512" defTabSz="808990">
@@ -21537,31 +20309,35 @@
               <a:defRPr sz="4312"/>
             </a:pPr>
             <a:r>
-              <a:t>For a DFT of size </a:t>
-            </a:r>
-            <a:r>
-              <a:rPr i="1"/>
+              <a:rPr dirty="0"/>
+              <a:t>For DFT of size </a:t>
+            </a:r>
+            <a:r>
+              <a:rPr i="1" dirty="0"/>
               <a:t>N</a:t>
             </a:r>
             <a:r>
+              <a:rPr dirty="0"/>
               <a:t>, we know bin </a:t>
             </a:r>
             <a:r>
-              <a:rPr i="1"/>
+              <a:rPr i="1" dirty="0"/>
               <a:t>k </a:t>
             </a:r>
             <a:r>
-              <a:t>has a frequency of 2</a:t>
-            </a:r>
-            <a:r>
-              <a:rPr i="1"/>
+              <a:rPr dirty="0"/>
+              <a:t>has frequency of 2</a:t>
+            </a:r>
+            <a:r>
+              <a:rPr i="1" dirty="0"/>
               <a:t>πk</a:t>
             </a:r>
             <a:r>
+              <a:rPr dirty="0"/>
               <a:t>/</a:t>
             </a:r>
             <a:r>
-              <a:rPr i="1"/>
+              <a:rPr i="1" dirty="0"/>
               <a:t>N</a:t>
             </a:r>
           </a:p>
@@ -21573,10 +20349,11 @@
               <a:defRPr sz="4312"/>
             </a:pPr>
             <a:r>
+              <a:rPr dirty="0"/>
               <a:t>For a sine wave of </a:t>
             </a:r>
             <a:r>
-              <a:rPr>
+              <a:rPr dirty="0">
                 <a:solidFill>
                   <a:srgbClr val="3D46A6"/>
                 </a:solidFill>
@@ -21584,10 +20361,11 @@
               <a:t>exactly</a:t>
             </a:r>
             <a:r>
+              <a:rPr dirty="0"/>
               <a:t> the bin frequency, this is the </a:t>
             </a:r>
             <a:r>
-              <a:rPr>
+              <a:rPr dirty="0">
                 <a:solidFill>
                   <a:srgbClr val="3D46A6"/>
                 </a:solidFill>
@@ -21595,6 +20373,7 @@
               <a:t>expected phase shift over 1 hop</a:t>
             </a:r>
             <a:r>
+              <a:rPr dirty="0"/>
               <a:t>:</a:t>
             </a:r>
           </a:p>
@@ -21605,7 +20384,7 @@
               </a:spcBef>
               <a:defRPr sz="4312"/>
             </a:pPr>
-            <a:endParaRPr/>
+            <a:endParaRPr dirty="0"/>
           </a:p>
           <a:p>
             <a:pPr marL="1166812" lvl="1" indent="-544512" defTabSz="808990">
@@ -21614,7 +20393,7 @@
               </a:spcBef>
               <a:defRPr sz="4312"/>
             </a:pPr>
-            <a:endParaRPr/>
+            <a:endParaRPr dirty="0"/>
           </a:p>
           <a:p>
             <a:pPr marL="1166812" lvl="1" indent="-544512" defTabSz="808990">
@@ -21624,10 +20403,11 @@
               <a:defRPr sz="4312"/>
             </a:pPr>
             <a:r>
-              <a:t>By subtracting off this expected phase shift, the </a:t>
-            </a:r>
-            <a:r>
-              <a:rPr>
+              <a:rPr dirty="0"/>
+              <a:t>By subtracting off this expected phase shift, </a:t>
+            </a:r>
+            <a:r>
+              <a:rPr dirty="0">
                 <a:solidFill>
                   <a:srgbClr val="3D46A6"/>
                 </a:solidFill>
@@ -21635,7 +20415,8 @@
               <a:t>remainder</a:t>
             </a:r>
             <a:r>
-              <a:t> will tell us whether the actual frequency is higher or lower than the bin frequency</a:t>
+              <a:rPr dirty="0"/>
+              <a:t> will tell us whether actual frequency is higher or lower than bin frequency</a:t>
             </a:r>
           </a:p>
         </p:txBody>
@@ -21843,7 +20624,7 @@
                             </p:stCondLst>
                             <p:childTnLst>
                               <p:par>
-                                <p:cTn id="10" presetID="1" presetClass="entr" presetSubtype="0" fill="hold" grpId="1" nodeType="afterEffect">
+                                <p:cTn id="10" presetID="1" presetClass="entr" presetSubtype="0" fill="hold" grpId="2" nodeType="afterEffect">
                                   <p:stCondLst>
                                     <p:cond delay="0"/>
                                   </p:stCondLst>
@@ -21855,11 +20636,7 @@
                                       <p:cBhvr>
                                         <p:cTn id="11" fill="hold"/>
                                         <p:tgtEl>
-                                          <p:spTgt spid="489">
-                                            <p:txEl>
-                                              <p:pRg st="1" end="1"/>
-                                            </p:txEl>
-                                          </p:spTgt>
+                                          <p:spTgt spid="491"/>
                                         </p:tgtEl>
                                         <p:attrNameLst>
                                           <p:attrName>style.visibility</p:attrName>
@@ -21882,7 +20659,7 @@
                             </p:stCondLst>
                             <p:childTnLst>
                               <p:par>
-                                <p:cTn id="13" presetID="1" presetClass="entr" presetSubtype="0" fill="hold" grpId="2" nodeType="afterEffect">
+                                <p:cTn id="13" presetID="1" presetClass="entr" presetSubtype="0" fill="hold" grpId="1" nodeType="afterEffect">
                                   <p:stCondLst>
                                     <p:cond delay="0"/>
                                   </p:stCondLst>
@@ -21894,7 +20671,11 @@
                                       <p:cBhvr>
                                         <p:cTn id="14" fill="hold"/>
                                         <p:tgtEl>
-                                          <p:spTgt spid="491"/>
+                                          <p:spTgt spid="489">
+                                            <p:txEl>
+                                              <p:pRg st="3" end="3"/>
+                                            </p:txEl>
+                                          </p:spTgt>
                                         </p:tgtEl>
                                         <p:attrNameLst>
                                           <p:attrName>style.visibility</p:attrName>
@@ -21931,84 +20712,6 @@
                                         <p:tgtEl>
                                           <p:spTgt spid="489">
                                             <p:txEl>
-                                              <p:pRg st="2" end="2"/>
-                                            </p:txEl>
-                                          </p:spTgt>
-                                        </p:tgtEl>
-                                        <p:attrNameLst>
-                                          <p:attrName>style.visibility</p:attrName>
-                                        </p:attrNameLst>
-                                      </p:cBhvr>
-                                      <p:to>
-                                        <p:strVal val="visible"/>
-                                      </p:to>
-                                    </p:set>
-                                  </p:childTnLst>
-                                </p:cTn>
-                              </p:par>
-                            </p:childTnLst>
-                          </p:cTn>
-                        </p:par>
-                        <p:par>
-                          <p:cTn id="18" fill="hold">
-                            <p:stCondLst>
-                              <p:cond delay="0"/>
-                            </p:stCondLst>
-                            <p:childTnLst>
-                              <p:par>
-                                <p:cTn id="19" presetID="1" presetClass="entr" presetSubtype="0" fill="hold" grpId="1" nodeType="afterEffect">
-                                  <p:stCondLst>
-                                    <p:cond delay="0"/>
-                                  </p:stCondLst>
-                                  <p:iterate>
-                                    <p:tmAbs val="0"/>
-                                  </p:iterate>
-                                  <p:childTnLst>
-                                    <p:set>
-                                      <p:cBhvr>
-                                        <p:cTn id="20" fill="hold"/>
-                                        <p:tgtEl>
-                                          <p:spTgt spid="489">
-                                            <p:txEl>
-                                              <p:pRg st="3" end="3"/>
-                                            </p:txEl>
-                                          </p:spTgt>
-                                        </p:tgtEl>
-                                        <p:attrNameLst>
-                                          <p:attrName>style.visibility</p:attrName>
-                                        </p:attrNameLst>
-                                      </p:cBhvr>
-                                      <p:to>
-                                        <p:strVal val="visible"/>
-                                      </p:to>
-                                    </p:set>
-                                  </p:childTnLst>
-                                </p:cTn>
-                              </p:par>
-                            </p:childTnLst>
-                          </p:cTn>
-                        </p:par>
-                        <p:par>
-                          <p:cTn id="21" fill="hold">
-                            <p:stCondLst>
-                              <p:cond delay="0"/>
-                            </p:stCondLst>
-                            <p:childTnLst>
-                              <p:par>
-                                <p:cTn id="22" presetID="1" presetClass="entr" presetSubtype="0" fill="hold" grpId="1" nodeType="afterEffect">
-                                  <p:stCondLst>
-                                    <p:cond delay="0"/>
-                                  </p:stCondLst>
-                                  <p:iterate>
-                                    <p:tmAbs val="0"/>
-                                  </p:iterate>
-                                  <p:childTnLst>
-                                    <p:set>
-                                      <p:cBhvr>
-                                        <p:cTn id="23" fill="hold"/>
-                                        <p:tgtEl>
-                                          <p:spTgt spid="489">
-                                            <p:txEl>
                                               <p:pRg st="4" end="4"/>
                                             </p:txEl>
                                           </p:spTgt>
@@ -22031,19 +20734,19 @@
                     </p:cTn>
                   </p:par>
                   <p:par>
-                    <p:cTn id="24" fill="hold">
+                    <p:cTn id="18" fill="hold">
                       <p:stCondLst>
                         <p:cond delay="indefinite"/>
                       </p:stCondLst>
                       <p:childTnLst>
                         <p:par>
-                          <p:cTn id="25" fill="hold">
+                          <p:cTn id="19" fill="hold">
                             <p:stCondLst>
                               <p:cond delay="0"/>
                             </p:stCondLst>
                             <p:childTnLst>
                               <p:par>
-                                <p:cTn id="26" presetID="1" presetClass="entr" presetSubtype="0" fill="hold" grpId="1" nodeType="clickEffect">
+                                <p:cTn id="20" presetID="1" presetClass="entr" presetSubtype="0" fill="hold" grpId="1" nodeType="clickEffect">
                                   <p:stCondLst>
                                     <p:cond delay="0"/>
                                   </p:stCondLst>
@@ -22053,7 +20756,7 @@
                                   <p:childTnLst>
                                     <p:set>
                                       <p:cBhvr>
-                                        <p:cTn id="27" fill="hold"/>
+                                        <p:cTn id="21" fill="hold"/>
                                         <p:tgtEl>
                                           <p:spTgt spid="489">
                                             <p:txEl>
@@ -22076,13 +20779,13 @@
                           </p:cTn>
                         </p:par>
                         <p:par>
-                          <p:cTn id="28" fill="hold">
+                          <p:cTn id="22" fill="hold">
                             <p:stCondLst>
                               <p:cond delay="0"/>
                             </p:stCondLst>
                             <p:childTnLst>
                               <p:par>
-                                <p:cTn id="29" presetID="1" presetClass="entr" presetSubtype="0" fill="hold" grpId="3" nodeType="afterEffect">
+                                <p:cTn id="23" presetID="1" presetClass="entr" presetSubtype="0" fill="hold" grpId="3" nodeType="afterEffect">
                                   <p:stCondLst>
                                     <p:cond delay="0"/>
                                   </p:stCondLst>
@@ -22092,48 +20795,9 @@
                                   <p:childTnLst>
                                     <p:set>
                                       <p:cBhvr>
-                                        <p:cTn id="30" fill="hold"/>
+                                        <p:cTn id="24" fill="hold"/>
                                         <p:tgtEl>
                                           <p:spTgt spid="492"/>
-                                        </p:tgtEl>
-                                        <p:attrNameLst>
-                                          <p:attrName>style.visibility</p:attrName>
-                                        </p:attrNameLst>
-                                      </p:cBhvr>
-                                      <p:to>
-                                        <p:strVal val="visible"/>
-                                      </p:to>
-                                    </p:set>
-                                  </p:childTnLst>
-                                </p:cTn>
-                              </p:par>
-                            </p:childTnLst>
-                          </p:cTn>
-                        </p:par>
-                        <p:par>
-                          <p:cTn id="31" fill="hold">
-                            <p:stCondLst>
-                              <p:cond delay="0"/>
-                            </p:stCondLst>
-                            <p:childTnLst>
-                              <p:par>
-                                <p:cTn id="32" presetID="1" presetClass="entr" presetSubtype="0" fill="hold" grpId="1" nodeType="afterEffect">
-                                  <p:stCondLst>
-                                    <p:cond delay="0"/>
-                                  </p:stCondLst>
-                                  <p:iterate>
-                                    <p:tmAbs val="0"/>
-                                  </p:iterate>
-                                  <p:childTnLst>
-                                    <p:set>
-                                      <p:cBhvr>
-                                        <p:cTn id="33" fill="hold"/>
-                                        <p:tgtEl>
-                                          <p:spTgt spid="489">
-                                            <p:txEl>
-                                              <p:pRg st="6" end="6"/>
-                                            </p:txEl>
-                                          </p:spTgt>
                                         </p:tgtEl>
                                         <p:attrNameLst>
                                           <p:attrName>style.visibility</p:attrName>
@@ -22153,19 +20817,19 @@
                     </p:cTn>
                   </p:par>
                   <p:par>
-                    <p:cTn id="34" fill="hold">
+                    <p:cTn id="25" fill="hold">
                       <p:stCondLst>
                         <p:cond delay="indefinite"/>
                       </p:stCondLst>
                       <p:childTnLst>
                         <p:par>
-                          <p:cTn id="35" fill="hold">
+                          <p:cTn id="26" fill="hold">
                             <p:stCondLst>
                               <p:cond delay="0"/>
                             </p:stCondLst>
                             <p:childTnLst>
                               <p:par>
-                                <p:cTn id="36" presetID="1" presetClass="entr" presetSubtype="0" fill="hold" grpId="1" nodeType="clickEffect">
+                                <p:cTn id="27" presetID="1" presetClass="entr" presetSubtype="0" fill="hold" grpId="1" nodeType="clickEffect">
                                   <p:stCondLst>
                                     <p:cond delay="0"/>
                                   </p:stCondLst>
@@ -22175,7 +20839,7 @@
                                   <p:childTnLst>
                                     <p:set>
                                       <p:cBhvr>
-                                        <p:cTn id="37" fill="hold"/>
+                                        <p:cTn id="28" fill="hold"/>
                                         <p:tgtEl>
                                           <p:spTgt spid="489">
                                             <p:txEl>
@@ -22201,19 +20865,19 @@
                     </p:cTn>
                   </p:par>
                   <p:par>
-                    <p:cTn id="38" fill="hold">
+                    <p:cTn id="29" fill="hold">
                       <p:stCondLst>
                         <p:cond delay="indefinite"/>
                       </p:stCondLst>
                       <p:childTnLst>
                         <p:par>
-                          <p:cTn id="39" fill="hold">
+                          <p:cTn id="30" fill="hold">
                             <p:stCondLst>
                               <p:cond delay="0"/>
                             </p:stCondLst>
                             <p:childTnLst>
                               <p:par>
-                                <p:cTn id="40" presetID="1" presetClass="entr" presetSubtype="0" fill="hold" grpId="1" nodeType="clickEffect">
+                                <p:cTn id="31" presetID="1" presetClass="entr" presetSubtype="0" fill="hold" grpId="1" nodeType="clickEffect">
                                   <p:stCondLst>
                                     <p:cond delay="0"/>
                                   </p:stCondLst>
@@ -22223,7 +20887,7 @@
                                   <p:childTnLst>
                                     <p:set>
                                       <p:cBhvr>
-                                        <p:cTn id="41" fill="hold"/>
+                                        <p:cTn id="32" fill="hold"/>
                                         <p:tgtEl>
                                           <p:spTgt spid="489">
                                             <p:txEl>
@@ -22246,13 +20910,13 @@
                           </p:cTn>
                         </p:par>
                         <p:par>
-                          <p:cTn id="42" fill="hold">
+                          <p:cTn id="33" fill="hold">
                             <p:stCondLst>
                               <p:cond delay="0"/>
                             </p:stCondLst>
                             <p:childTnLst>
                               <p:par>
-                                <p:cTn id="43" presetID="1" presetClass="entr" presetSubtype="0" fill="hold" grpId="4" nodeType="afterEffect">
+                                <p:cTn id="34" presetID="1" presetClass="entr" presetSubtype="0" fill="hold" grpId="4" nodeType="afterEffect">
                                   <p:stCondLst>
                                     <p:cond delay="0"/>
                                   </p:stCondLst>
@@ -22262,87 +20926,9 @@
                                   <p:childTnLst>
                                     <p:set>
                                       <p:cBhvr>
-                                        <p:cTn id="44" fill="hold"/>
+                                        <p:cTn id="35" fill="hold"/>
                                         <p:tgtEl>
                                           <p:spTgt spid="493"/>
-                                        </p:tgtEl>
-                                        <p:attrNameLst>
-                                          <p:attrName>style.visibility</p:attrName>
-                                        </p:attrNameLst>
-                                      </p:cBhvr>
-                                      <p:to>
-                                        <p:strVal val="visible"/>
-                                      </p:to>
-                                    </p:set>
-                                  </p:childTnLst>
-                                </p:cTn>
-                              </p:par>
-                            </p:childTnLst>
-                          </p:cTn>
-                        </p:par>
-                        <p:par>
-                          <p:cTn id="45" fill="hold">
-                            <p:stCondLst>
-                              <p:cond delay="0"/>
-                            </p:stCondLst>
-                            <p:childTnLst>
-                              <p:par>
-                                <p:cTn id="46" presetID="1" presetClass="entr" presetSubtype="0" fill="hold" grpId="1" nodeType="afterEffect">
-                                  <p:stCondLst>
-                                    <p:cond delay="0"/>
-                                  </p:stCondLst>
-                                  <p:iterate>
-                                    <p:tmAbs val="0"/>
-                                  </p:iterate>
-                                  <p:childTnLst>
-                                    <p:set>
-                                      <p:cBhvr>
-                                        <p:cTn id="47" fill="hold"/>
-                                        <p:tgtEl>
-                                          <p:spTgt spid="489">
-                                            <p:txEl>
-                                              <p:pRg st="9" end="9"/>
-                                            </p:txEl>
-                                          </p:spTgt>
-                                        </p:tgtEl>
-                                        <p:attrNameLst>
-                                          <p:attrName>style.visibility</p:attrName>
-                                        </p:attrNameLst>
-                                      </p:cBhvr>
-                                      <p:to>
-                                        <p:strVal val="visible"/>
-                                      </p:to>
-                                    </p:set>
-                                  </p:childTnLst>
-                                </p:cTn>
-                              </p:par>
-                            </p:childTnLst>
-                          </p:cTn>
-                        </p:par>
-                        <p:par>
-                          <p:cTn id="48" fill="hold">
-                            <p:stCondLst>
-                              <p:cond delay="0"/>
-                            </p:stCondLst>
-                            <p:childTnLst>
-                              <p:par>
-                                <p:cTn id="49" presetID="1" presetClass="entr" presetSubtype="0" fill="hold" grpId="1" nodeType="afterEffect">
-                                  <p:stCondLst>
-                                    <p:cond delay="0"/>
-                                  </p:stCondLst>
-                                  <p:iterate>
-                                    <p:tmAbs val="0"/>
-                                  </p:iterate>
-                                  <p:childTnLst>
-                                    <p:set>
-                                      <p:cBhvr>
-                                        <p:cTn id="50" fill="hold"/>
-                                        <p:tgtEl>
-                                          <p:spTgt spid="489">
-                                            <p:txEl>
-                                              <p:pRg st="10" end="10"/>
-                                            </p:txEl>
-                                          </p:spTgt>
                                         </p:tgtEl>
                                         <p:attrNameLst>
                                           <p:attrName>style.visibility</p:attrName>
@@ -22362,19 +20948,19 @@
                     </p:cTn>
                   </p:par>
                   <p:par>
-                    <p:cTn id="51" fill="hold">
+                    <p:cTn id="36" fill="hold">
                       <p:stCondLst>
                         <p:cond delay="indefinite"/>
                       </p:stCondLst>
                       <p:childTnLst>
                         <p:par>
-                          <p:cTn id="52" fill="hold">
+                          <p:cTn id="37" fill="hold">
                             <p:stCondLst>
                               <p:cond delay="0"/>
                             </p:stCondLst>
                             <p:childTnLst>
                               <p:par>
-                                <p:cTn id="53" presetID="1" presetClass="entr" presetSubtype="0" fill="hold" grpId="1" nodeType="clickEffect">
+                                <p:cTn id="38" presetID="1" presetClass="entr" presetSubtype="0" fill="hold" grpId="1" nodeType="clickEffect">
                                   <p:stCondLst>
                                     <p:cond delay="0"/>
                                   </p:stCondLst>
@@ -22384,7 +20970,7 @@
                                   <p:childTnLst>
                                     <p:set>
                                       <p:cBhvr>
-                                        <p:cTn id="54" fill="hold"/>
+                                        <p:cTn id="39" fill="hold"/>
                                         <p:tgtEl>
                                           <p:spTgt spid="489">
                                             <p:txEl>
@@ -22440,7 +21026,7 @@
 </p:sld>
 </file>
 
-<file path=ppt/slides/slide7.xml><?xml version="1.0" encoding="utf-8"?>
+<file path=ppt/slides/slide6.xml><?xml version="1.0" encoding="utf-8"?>
 <p:sld xmlns:a="http://schemas.openxmlformats.org/drawingml/2006/main" xmlns:r="http://schemas.openxmlformats.org/officeDocument/2006/relationships" xmlns:p="http://schemas.openxmlformats.org/presentationml/2006/main">
   <p:cSld>
     <p:spTree>
@@ -22481,11 +21067,12 @@
           <a:lstStyle/>
           <a:p>
             <a:r>
-              <a:t>First we calculate the phase remainder:</a:t>
+              <a:rPr dirty="0"/>
+              <a:t>First calculate phase remainder:</a:t>
             </a:r>
           </a:p>
           <a:p>
-            <a:endParaRPr/>
+            <a:endParaRPr dirty="0"/>
           </a:p>
           <a:p>
             <a:pPr>
@@ -22494,27 +21081,54 @@
               </a:spcBef>
             </a:pPr>
             <a:r>
-              <a:t>Then use remainder to calculate the </a:t>
-            </a:r>
-            <a:r>
-              <a:rPr>
+              <a:rPr dirty="0"/>
+              <a:t>Then use remainder to calculate </a:t>
+            </a:r>
+            <a:r>
+              <a:rPr dirty="0">
                 <a:solidFill>
                   <a:srgbClr val="3D46A6"/>
                 </a:solidFill>
               </a:rPr>
-              <a:t>deviation from the bin centre frequency</a:t>
-            </a:r>
-            <a:r>
+              <a:t>deviation from bin </a:t>
+            </a:r>
+            <a:r>
+              <a:rPr dirty="0" err="1">
+                <a:solidFill>
+                  <a:srgbClr val="3D46A6"/>
+                </a:solidFill>
+              </a:rPr>
+              <a:t>centre</a:t>
+            </a:r>
+            <a:r>
+              <a:rPr dirty="0">
+                <a:solidFill>
+                  <a:srgbClr val="3D46A6"/>
+                </a:solidFill>
+              </a:rPr>
+              <a:t> frequency</a:t>
+            </a:r>
+            <a:r>
+              <a:rPr dirty="0"/>
               <a:t>:</a:t>
             </a:r>
           </a:p>
           <a:p>
             <a:pPr lvl="1"/>
             <a:r>
-              <a:t>We should </a:t>
-            </a:r>
-            <a:r>
-              <a:rPr>
+              <a:rPr lang="en-GB" dirty="0"/>
+              <a:t>S</a:t>
+            </a:r>
+            <a:r>
+              <a:rPr dirty="0" err="1"/>
+              <a:t>hould</a:t>
+            </a:r>
+            <a:r>
+              <a:rPr dirty="0"/>
+              <a:t> </a:t>
+            </a:r>
+            <a:r>
+              <a:rPr dirty="0">
                 <a:solidFill>
                   <a:srgbClr val="3D46A6"/>
                 </a:solidFill>
@@ -22522,10 +21136,11 @@
               <a:t>wrap</a:t>
             </a:r>
             <a:r>
-              <a:t> the phase to be between -π and π (i.e. the </a:t>
-            </a:r>
-            <a:r>
-              <a:rPr>
+              <a:rPr dirty="0"/>
+              <a:t> phase to be between -π and π (i.e. </a:t>
+            </a:r>
+            <a:r>
+              <a:rPr dirty="0">
                 <a:solidFill>
                   <a:srgbClr val="3D46A6"/>
                 </a:solidFill>
@@ -22533,23 +21148,25 @@
               <a:t>principal argument</a:t>
             </a:r>
             <a:r>
+              <a:rPr dirty="0"/>
               <a:t>)</a:t>
             </a:r>
           </a:p>
           <a:p>
             <a:pPr lvl="1"/>
-            <a:endParaRPr/>
+            <a:endParaRPr dirty="0"/>
           </a:p>
           <a:p>
             <a:pPr lvl="1"/>
-            <a:endParaRPr/>
+            <a:endParaRPr dirty="0"/>
           </a:p>
           <a:p>
             <a:r>
-              <a:t>Finally, we can rearrange to get the </a:t>
-            </a:r>
-            <a:r>
-              <a:rPr>
+              <a:rPr dirty="0"/>
+              <a:t>Finally, rearrange to get </a:t>
+            </a:r>
+            <a:r>
+              <a:rPr dirty="0">
                 <a:solidFill>
                   <a:srgbClr val="3D46A6"/>
                 </a:solidFill>
@@ -22557,11 +21174,12 @@
               <a:t>exact frequency</a:t>
             </a:r>
             <a:r>
+              <a:rPr dirty="0"/>
               <a:t> of our sine wave:</a:t>
             </a:r>
           </a:p>
           <a:p>
-            <a:endParaRPr/>
+            <a:endParaRPr dirty="0"/>
           </a:p>
           <a:p>
             <a:pPr lvl="1">
@@ -22570,10 +21188,11 @@
               </a:spcBef>
             </a:pPr>
             <a:r>
+              <a:rPr dirty="0"/>
               <a:t>We could also calculate in terms of (fractional) FFT </a:t>
             </a:r>
             <a:r>
-              <a:rPr>
+              <a:rPr dirty="0">
                 <a:solidFill>
                   <a:srgbClr val="3D46A6"/>
                 </a:solidFill>
@@ -22584,10 +21203,11 @@
           <a:p>
             <a:pPr lvl="2"/>
             <a:r>
+              <a:rPr dirty="0"/>
               <a:t>Use the fact that </a:t>
             </a:r>
             <a:r>
-              <a:rPr>
+              <a:rPr dirty="0">
                 <a:solidFill>
                   <a:srgbClr val="3D46A6"/>
                 </a:solidFill>
@@ -22595,7 +21215,7 @@
               <a:t>bins are spaced 2</a:t>
             </a:r>
             <a:r>
-              <a:rPr i="1">
+              <a:rPr i="1" dirty="0">
                 <a:solidFill>
                   <a:srgbClr val="3D46A6"/>
                 </a:solidFill>
@@ -22603,7 +21223,7 @@
               <a:t>π</a:t>
             </a:r>
             <a:r>
-              <a:rPr>
+              <a:rPr dirty="0">
                 <a:solidFill>
                   <a:srgbClr val="3D46A6"/>
                 </a:solidFill>
@@ -22611,7 +21231,7 @@
               <a:t>/</a:t>
             </a:r>
             <a:r>
-              <a:rPr i="1">
+              <a:rPr i="1" dirty="0">
                 <a:solidFill>
                   <a:srgbClr val="3D46A6"/>
                 </a:solidFill>
@@ -22619,6 +21239,7 @@
               <a:t>N</a:t>
             </a:r>
             <a:r>
+              <a:rPr dirty="0"/>
               <a:t> apart in frequency</a:t>
             </a:r>
           </a:p>
@@ -22838,7 +21459,7 @@
             <a:effectLst/>
             <a:extLst>
               <a:ext uri="{C572A759-6A51-4108-AA02-DFA0A04FC94B}">
-                <ma14:wrappingTextBoxFlag xmlns:ma14="http://schemas.microsoft.com/office/mac/drawingml/2011/main" xmlns:a14="http://schemas.microsoft.com/office/drawing/2010/main" xmlns:m="http://schemas.openxmlformats.org/officeDocument/2006/math" xmlns="" val="1"/>
+                <ma14:wrappingTextBoxFlag xmlns="" xmlns:m="http://schemas.openxmlformats.org/officeDocument/2006/math" xmlns:a14="http://schemas.microsoft.com/office/drawing/2010/main" xmlns:ma14="http://schemas.microsoft.com/office/mac/drawingml/2011/main" val="1"/>
               </a:ext>
             </a:extLst>
           </p:spPr>
@@ -22924,7 +21545,7 @@
             <a:effectLst/>
             <a:extLst>
               <a:ext uri="{C572A759-6A51-4108-AA02-DFA0A04FC94B}">
-                <ma14:wrappingTextBoxFlag xmlns:ma14="http://schemas.microsoft.com/office/mac/drawingml/2011/main" xmlns:a14="http://schemas.microsoft.com/office/drawing/2010/main" xmlns:m="http://schemas.openxmlformats.org/officeDocument/2006/math" xmlns="" val="1"/>
+                <ma14:wrappingTextBoxFlag xmlns="" xmlns:m="http://schemas.openxmlformats.org/officeDocument/2006/math" xmlns:a14="http://schemas.microsoft.com/office/drawing/2010/main" xmlns:ma14="http://schemas.microsoft.com/office/mac/drawingml/2011/main" val="1"/>
               </a:ext>
             </a:extLst>
           </p:spPr>
@@ -23098,7 +21719,7 @@
             <a:effectLst/>
             <a:extLst>
               <a:ext uri="{C572A759-6A51-4108-AA02-DFA0A04FC94B}">
-                <ma14:wrappingTextBoxFlag xmlns:ma14="http://schemas.microsoft.com/office/mac/drawingml/2011/main" xmlns:a14="http://schemas.microsoft.com/office/drawing/2010/main" xmlns:m="http://schemas.openxmlformats.org/officeDocument/2006/math" xmlns="" val="1"/>
+                <ma14:wrappingTextBoxFlag xmlns="" xmlns:m="http://schemas.openxmlformats.org/officeDocument/2006/math" xmlns:a14="http://schemas.microsoft.com/office/drawing/2010/main" xmlns:ma14="http://schemas.microsoft.com/office/mac/drawingml/2011/main" val="1"/>
               </a:ext>
             </a:extLst>
           </p:spPr>
@@ -23389,7 +22010,7 @@
             <a:effectLst/>
             <a:extLst>
               <a:ext uri="{C572A759-6A51-4108-AA02-DFA0A04FC94B}">
-                <ma14:wrappingTextBoxFlag xmlns:ma14="http://schemas.microsoft.com/office/mac/drawingml/2011/main" xmlns:a14="http://schemas.microsoft.com/office/drawing/2010/main" xmlns:m="http://schemas.openxmlformats.org/officeDocument/2006/math" xmlns="" val="1"/>
+                <ma14:wrappingTextBoxFlag xmlns="" xmlns:m="http://schemas.openxmlformats.org/officeDocument/2006/math" xmlns:a14="http://schemas.microsoft.com/office/drawing/2010/main" xmlns:ma14="http://schemas.microsoft.com/office/mac/drawingml/2011/main" val="1"/>
               </a:ext>
             </a:extLst>
           </p:spPr>
@@ -23600,14 +22221,23 @@
                             </p:childTnLst>
                           </p:cTn>
                         </p:par>
+                      </p:childTnLst>
+                    </p:cTn>
+                  </p:par>
+                  <p:par>
+                    <p:cTn id="12" fill="hold">
+                      <p:stCondLst>
+                        <p:cond delay="indefinite"/>
+                      </p:stCondLst>
+                      <p:childTnLst>
                         <p:par>
-                          <p:cTn id="12" fill="hold">
+                          <p:cTn id="13" fill="hold">
                             <p:stCondLst>
                               <p:cond delay="0"/>
                             </p:stCondLst>
                             <p:childTnLst>
                               <p:par>
-                                <p:cTn id="13" presetID="1" presetClass="entr" presetSubtype="0" fill="hold" grpId="1" nodeType="afterEffect">
+                                <p:cTn id="14" presetID="22" presetClass="entr" presetSubtype="8" fill="hold" grpId="3" nodeType="clickEffect">
                                   <p:stCondLst>
                                     <p:cond delay="0"/>
                                   </p:stCondLst>
@@ -23617,11 +22247,115 @@
                                   <p:childTnLst>
                                     <p:set>
                                       <p:cBhvr>
-                                        <p:cTn id="14" fill="hold"/>
+                                        <p:cTn id="15" fill="hold"/>
+                                        <p:tgtEl>
+                                          <p:spTgt spid="504"/>
+                                        </p:tgtEl>
+                                        <p:attrNameLst>
+                                          <p:attrName>style.visibility</p:attrName>
+                                        </p:attrNameLst>
+                                      </p:cBhvr>
+                                      <p:to>
+                                        <p:strVal val="visible"/>
+                                      </p:to>
+                                    </p:set>
+                                    <p:animEffect transition="in" filter="wipe(left)">
+                                      <p:cBhvr>
+                                        <p:cTn id="16" dur="1000"/>
+                                        <p:tgtEl>
+                                          <p:spTgt spid="504"/>
+                                        </p:tgtEl>
+                                      </p:cBhvr>
+                                    </p:animEffect>
+                                  </p:childTnLst>
+                                </p:cTn>
+                              </p:par>
+                            </p:childTnLst>
+                          </p:cTn>
+                        </p:par>
+                      </p:childTnLst>
+                    </p:cTn>
+                  </p:par>
+                  <p:par>
+                    <p:cTn id="17" fill="hold">
+                      <p:stCondLst>
+                        <p:cond delay="indefinite"/>
+                      </p:stCondLst>
+                      <p:childTnLst>
+                        <p:par>
+                          <p:cTn id="18" fill="hold">
+                            <p:stCondLst>
+                              <p:cond delay="0"/>
+                            </p:stCondLst>
+                            <p:childTnLst>
+                              <p:par>
+                                <p:cTn id="19" presetID="22" presetClass="entr" presetSubtype="8" fill="hold" grpId="4" nodeType="clickEffect">
+                                  <p:stCondLst>
+                                    <p:cond delay="0"/>
+                                  </p:stCondLst>
+                                  <p:iterate>
+                                    <p:tmAbs val="0"/>
+                                  </p:iterate>
+                                  <p:childTnLst>
+                                    <p:set>
+                                      <p:cBhvr>
+                                        <p:cTn id="20" fill="hold"/>
+                                        <p:tgtEl>
+                                          <p:spTgt spid="507"/>
+                                        </p:tgtEl>
+                                        <p:attrNameLst>
+                                          <p:attrName>style.visibility</p:attrName>
+                                        </p:attrNameLst>
+                                      </p:cBhvr>
+                                      <p:to>
+                                        <p:strVal val="visible"/>
+                                      </p:to>
+                                    </p:set>
+                                    <p:animEffect transition="in" filter="wipe(left)">
+                                      <p:cBhvr>
+                                        <p:cTn id="21" dur="1000"/>
+                                        <p:tgtEl>
+                                          <p:spTgt spid="507"/>
+                                        </p:tgtEl>
+                                      </p:cBhvr>
+                                    </p:animEffect>
+                                  </p:childTnLst>
+                                </p:cTn>
+                              </p:par>
+                            </p:childTnLst>
+                          </p:cTn>
+                        </p:par>
+                      </p:childTnLst>
+                    </p:cTn>
+                  </p:par>
+                  <p:par>
+                    <p:cTn id="22" fill="hold">
+                      <p:stCondLst>
+                        <p:cond delay="indefinite"/>
+                      </p:stCondLst>
+                      <p:childTnLst>
+                        <p:par>
+                          <p:cTn id="23" fill="hold">
+                            <p:stCondLst>
+                              <p:cond delay="0"/>
+                            </p:stCondLst>
+                            <p:childTnLst>
+                              <p:par>
+                                <p:cTn id="24" presetID="1" presetClass="entr" presetSubtype="0" fill="hold" grpId="1" nodeType="clickEffect">
+                                  <p:stCondLst>
+                                    <p:cond delay="0"/>
+                                  </p:stCondLst>
+                                  <p:iterate>
+                                    <p:tmAbs val="0"/>
+                                  </p:iterate>
+                                  <p:childTnLst>
+                                    <p:set>
+                                      <p:cBhvr>
+                                        <p:cTn id="25" fill="hold"/>
                                         <p:tgtEl>
                                           <p:spTgt spid="496">
                                             <p:txEl>
-                                              <p:pRg st="1" end="1"/>
+                                              <p:pRg st="2" end="2"/>
                                             </p:txEl>
                                           </p:spTgt>
                                         </p:tgtEl>
@@ -23639,119 +22373,6 @@
                             </p:childTnLst>
                           </p:cTn>
                         </p:par>
-                      </p:childTnLst>
-                    </p:cTn>
-                  </p:par>
-                  <p:par>
-                    <p:cTn id="15" fill="hold">
-                      <p:stCondLst>
-                        <p:cond delay="indefinite"/>
-                      </p:stCondLst>
-                      <p:childTnLst>
-                        <p:par>
-                          <p:cTn id="16" fill="hold">
-                            <p:stCondLst>
-                              <p:cond delay="0"/>
-                            </p:stCondLst>
-                            <p:childTnLst>
-                              <p:par>
-                                <p:cTn id="17" presetID="22" presetClass="entr" presetSubtype="8" fill="hold" grpId="3" nodeType="clickEffect">
-                                  <p:stCondLst>
-                                    <p:cond delay="0"/>
-                                  </p:stCondLst>
-                                  <p:iterate>
-                                    <p:tmAbs val="0"/>
-                                  </p:iterate>
-                                  <p:childTnLst>
-                                    <p:set>
-                                      <p:cBhvr>
-                                        <p:cTn id="18" fill="hold"/>
-                                        <p:tgtEl>
-                                          <p:spTgt spid="504"/>
-                                        </p:tgtEl>
-                                        <p:attrNameLst>
-                                          <p:attrName>style.visibility</p:attrName>
-                                        </p:attrNameLst>
-                                      </p:cBhvr>
-                                      <p:to>
-                                        <p:strVal val="visible"/>
-                                      </p:to>
-                                    </p:set>
-                                    <p:animEffect transition="in" filter="wipe(left)">
-                                      <p:cBhvr>
-                                        <p:cTn id="19" dur="1000"/>
-                                        <p:tgtEl>
-                                          <p:spTgt spid="504"/>
-                                        </p:tgtEl>
-                                      </p:cBhvr>
-                                    </p:animEffect>
-                                  </p:childTnLst>
-                                </p:cTn>
-                              </p:par>
-                            </p:childTnLst>
-                          </p:cTn>
-                        </p:par>
-                      </p:childTnLst>
-                    </p:cTn>
-                  </p:par>
-                  <p:par>
-                    <p:cTn id="20" fill="hold">
-                      <p:stCondLst>
-                        <p:cond delay="indefinite"/>
-                      </p:stCondLst>
-                      <p:childTnLst>
-                        <p:par>
-                          <p:cTn id="21" fill="hold">
-                            <p:stCondLst>
-                              <p:cond delay="0"/>
-                            </p:stCondLst>
-                            <p:childTnLst>
-                              <p:par>
-                                <p:cTn id="22" presetID="22" presetClass="entr" presetSubtype="8" fill="hold" grpId="4" nodeType="clickEffect">
-                                  <p:stCondLst>
-                                    <p:cond delay="0"/>
-                                  </p:stCondLst>
-                                  <p:iterate>
-                                    <p:tmAbs val="0"/>
-                                  </p:iterate>
-                                  <p:childTnLst>
-                                    <p:set>
-                                      <p:cBhvr>
-                                        <p:cTn id="23" fill="hold"/>
-                                        <p:tgtEl>
-                                          <p:spTgt spid="507"/>
-                                        </p:tgtEl>
-                                        <p:attrNameLst>
-                                          <p:attrName>style.visibility</p:attrName>
-                                        </p:attrNameLst>
-                                      </p:cBhvr>
-                                      <p:to>
-                                        <p:strVal val="visible"/>
-                                      </p:to>
-                                    </p:set>
-                                    <p:animEffect transition="in" filter="wipe(left)">
-                                      <p:cBhvr>
-                                        <p:cTn id="24" dur="1000"/>
-                                        <p:tgtEl>
-                                          <p:spTgt spid="507"/>
-                                        </p:tgtEl>
-                                      </p:cBhvr>
-                                    </p:animEffect>
-                                  </p:childTnLst>
-                                </p:cTn>
-                              </p:par>
-                            </p:childTnLst>
-                          </p:cTn>
-                        </p:par>
-                      </p:childTnLst>
-                    </p:cTn>
-                  </p:par>
-                  <p:par>
-                    <p:cTn id="25" fill="hold">
-                      <p:stCondLst>
-                        <p:cond delay="indefinite"/>
-                      </p:stCondLst>
-                      <p:childTnLst>
                         <p:par>
                           <p:cTn id="26" fill="hold">
                             <p:stCondLst>
@@ -23759,7 +22380,7 @@
                             </p:stCondLst>
                             <p:childTnLst>
                               <p:par>
-                                <p:cTn id="27" presetID="1" presetClass="entr" presetSubtype="0" fill="hold" grpId="1" nodeType="clickEffect">
+                                <p:cTn id="27" presetID="1" presetClass="entr" presetSubtype="0" fill="hold" grpId="1" nodeType="afterEffect">
                                   <p:stCondLst>
                                     <p:cond delay="0"/>
                                   </p:stCondLst>
@@ -23773,7 +22394,7 @@
                                         <p:tgtEl>
                                           <p:spTgt spid="496">
                                             <p:txEl>
-                                              <p:pRg st="2" end="2"/>
+                                              <p:pRg st="3" end="3"/>
                                             </p:txEl>
                                           </p:spTgt>
                                         </p:tgtEl>
@@ -23798,7 +22419,7 @@
                             </p:stCondLst>
                             <p:childTnLst>
                               <p:par>
-                                <p:cTn id="30" presetID="1" presetClass="entr" presetSubtype="0" fill="hold" grpId="1" nodeType="afterEffect">
+                                <p:cTn id="30" presetID="1" presetClass="entr" presetSubtype="0" fill="hold" grpId="5" nodeType="afterEffect">
                                   <p:stCondLst>
                                     <p:cond delay="0"/>
                                   </p:stCondLst>
@@ -23810,124 +22431,7 @@
                                       <p:cBhvr>
                                         <p:cTn id="31" fill="hold"/>
                                         <p:tgtEl>
-                                          <p:spTgt spid="496">
-                                            <p:txEl>
-                                              <p:pRg st="3" end="3"/>
-                                            </p:txEl>
-                                          </p:spTgt>
-                                        </p:tgtEl>
-                                        <p:attrNameLst>
-                                          <p:attrName>style.visibility</p:attrName>
-                                        </p:attrNameLst>
-                                      </p:cBhvr>
-                                      <p:to>
-                                        <p:strVal val="visible"/>
-                                      </p:to>
-                                    </p:set>
-                                  </p:childTnLst>
-                                </p:cTn>
-                              </p:par>
-                            </p:childTnLst>
-                          </p:cTn>
-                        </p:par>
-                        <p:par>
-                          <p:cTn id="32" fill="hold">
-                            <p:stCondLst>
-                              <p:cond delay="0"/>
-                            </p:stCondLst>
-                            <p:childTnLst>
-                              <p:par>
-                                <p:cTn id="33" presetID="1" presetClass="entr" presetSubtype="0" fill="hold" grpId="5" nodeType="afterEffect">
-                                  <p:stCondLst>
-                                    <p:cond delay="0"/>
-                                  </p:stCondLst>
-                                  <p:iterate>
-                                    <p:tmAbs val="0"/>
-                                  </p:iterate>
-                                  <p:childTnLst>
-                                    <p:set>
-                                      <p:cBhvr>
-                                        <p:cTn id="34" fill="hold"/>
-                                        <p:tgtEl>
                                           <p:spTgt spid="499"/>
-                                        </p:tgtEl>
-                                        <p:attrNameLst>
-                                          <p:attrName>style.visibility</p:attrName>
-                                        </p:attrNameLst>
-                                      </p:cBhvr>
-                                      <p:to>
-                                        <p:strVal val="visible"/>
-                                      </p:to>
-                                    </p:set>
-                                  </p:childTnLst>
-                                </p:cTn>
-                              </p:par>
-                            </p:childTnLst>
-                          </p:cTn>
-                        </p:par>
-                        <p:par>
-                          <p:cTn id="35" fill="hold">
-                            <p:stCondLst>
-                              <p:cond delay="0"/>
-                            </p:stCondLst>
-                            <p:childTnLst>
-                              <p:par>
-                                <p:cTn id="36" presetID="1" presetClass="entr" presetSubtype="0" fill="hold" grpId="1" nodeType="afterEffect">
-                                  <p:stCondLst>
-                                    <p:cond delay="0"/>
-                                  </p:stCondLst>
-                                  <p:iterate>
-                                    <p:tmAbs val="0"/>
-                                  </p:iterate>
-                                  <p:childTnLst>
-                                    <p:set>
-                                      <p:cBhvr>
-                                        <p:cTn id="37" fill="hold"/>
-                                        <p:tgtEl>
-                                          <p:spTgt spid="496">
-                                            <p:txEl>
-                                              <p:pRg st="4" end="4"/>
-                                            </p:txEl>
-                                          </p:spTgt>
-                                        </p:tgtEl>
-                                        <p:attrNameLst>
-                                          <p:attrName>style.visibility</p:attrName>
-                                        </p:attrNameLst>
-                                      </p:cBhvr>
-                                      <p:to>
-                                        <p:strVal val="visible"/>
-                                      </p:to>
-                                    </p:set>
-                                  </p:childTnLst>
-                                </p:cTn>
-                              </p:par>
-                            </p:childTnLst>
-                          </p:cTn>
-                        </p:par>
-                        <p:par>
-                          <p:cTn id="38" fill="hold">
-                            <p:stCondLst>
-                              <p:cond delay="0"/>
-                            </p:stCondLst>
-                            <p:childTnLst>
-                              <p:par>
-                                <p:cTn id="39" presetID="1" presetClass="entr" presetSubtype="0" fill="hold" grpId="1" nodeType="afterEffect">
-                                  <p:stCondLst>
-                                    <p:cond delay="0"/>
-                                  </p:stCondLst>
-                                  <p:iterate>
-                                    <p:tmAbs val="0"/>
-                                  </p:iterate>
-                                  <p:childTnLst>
-                                    <p:set>
-                                      <p:cBhvr>
-                                        <p:cTn id="40" fill="hold"/>
-                                        <p:tgtEl>
-                                          <p:spTgt spid="496">
-                                            <p:txEl>
-                                              <p:pRg st="5" end="5"/>
-                                            </p:txEl>
-                                          </p:spTgt>
                                         </p:tgtEl>
                                         <p:attrNameLst>
                                           <p:attrName>style.visibility</p:attrName>
@@ -23947,19 +22451,19 @@
                     </p:cTn>
                   </p:par>
                   <p:par>
-                    <p:cTn id="41" fill="hold">
+                    <p:cTn id="32" fill="hold">
                       <p:stCondLst>
                         <p:cond delay="indefinite"/>
                       </p:stCondLst>
                       <p:childTnLst>
                         <p:par>
-                          <p:cTn id="42" fill="hold">
+                          <p:cTn id="33" fill="hold">
                             <p:stCondLst>
                               <p:cond delay="0"/>
                             </p:stCondLst>
                             <p:childTnLst>
                               <p:par>
-                                <p:cTn id="43" presetID="22" presetClass="entr" presetSubtype="8" fill="hold" grpId="6" nodeType="clickEffect">
+                                <p:cTn id="34" presetID="22" presetClass="entr" presetSubtype="8" fill="hold" grpId="6" nodeType="clickEffect">
                                   <p:stCondLst>
                                     <p:cond delay="0"/>
                                   </p:stCondLst>
@@ -23969,7 +22473,7 @@
                                   <p:childTnLst>
                                     <p:set>
                                       <p:cBhvr>
-                                        <p:cTn id="44" fill="hold"/>
+                                        <p:cTn id="35" fill="hold"/>
                                         <p:tgtEl>
                                           <p:spTgt spid="511"/>
                                         </p:tgtEl>
@@ -23983,7 +22487,7 @@
                                     </p:set>
                                     <p:animEffect transition="in" filter="wipe(left)">
                                       <p:cBhvr>
-                                        <p:cTn id="45" dur="1000"/>
+                                        <p:cTn id="36" dur="1000"/>
                                         <p:tgtEl>
                                           <p:spTgt spid="511"/>
                                         </p:tgtEl>
@@ -23999,19 +22503,19 @@
                     </p:cTn>
                   </p:par>
                   <p:par>
-                    <p:cTn id="46" fill="hold">
+                    <p:cTn id="37" fill="hold">
                       <p:stCondLst>
                         <p:cond delay="indefinite"/>
                       </p:stCondLst>
                       <p:childTnLst>
                         <p:par>
-                          <p:cTn id="47" fill="hold">
+                          <p:cTn id="38" fill="hold">
                             <p:stCondLst>
                               <p:cond delay="0"/>
                             </p:stCondLst>
                             <p:childTnLst>
                               <p:par>
-                                <p:cTn id="48" presetID="1" presetClass="entr" presetSubtype="0" fill="hold" grpId="1" nodeType="clickEffect">
+                                <p:cTn id="39" presetID="1" presetClass="entr" presetSubtype="0" fill="hold" grpId="1" nodeType="clickEffect">
                                   <p:stCondLst>
                                     <p:cond delay="0"/>
                                   </p:stCondLst>
@@ -24021,7 +22525,7 @@
                                   <p:childTnLst>
                                     <p:set>
                                       <p:cBhvr>
-                                        <p:cTn id="49" fill="hold"/>
+                                        <p:cTn id="40" fill="hold"/>
                                         <p:tgtEl>
                                           <p:spTgt spid="496">
                                             <p:txEl>
@@ -24044,13 +22548,13 @@
                           </p:cTn>
                         </p:par>
                         <p:par>
-                          <p:cTn id="50" fill="hold">
+                          <p:cTn id="41" fill="hold">
                             <p:stCondLst>
                               <p:cond delay="0"/>
                             </p:stCondLst>
                             <p:childTnLst>
                               <p:par>
-                                <p:cTn id="51" presetID="1" presetClass="entr" presetSubtype="0" fill="hold" grpId="7" nodeType="afterEffect">
+                                <p:cTn id="42" presetID="1" presetClass="entr" presetSubtype="0" fill="hold" grpId="7" nodeType="afterEffect">
                                   <p:stCondLst>
                                     <p:cond delay="0"/>
                                   </p:stCondLst>
@@ -24060,48 +22564,9 @@
                                   <p:childTnLst>
                                     <p:set>
                                       <p:cBhvr>
-                                        <p:cTn id="52" fill="hold"/>
+                                        <p:cTn id="43" fill="hold"/>
                                         <p:tgtEl>
                                           <p:spTgt spid="501"/>
-                                        </p:tgtEl>
-                                        <p:attrNameLst>
-                                          <p:attrName>style.visibility</p:attrName>
-                                        </p:attrNameLst>
-                                      </p:cBhvr>
-                                      <p:to>
-                                        <p:strVal val="visible"/>
-                                      </p:to>
-                                    </p:set>
-                                  </p:childTnLst>
-                                </p:cTn>
-                              </p:par>
-                            </p:childTnLst>
-                          </p:cTn>
-                        </p:par>
-                        <p:par>
-                          <p:cTn id="53" fill="hold">
-                            <p:stCondLst>
-                              <p:cond delay="0"/>
-                            </p:stCondLst>
-                            <p:childTnLst>
-                              <p:par>
-                                <p:cTn id="54" presetID="1" presetClass="entr" presetSubtype="0" fill="hold" grpId="1" nodeType="afterEffect">
-                                  <p:stCondLst>
-                                    <p:cond delay="0"/>
-                                  </p:stCondLst>
-                                  <p:iterate>
-                                    <p:tmAbs val="0"/>
-                                  </p:iterate>
-                                  <p:childTnLst>
-                                    <p:set>
-                                      <p:cBhvr>
-                                        <p:cTn id="55" fill="hold"/>
-                                        <p:tgtEl>
-                                          <p:spTgt spid="496">
-                                            <p:txEl>
-                                              <p:pRg st="7" end="7"/>
-                                            </p:txEl>
-                                          </p:spTgt>
                                         </p:tgtEl>
                                         <p:attrNameLst>
                                           <p:attrName>style.visibility</p:attrName>
@@ -24121,19 +22586,19 @@
                     </p:cTn>
                   </p:par>
                   <p:par>
-                    <p:cTn id="56" fill="hold">
+                    <p:cTn id="44" fill="hold">
                       <p:stCondLst>
                         <p:cond delay="indefinite"/>
                       </p:stCondLst>
                       <p:childTnLst>
                         <p:par>
-                          <p:cTn id="57" fill="hold">
+                          <p:cTn id="45" fill="hold">
                             <p:stCondLst>
                               <p:cond delay="0"/>
                             </p:stCondLst>
                             <p:childTnLst>
                               <p:par>
-                                <p:cTn id="58" presetID="1" presetClass="entr" presetSubtype="0" fill="hold" grpId="1" nodeType="clickEffect">
+                                <p:cTn id="46" presetID="1" presetClass="entr" presetSubtype="0" fill="hold" grpId="1" nodeType="clickEffect">
                                   <p:stCondLst>
                                     <p:cond delay="0"/>
                                   </p:stCondLst>
@@ -24143,7 +22608,7 @@
                                   <p:childTnLst>
                                     <p:set>
                                       <p:cBhvr>
-                                        <p:cTn id="59" fill="hold"/>
+                                        <p:cTn id="47" fill="hold"/>
                                         <p:tgtEl>
                                           <p:spTgt spid="496">
                                             <p:txEl>
@@ -24166,13 +22631,13 @@
                           </p:cTn>
                         </p:par>
                         <p:par>
-                          <p:cTn id="60" fill="hold">
+                          <p:cTn id="48" fill="hold">
                             <p:stCondLst>
                               <p:cond delay="0"/>
                             </p:stCondLst>
                             <p:childTnLst>
                               <p:par>
-                                <p:cTn id="61" presetID="1" presetClass="entr" presetSubtype="0" fill="hold" grpId="1" nodeType="afterEffect">
+                                <p:cTn id="49" presetID="1" presetClass="entr" presetSubtype="0" fill="hold" grpId="1" nodeType="afterEffect">
                                   <p:stCondLst>
                                     <p:cond delay="0"/>
                                   </p:stCondLst>
@@ -24182,7 +22647,7 @@
                                   <p:childTnLst>
                                     <p:set>
                                       <p:cBhvr>
-                                        <p:cTn id="62" fill="hold"/>
+                                        <p:cTn id="50" fill="hold"/>
                                         <p:tgtEl>
                                           <p:spTgt spid="496">
                                             <p:txEl>
@@ -24205,13 +22670,13 @@
                           </p:cTn>
                         </p:par>
                         <p:par>
-                          <p:cTn id="63" fill="hold">
+                          <p:cTn id="51" fill="hold">
                             <p:stCondLst>
                               <p:cond delay="0"/>
                             </p:stCondLst>
                             <p:childTnLst>
                               <p:par>
-                                <p:cTn id="64" presetID="1" presetClass="entr" presetSubtype="0" fill="hold" grpId="8" nodeType="afterEffect">
+                                <p:cTn id="52" presetID="1" presetClass="entr" presetSubtype="0" fill="hold" grpId="8" nodeType="afterEffect">
                                   <p:stCondLst>
                                     <p:cond delay="0"/>
                                   </p:stCondLst>
@@ -24221,7 +22686,7 @@
                                   <p:childTnLst>
                                     <p:set>
                                       <p:cBhvr>
-                                        <p:cTn id="65" fill="hold"/>
+                                        <p:cTn id="53" fill="hold"/>
                                         <p:tgtEl>
                                           <p:spTgt spid="500"/>
                                         </p:tgtEl>
@@ -24243,19 +22708,19 @@
                     </p:cTn>
                   </p:par>
                   <p:par>
-                    <p:cTn id="66" fill="hold">
+                    <p:cTn id="54" fill="hold">
                       <p:stCondLst>
                         <p:cond delay="indefinite"/>
                       </p:stCondLst>
                       <p:childTnLst>
                         <p:par>
-                          <p:cTn id="67" fill="hold">
+                          <p:cTn id="55" fill="hold">
                             <p:stCondLst>
                               <p:cond delay="0"/>
                             </p:stCondLst>
                             <p:childTnLst>
                               <p:par>
-                                <p:cTn id="68" presetID="22" presetClass="entr" presetSubtype="2" fill="hold" grpId="9" nodeType="clickEffect">
+                                <p:cTn id="56" presetID="22" presetClass="entr" presetSubtype="2" fill="hold" grpId="9" nodeType="clickEffect">
                                   <p:stCondLst>
                                     <p:cond delay="0"/>
                                   </p:stCondLst>
@@ -24265,7 +22730,7 @@
                                   <p:childTnLst>
                                     <p:set>
                                       <p:cBhvr>
-                                        <p:cTn id="69" fill="hold"/>
+                                        <p:cTn id="57" fill="hold"/>
                                         <p:tgtEl>
                                           <p:spTgt spid="518"/>
                                         </p:tgtEl>
@@ -24279,7 +22744,7 @@
                                     </p:set>
                                     <p:animEffect transition="in" filter="wipe(right)">
                                       <p:cBhvr>
-                                        <p:cTn id="70" dur="500"/>
+                                        <p:cTn id="58" dur="500"/>
                                         <p:tgtEl>
                                           <p:spTgt spid="518"/>
                                         </p:tgtEl>
@@ -24295,19 +22760,19 @@
                     </p:cTn>
                   </p:par>
                   <p:par>
-                    <p:cTn id="71" fill="hold">
+                    <p:cTn id="59" fill="hold">
                       <p:stCondLst>
                         <p:cond delay="indefinite"/>
                       </p:stCondLst>
                       <p:childTnLst>
                         <p:par>
-                          <p:cTn id="72" fill="hold">
+                          <p:cTn id="60" fill="hold">
                             <p:stCondLst>
                               <p:cond delay="0"/>
                             </p:stCondLst>
                             <p:childTnLst>
                               <p:par>
-                                <p:cTn id="73" presetID="22" presetClass="entr" presetSubtype="8" fill="hold" grpId="10" nodeType="clickEffect">
+                                <p:cTn id="61" presetID="22" presetClass="entr" presetSubtype="8" fill="hold" grpId="10" nodeType="clickEffect">
                                   <p:stCondLst>
                                     <p:cond delay="0"/>
                                   </p:stCondLst>
@@ -24317,7 +22782,7 @@
                                   <p:childTnLst>
                                     <p:set>
                                       <p:cBhvr>
-                                        <p:cTn id="74" fill="hold"/>
+                                        <p:cTn id="62" fill="hold"/>
                                         <p:tgtEl>
                                           <p:spTgt spid="514"/>
                                         </p:tgtEl>
@@ -24331,7 +22796,7 @@
                                     </p:set>
                                     <p:animEffect transition="in" filter="wipe(left)">
                                       <p:cBhvr>
-                                        <p:cTn id="75" dur="500"/>
+                                        <p:cTn id="63" dur="500"/>
                                         <p:tgtEl>
                                           <p:spTgt spid="514"/>
                                         </p:tgtEl>
@@ -24383,7 +22848,7 @@
 </p:sld>
 </file>
 
-<file path=ppt/slides/slide8.xml><?xml version="1.0" encoding="utf-8"?>
+<file path=ppt/slides/slide7.xml><?xml version="1.0" encoding="utf-8"?>
 <p:sld xmlns:a="http://schemas.openxmlformats.org/drawingml/2006/main" xmlns:r="http://schemas.openxmlformats.org/officeDocument/2006/relationships" xmlns:p="http://schemas.openxmlformats.org/presentationml/2006/main">
   <p:cSld>
     <p:spTree>
@@ -24420,25 +22885,26 @@
           <a:lstStyle/>
           <a:p>
             <a:r>
-              <a:t>Effectively, we are </a:t>
-            </a:r>
-            <a:r>
-              <a:rPr>
+              <a:rPr dirty="0"/>
+              <a:t>Effectively, we </a:t>
+            </a:r>
+            <a:r>
+              <a:rPr dirty="0">
                 <a:solidFill>
                   <a:srgbClr val="3D46A6"/>
                 </a:solidFill>
               </a:rPr>
-              <a:t>predicting how far the phase ought</a:t>
+              <a:t>predict how far phase ought</a:t>
             </a:r>
             <a:br>
-              <a:rPr>
+              <a:rPr dirty="0">
                 <a:solidFill>
                   <a:srgbClr val="3D46A6"/>
                 </a:solidFill>
               </a:rPr>
             </a:br>
             <a:r>
-              <a:rPr>
+              <a:rPr dirty="0">
                 <a:solidFill>
                   <a:srgbClr val="3D46A6"/>
                 </a:solidFill>
@@ -24446,38 +22912,55 @@
               <a:t>to advance</a:t>
             </a:r>
             <a:r>
-              <a:t> from one hop to the next, then comparing</a:t>
-            </a:r>
-            <a:br/>
-            <a:r>
-              <a:t>the actual measured values</a:t>
+              <a:rPr dirty="0"/>
+              <a:t> from one hop to next, then </a:t>
+            </a:r>
+            <a:r>
+              <a:rPr dirty="0" err="1"/>
+              <a:t>compar</a:t>
+            </a:r>
+            <a:r>
+              <a:rPr lang="en-GB" dirty="0"/>
+              <a:t>e</a:t>
+            </a:r>
+            <a:br>
+              <a:rPr dirty="0"/>
+            </a:br>
+            <a:r>
+              <a:rPr dirty="0"/>
+              <a:t>actual measured values</a:t>
             </a:r>
           </a:p>
           <a:p>
             <a:pPr lvl="1"/>
             <a:r>
-              <a:t>Phase advancing farther means a </a:t>
-            </a:r>
-            <a:r>
-              <a:rPr>
+              <a:rPr dirty="0"/>
+              <a:t>Phase advancing farther means </a:t>
+            </a:r>
+            <a:r>
+              <a:rPr dirty="0">
                 <a:solidFill>
                   <a:srgbClr val="3D46A6"/>
                 </a:solidFill>
               </a:rPr>
               <a:t>higher frequency</a:t>
             </a:r>
-            <a:br/>
-            <a:r>
-              <a:t>(compared to the bin frequency)</a:t>
+            <a:br>
+              <a:rPr dirty="0"/>
+            </a:br>
+            <a:r>
+              <a:rPr dirty="0"/>
+              <a:t>(compared to bin frequency)</a:t>
             </a:r>
           </a:p>
           <a:p>
             <a:pPr lvl="1"/>
             <a:r>
+              <a:rPr dirty="0"/>
               <a:t>Phase advancing less far means a </a:t>
             </a:r>
             <a:r>
-              <a:rPr>
+              <a:rPr dirty="0">
                 <a:solidFill>
                   <a:srgbClr val="3D46A6"/>
                 </a:solidFill>
@@ -24487,16 +22970,18 @@
           </a:p>
           <a:p>
             <a:r>
+              <a:rPr dirty="0"/>
               <a:t>What do we need to implement this in code?</a:t>
             </a:r>
           </a:p>
           <a:p>
             <a:pPr lvl="1"/>
             <a:r>
+              <a:rPr dirty="0"/>
               <a:t>A </a:t>
             </a:r>
             <a:r>
-              <a:rPr>
+              <a:rPr dirty="0">
                 <a:solidFill>
                   <a:srgbClr val="3D46A6"/>
                 </a:solidFill>
@@ -24504,10 +22989,11 @@
               <a:t>global</a:t>
             </a:r>
             <a:r>
+              <a:rPr dirty="0"/>
               <a:t> (or </a:t>
             </a:r>
             <a:r>
-              <a:rPr>
+              <a:rPr dirty="0">
                 <a:solidFill>
                   <a:srgbClr val="3D46A6"/>
                 </a:solidFill>
@@ -24515,10 +23001,11 @@
               <a:t>static</a:t>
             </a:r>
             <a:r>
-              <a:t>) variable to hold the </a:t>
-            </a:r>
-            <a:r>
-              <a:rPr>
+              <a:rPr dirty="0"/>
+              <a:t>) variable to hold </a:t>
+            </a:r>
+            <a:r>
+              <a:rPr dirty="0">
                 <a:solidFill>
                   <a:srgbClr val="3D46A6"/>
                 </a:solidFill>
@@ -24529,10 +23016,11 @@
           <a:p>
             <a:pPr lvl="2"/>
             <a:r>
+              <a:rPr dirty="0"/>
               <a:t>Saving each bin implies an </a:t>
             </a:r>
             <a:r>
-              <a:rPr>
+              <a:rPr dirty="0">
                 <a:solidFill>
                   <a:srgbClr val="3D46A6"/>
                 </a:solidFill>
@@ -24543,79 +23031,106 @@
           <a:p>
             <a:pPr lvl="2"/>
             <a:r>
-              <a:t>This is very similar to saving previous values of </a:t>
-            </a:r>
-            <a:r>
-              <a:rPr i="1"/>
+              <a:rPr lang="en-GB" dirty="0"/>
+              <a:t>S</a:t>
+            </a:r>
+            <a:r>
+              <a:rPr dirty="0" err="1"/>
+              <a:t>imilar</a:t>
+            </a:r>
+            <a:r>
+              <a:rPr dirty="0"/>
+              <a:t> to saving previous values of </a:t>
+            </a:r>
+            <a:r>
+              <a:rPr i="1" dirty="0"/>
               <a:t>x</a:t>
             </a:r>
             <a:r>
+              <a:rPr dirty="0"/>
               <a:t>[</a:t>
             </a:r>
             <a:r>
-              <a:rPr i="1"/>
+              <a:rPr i="1" dirty="0"/>
               <a:t>n</a:t>
             </a:r>
             <a:r>
+              <a:rPr dirty="0"/>
               <a:t>] or </a:t>
             </a:r>
             <a:r>
-              <a:rPr i="1"/>
+              <a:rPr i="1" dirty="0"/>
               <a:t>y</a:t>
             </a:r>
             <a:r>
+              <a:rPr dirty="0"/>
               <a:t>[</a:t>
             </a:r>
             <a:r>
-              <a:rPr i="1"/>
+              <a:rPr i="1" dirty="0"/>
               <a:t>n</a:t>
             </a:r>
             <a:r>
-              <a:t>] for a filter (see Lecture 8)</a:t>
+              <a:rPr dirty="0"/>
+              <a:t>] for a filter</a:t>
             </a:r>
           </a:p>
           <a:p>
             <a:pPr lvl="1"/>
             <a:r>
+              <a:rPr dirty="0"/>
               <a:t>A function to </a:t>
             </a:r>
             <a:r>
-              <a:rPr>
+              <a:rPr dirty="0">
                 <a:solidFill>
                   <a:srgbClr val="3D46A6"/>
                 </a:solidFill>
               </a:rPr>
-              <a:t>wrap the phase</a:t>
-            </a:r>
-            <a:r>
-              <a:t> to the range -π to π</a:t>
+              <a:t>wrap phase</a:t>
+            </a:r>
+            <a:r>
+              <a:rPr dirty="0"/>
+              <a:t> to range -π to π</a:t>
             </a:r>
           </a:p>
           <a:p>
             <a:pPr lvl="1"/>
             <a:r>
-              <a:t>Implement the calculations inside of our </a:t>
-            </a:r>
-            <a:r>
-              <a:rPr>
+              <a:rPr dirty="0"/>
+              <a:t>Implement calculations inside our </a:t>
+            </a:r>
+            <a:r>
+              <a:rPr dirty="0" err="1">
                 <a:latin typeface="Courier"/>
                 <a:ea typeface="Courier"/>
                 <a:cs typeface="Courier"/>
                 <a:sym typeface="Courier"/>
               </a:rPr>
-              <a:t>process_fft()</a:t>
-            </a:r>
-            <a:r>
+              <a:t>process_fft</a:t>
+            </a:r>
+            <a:r>
+              <a:rPr dirty="0">
+                <a:latin typeface="Courier"/>
+                <a:ea typeface="Courier"/>
+                <a:cs typeface="Courier"/>
+                <a:sym typeface="Courier"/>
+              </a:rPr>
+              <a:t>()</a:t>
+            </a:r>
+            <a:r>
+              <a:rPr dirty="0"/>
               <a:t> function</a:t>
             </a:r>
           </a:p>
           <a:p>
             <a:pPr lvl="2"/>
             <a:r>
+              <a:rPr dirty="0"/>
               <a:t>Write a </a:t>
             </a:r>
             <a:r>
-              <a:rPr>
+              <a:rPr dirty="0">
                 <a:latin typeface="Courier"/>
                 <a:ea typeface="Courier"/>
                 <a:cs typeface="Courier"/>
@@ -24624,6 +23139,7 @@
               <a:t>for()</a:t>
             </a:r>
             <a:r>
+              <a:rPr dirty="0"/>
               <a:t> loop iterating across each bin</a:t>
             </a:r>
           </a:p>
@@ -24673,7 +23189,7 @@
           </a:ln>
           <a:extLst>
             <a:ext uri="{C572A759-6A51-4108-AA02-DFA0A04FC94B}">
-              <ma14:wrappingTextBoxFlag xmlns:ma14="http://schemas.microsoft.com/office/mac/drawingml/2011/main" xmlns:a14="http://schemas.microsoft.com/office/drawing/2010/main" xmlns:m="http://schemas.openxmlformats.org/officeDocument/2006/math" xmlns="" val="1"/>
+              <ma14:wrappingTextBoxFlag xmlns="" xmlns:m="http://schemas.openxmlformats.org/officeDocument/2006/math" xmlns:a14="http://schemas.microsoft.com/office/drawing/2010/main" xmlns:ma14="http://schemas.microsoft.com/office/mac/drawingml/2011/main" val="1"/>
             </a:ext>
           </a:extLst>
         </p:spPr>
@@ -25037,7 +23553,7 @@
           </a:ln>
           <a:extLst>
             <a:ext uri="{C572A759-6A51-4108-AA02-DFA0A04FC94B}">
-              <ma14:wrappingTextBoxFlag xmlns:ma14="http://schemas.microsoft.com/office/mac/drawingml/2011/main" xmlns:a14="http://schemas.microsoft.com/office/drawing/2010/main" xmlns:m="http://schemas.openxmlformats.org/officeDocument/2006/math" xmlns="" val="1"/>
+              <ma14:wrappingTextBoxFlag xmlns="" xmlns:m="http://schemas.openxmlformats.org/officeDocument/2006/math" xmlns:a14="http://schemas.microsoft.com/office/drawing/2010/main" xmlns:ma14="http://schemas.microsoft.com/office/mac/drawingml/2011/main" val="1"/>
             </a:ext>
           </a:extLst>
         </p:spPr>
@@ -25053,46 +23569,6 @@
           <a:p>
             <a:r>
               <a:t>prediction</a:t>
-            </a:r>
-          </a:p>
-        </p:txBody>
-      </p:sp>
-      <p:sp>
-        <p:nvSpPr>
-          <p:cNvPr id="534" name="ECS7012P Music and Audio Programming • Week 10b"/>
-          <p:cNvSpPr txBox="1"/>
-          <p:nvPr/>
-        </p:nvSpPr>
-        <p:spPr>
-          <a:xfrm>
-            <a:off x="4293541" y="12630898"/>
-            <a:ext cx="16905886" cy="988926"/>
-          </a:xfrm>
-          <a:prstGeom prst="rect">
-            <a:avLst/>
-          </a:prstGeom>
-          <a:ln w="12700">
-            <a:miter lim="400000"/>
-          </a:ln>
-          <a:extLst>
-            <a:ext uri="{C572A759-6A51-4108-AA02-DFA0A04FC94B}">
-              <ma14:wrappingTextBoxFlag xmlns:ma14="http://schemas.microsoft.com/office/mac/drawingml/2011/main" xmlns:a14="http://schemas.microsoft.com/office/drawing/2010/main" xmlns:m="http://schemas.openxmlformats.org/officeDocument/2006/math" xmlns="" val="1"/>
-            </a:ext>
-          </a:extLst>
-        </p:spPr>
-        <p:txBody>
-          <a:bodyPr lIns="50800" tIns="50800" rIns="50800" bIns="50800" anchor="ctr"/>
-          <a:lstStyle>
-            <a:lvl1pPr>
-              <a:spcBef>
-                <a:spcPts val="5900"/>
-              </a:spcBef>
-              <a:defRPr sz="4000" b="0"/>
-            </a:lvl1pPr>
-          </a:lstStyle>
-          <a:p>
-            <a:r>
-              <a:t>ECS7012P Music and Audio Programming • Week 10b</a:t>
             </a:r>
           </a:p>
         </p:txBody>
@@ -25644,7 +24120,7 @@
 </p:sld>
 </file>
 
-<file path=ppt/slides/slide9.xml><?xml version="1.0" encoding="utf-8"?>
+<file path=ppt/slides/slide8.xml><?xml version="1.0" encoding="utf-8"?>
 <p:sld xmlns:a="http://schemas.openxmlformats.org/drawingml/2006/main" xmlns:r="http://schemas.openxmlformats.org/officeDocument/2006/relationships" xmlns:p="http://schemas.openxmlformats.org/presentationml/2006/main">
   <p:cSld>
     <p:spTree>
@@ -25681,7 +24157,7 @@
           <a:lstStyle/>
           <a:p>
             <a:r>
-              <a:rPr>
+              <a:rPr dirty="0">
                 <a:solidFill>
                   <a:srgbClr val="9B1200"/>
                 </a:solidFill>
@@ -25689,53 +24165,53 @@
               <a:t>Task:</a:t>
             </a:r>
             <a:r>
-              <a:t> in </a:t>
-            </a:r>
-            <a:r>
-              <a:rPr>
-                <a:solidFill>
-                  <a:srgbClr val="3D46A6"/>
-                </a:solidFill>
-              </a:rPr>
-              <a:t>fft-sine</a:t>
-            </a:r>
-            <a:r>
-              <a:t>, write the code to work out the exact frequency of each bin</a:t>
+              <a:rPr dirty="0"/>
+              <a:t> </a:t>
+            </a:r>
+            <a:r>
+              <a:rPr lang="en-GB" dirty="0"/>
+              <a:t>W</a:t>
+            </a:r>
+            <a:r>
+              <a:rPr dirty="0"/>
+              <a:t>rite code to work out exact frequency of each bin</a:t>
             </a:r>
           </a:p>
           <a:p>
             <a:pPr lvl="1"/>
             <a:r>
+              <a:rPr dirty="0"/>
               <a:t>Implement these formulas:</a:t>
             </a:r>
           </a:p>
           <a:p>
             <a:pPr lvl="1"/>
-            <a:endParaRPr/>
+            <a:endParaRPr dirty="0"/>
           </a:p>
           <a:p>
             <a:pPr lvl="1"/>
-            <a:endParaRPr/>
+            <a:endParaRPr dirty="0"/>
           </a:p>
           <a:p>
             <a:pPr lvl="1"/>
-            <a:endParaRPr/>
+            <a:endParaRPr dirty="0"/>
           </a:p>
           <a:p>
             <a:pPr lvl="1"/>
-            <a:endParaRPr/>
+            <a:endParaRPr dirty="0"/>
           </a:p>
           <a:p>
             <a:pPr lvl="1"/>
-            <a:endParaRPr/>
+            <a:endParaRPr dirty="0"/>
           </a:p>
           <a:p>
             <a:pPr lvl="1"/>
             <a:r>
+              <a:rPr dirty="0"/>
               <a:t>Remember you will need a </a:t>
             </a:r>
             <a:r>
-              <a:rPr>
+              <a:rPr dirty="0">
                 <a:solidFill>
                   <a:srgbClr val="3D46A6"/>
                 </a:solidFill>
@@ -25743,10 +24219,11 @@
               <a:t>global or static array</a:t>
             </a:r>
             <a:r>
-              <a:t> to hold the </a:t>
-            </a:r>
-            <a:r>
-              <a:rPr>
+              <a:rPr dirty="0"/>
+              <a:t> to hold </a:t>
+            </a:r>
+            <a:r>
+              <a:rPr dirty="0">
                 <a:solidFill>
                   <a:srgbClr val="3D46A6"/>
                 </a:solidFill>
@@ -25757,26 +24234,22 @@
           <a:p>
             <a:pPr lvl="1"/>
             <a:r>
-              <a:t>The GUI will display the frequency of the bin with </a:t>
-            </a:r>
-            <a:r>
-              <a:rPr>
-                <a:solidFill>
-                  <a:srgbClr val="3D46A6"/>
-                </a:solidFill>
-              </a:rPr>
-              <a:t>highest magnitude</a:t>
-            </a:r>
-          </a:p>
-          <a:p>
-            <a:pPr lvl="1"/>
-            <a:r>
-              <a:t>However, the same formula can apply to every bin regardless of magnitude</a:t>
+              <a:rPr lang="en-GB" dirty="0"/>
+              <a:t>S</a:t>
+            </a:r>
+            <a:r>
+              <a:rPr dirty="0" err="1"/>
+              <a:t>ame</a:t>
+            </a:r>
+            <a:r>
+              <a:rPr dirty="0"/>
+              <a:t> formula can apply to every bin regardless of magnitude</a:t>
             </a:r>
           </a:p>
           <a:p>
             <a:pPr lvl="2"/>
             <a:r>
+              <a:rPr dirty="0"/>
               <a:t>In practice, we only look at the first half of bins because the DFT is conjugate symmetric</a:t>
             </a:r>
           </a:p>
@@ -25916,7 +24389,7 @@
             <a:effectLst/>
             <a:extLst>
               <a:ext uri="{C572A759-6A51-4108-AA02-DFA0A04FC94B}">
-                <ma14:wrappingTextBoxFlag xmlns:ma14="http://schemas.microsoft.com/office/mac/drawingml/2011/main" xmlns:a14="http://schemas.microsoft.com/office/drawing/2010/main" xmlns:m="http://schemas.openxmlformats.org/officeDocument/2006/math" xmlns="" val="1"/>
+                <ma14:wrappingTextBoxFlag xmlns="" xmlns:m="http://schemas.openxmlformats.org/officeDocument/2006/math" xmlns:a14="http://schemas.microsoft.com/office/drawing/2010/main" xmlns:ma14="http://schemas.microsoft.com/office/mac/drawingml/2011/main" val="1"/>
               </a:ext>
             </a:extLst>
           </p:spPr>
@@ -26011,7 +24484,7 @@
             <a:effectLst/>
             <a:extLst>
               <a:ext uri="{C572A759-6A51-4108-AA02-DFA0A04FC94B}">
-                <ma14:wrappingTextBoxFlag xmlns:ma14="http://schemas.microsoft.com/office/mac/drawingml/2011/main" xmlns:a14="http://schemas.microsoft.com/office/drawing/2010/main" xmlns:m="http://schemas.openxmlformats.org/officeDocument/2006/math" xmlns="" val="1"/>
+                <ma14:wrappingTextBoxFlag xmlns="" xmlns:m="http://schemas.openxmlformats.org/officeDocument/2006/math" xmlns:a14="http://schemas.microsoft.com/office/drawing/2010/main" xmlns:ma14="http://schemas.microsoft.com/office/mac/drawingml/2011/main" val="1"/>
               </a:ext>
             </a:extLst>
           </p:spPr>
@@ -26121,7 +24594,7 @@
             <a:effectLst/>
             <a:extLst>
               <a:ext uri="{C572A759-6A51-4108-AA02-DFA0A04FC94B}">
-                <ma14:wrappingTextBoxFlag xmlns:ma14="http://schemas.microsoft.com/office/mac/drawingml/2011/main" xmlns:a14="http://schemas.microsoft.com/office/drawing/2010/main" xmlns:m="http://schemas.openxmlformats.org/officeDocument/2006/math" xmlns="" val="1"/>
+                <ma14:wrappingTextBoxFlag xmlns="" xmlns:m="http://schemas.openxmlformats.org/officeDocument/2006/math" xmlns:a14="http://schemas.microsoft.com/office/drawing/2010/main" xmlns:ma14="http://schemas.microsoft.com/office/mac/drawingml/2011/main" val="1"/>
               </a:ext>
             </a:extLst>
           </p:spPr>
@@ -26239,7 +24712,7 @@
             <a:effectLst/>
             <a:extLst>
               <a:ext uri="{C572A759-6A51-4108-AA02-DFA0A04FC94B}">
-                <ma14:wrappingTextBoxFlag xmlns:ma14="http://schemas.microsoft.com/office/mac/drawingml/2011/main" xmlns:a14="http://schemas.microsoft.com/office/drawing/2010/main" xmlns:m="http://schemas.openxmlformats.org/officeDocument/2006/math" xmlns="" val="1"/>
+                <ma14:wrappingTextBoxFlag xmlns="" xmlns:m="http://schemas.openxmlformats.org/officeDocument/2006/math" xmlns:a14="http://schemas.microsoft.com/office/drawing/2010/main" xmlns:ma14="http://schemas.microsoft.com/office/mac/drawingml/2011/main" val="1"/>
               </a:ext>
             </a:extLst>
           </p:spPr>
@@ -26357,7 +24830,7 @@
             <a:effectLst/>
             <a:extLst>
               <a:ext uri="{C572A759-6A51-4108-AA02-DFA0A04FC94B}">
-                <ma14:wrappingTextBoxFlag xmlns:ma14="http://schemas.microsoft.com/office/mac/drawingml/2011/main" xmlns:a14="http://schemas.microsoft.com/office/drawing/2010/main" xmlns:m="http://schemas.openxmlformats.org/officeDocument/2006/math" xmlns="" val="1"/>
+                <ma14:wrappingTextBoxFlag xmlns="" xmlns:m="http://schemas.openxmlformats.org/officeDocument/2006/math" xmlns:a14="http://schemas.microsoft.com/office/drawing/2010/main" xmlns:ma14="http://schemas.microsoft.com/office/mac/drawingml/2011/main" val="1"/>
               </a:ext>
             </a:extLst>
           </p:spPr>
@@ -26491,7 +24964,7 @@
             <a:effectLst/>
             <a:extLst>
               <a:ext uri="{C572A759-6A51-4108-AA02-DFA0A04FC94B}">
-                <ma14:wrappingTextBoxFlag xmlns:ma14="http://schemas.microsoft.com/office/mac/drawingml/2011/main" xmlns:a14="http://schemas.microsoft.com/office/drawing/2010/main" xmlns:m="http://schemas.openxmlformats.org/officeDocument/2006/math" xmlns="" val="1"/>
+                <ma14:wrappingTextBoxFlag xmlns="" xmlns:m="http://schemas.openxmlformats.org/officeDocument/2006/math" xmlns:a14="http://schemas.microsoft.com/office/drawing/2010/main" xmlns:ma14="http://schemas.microsoft.com/office/mac/drawingml/2011/main" val="1"/>
               </a:ext>
             </a:extLst>
           </p:spPr>
@@ -26606,7 +25079,7 @@
             <a:effectLst/>
             <a:extLst>
               <a:ext uri="{C572A759-6A51-4108-AA02-DFA0A04FC94B}">
-                <ma14:wrappingTextBoxFlag xmlns:ma14="http://schemas.microsoft.com/office/mac/drawingml/2011/main" xmlns:a14="http://schemas.microsoft.com/office/drawing/2010/main" xmlns:m="http://schemas.openxmlformats.org/officeDocument/2006/math" xmlns="" val="1"/>
+                <ma14:wrappingTextBoxFlag xmlns="" xmlns:m="http://schemas.openxmlformats.org/officeDocument/2006/math" xmlns:a14="http://schemas.microsoft.com/office/drawing/2010/main" xmlns:ma14="http://schemas.microsoft.com/office/mac/drawingml/2011/main" val="1"/>
               </a:ext>
             </a:extLst>
           </p:spPr>
@@ -26785,14 +25258,23 @@
                             </p:childTnLst>
                           </p:cTn>
                         </p:par>
+                      </p:childTnLst>
+                    </p:cTn>
+                  </p:par>
+                  <p:par>
+                    <p:cTn id="12" fill="hold">
+                      <p:stCondLst>
+                        <p:cond delay="indefinite"/>
+                      </p:stCondLst>
+                      <p:childTnLst>
                         <p:par>
-                          <p:cTn id="12" fill="hold">
+                          <p:cTn id="13" fill="hold">
                             <p:stCondLst>
                               <p:cond delay="0"/>
                             </p:stCondLst>
                             <p:childTnLst>
                               <p:par>
-                                <p:cTn id="13" presetID="1" presetClass="entr" presetSubtype="0" fill="hold" grpId="1" nodeType="afterEffect">
+                                <p:cTn id="14" presetID="22" presetClass="entr" presetSubtype="1" fill="hold" grpId="2" nodeType="clickEffect">
                                   <p:stCondLst>
                                     <p:cond delay="0"/>
                                   </p:stCondLst>
@@ -26802,13 +25284,9 @@
                                   <p:childTnLst>
                                     <p:set>
                                       <p:cBhvr>
-                                        <p:cTn id="14" fill="hold"/>
+                                        <p:cTn id="15" fill="hold"/>
                                         <p:tgtEl>
-                                          <p:spTgt spid="536">
-                                            <p:txEl>
-                                              <p:pRg st="2" end="2"/>
-                                            </p:txEl>
-                                          </p:spTgt>
+                                          <p:spTgt spid="543"/>
                                         </p:tgtEl>
                                         <p:attrNameLst>
                                           <p:attrName>style.visibility</p:attrName>
@@ -26818,51 +25296,29 @@
                                         <p:strVal val="visible"/>
                                       </p:to>
                                     </p:set>
+                                    <p:animEffect transition="in" filter="wipe(up)">
+                                      <p:cBhvr>
+                                        <p:cTn id="16" dur="500"/>
+                                        <p:tgtEl>
+                                          <p:spTgt spid="543"/>
+                                        </p:tgtEl>
+                                      </p:cBhvr>
+                                    </p:animEffect>
                                   </p:childTnLst>
                                 </p:cTn>
                               </p:par>
                             </p:childTnLst>
                           </p:cTn>
                         </p:par>
-                        <p:par>
-                          <p:cTn id="15" fill="hold">
-                            <p:stCondLst>
-                              <p:cond delay="0"/>
-                            </p:stCondLst>
-                            <p:childTnLst>
-                              <p:par>
-                                <p:cTn id="16" presetID="1" presetClass="entr" presetSubtype="0" fill="hold" grpId="1" nodeType="afterEffect">
-                                  <p:stCondLst>
-                                    <p:cond delay="0"/>
-                                  </p:stCondLst>
-                                  <p:iterate>
-                                    <p:tmAbs val="0"/>
-                                  </p:iterate>
-                                  <p:childTnLst>
-                                    <p:set>
-                                      <p:cBhvr>
-                                        <p:cTn id="17" fill="hold"/>
-                                        <p:tgtEl>
-                                          <p:spTgt spid="536">
-                                            <p:txEl>
-                                              <p:pRg st="3" end="3"/>
-                                            </p:txEl>
-                                          </p:spTgt>
-                                        </p:tgtEl>
-                                        <p:attrNameLst>
-                                          <p:attrName>style.visibility</p:attrName>
-                                        </p:attrNameLst>
-                                      </p:cBhvr>
-                                      <p:to>
-                                        <p:strVal val="visible"/>
-                                      </p:to>
-                                    </p:set>
-                                  </p:childTnLst>
-                                </p:cTn>
-                              </p:par>
-                            </p:childTnLst>
-                          </p:cTn>
-                        </p:par>
+                      </p:childTnLst>
+                    </p:cTn>
+                  </p:par>
+                  <p:par>
+                    <p:cTn id="17" fill="hold">
+                      <p:stCondLst>
+                        <p:cond delay="indefinite"/>
+                      </p:stCondLst>
+                      <p:childTnLst>
                         <p:par>
                           <p:cTn id="18" fill="hold">
                             <p:stCondLst>
@@ -26870,7 +25326,7 @@
                             </p:stCondLst>
                             <p:childTnLst>
                               <p:par>
-                                <p:cTn id="19" presetID="1" presetClass="entr" presetSubtype="0" fill="hold" grpId="1" nodeType="afterEffect">
+                                <p:cTn id="19" presetID="22" presetClass="entr" presetSubtype="1" fill="hold" grpId="3" nodeType="clickEffect">
                                   <p:stCondLst>
                                     <p:cond delay="0"/>
                                   </p:stCondLst>
@@ -26882,11 +25338,7 @@
                                       <p:cBhvr>
                                         <p:cTn id="20" fill="hold"/>
                                         <p:tgtEl>
-                                          <p:spTgt spid="536">
-                                            <p:txEl>
-                                              <p:pRg st="4" end="4"/>
-                                            </p:txEl>
-                                          </p:spTgt>
+                                          <p:spTgt spid="546"/>
                                         </p:tgtEl>
                                         <p:attrNameLst>
                                           <p:attrName>style.visibility</p:attrName>
@@ -26896,20 +25348,37 @@
                                         <p:strVal val="visible"/>
                                       </p:to>
                                     </p:set>
+                                    <p:animEffect transition="in" filter="wipe(up)">
+                                      <p:cBhvr>
+                                        <p:cTn id="21" dur="500"/>
+                                        <p:tgtEl>
+                                          <p:spTgt spid="546"/>
+                                        </p:tgtEl>
+                                      </p:cBhvr>
+                                    </p:animEffect>
                                   </p:childTnLst>
                                 </p:cTn>
                               </p:par>
                             </p:childTnLst>
                           </p:cTn>
                         </p:par>
+                      </p:childTnLst>
+                    </p:cTn>
+                  </p:par>
+                  <p:par>
+                    <p:cTn id="22" fill="hold">
+                      <p:stCondLst>
+                        <p:cond delay="indefinite"/>
+                      </p:stCondLst>
+                      <p:childTnLst>
                         <p:par>
-                          <p:cTn id="21" fill="hold">
+                          <p:cTn id="23" fill="hold">
                             <p:stCondLst>
                               <p:cond delay="0"/>
                             </p:stCondLst>
                             <p:childTnLst>
                               <p:par>
-                                <p:cTn id="22" presetID="1" presetClass="entr" presetSubtype="0" fill="hold" grpId="1" nodeType="afterEffect">
+                                <p:cTn id="24" presetID="22" presetClass="entr" presetSubtype="1" fill="hold" grpId="4" nodeType="clickEffect">
                                   <p:stCondLst>
                                     <p:cond delay="0"/>
                                   </p:stCondLst>
@@ -26919,13 +25388,9 @@
                                   <p:childTnLst>
                                     <p:set>
                                       <p:cBhvr>
-                                        <p:cTn id="23" fill="hold"/>
+                                        <p:cTn id="25" fill="hold"/>
                                         <p:tgtEl>
-                                          <p:spTgt spid="536">
-                                            <p:txEl>
-                                              <p:pRg st="5" end="5"/>
-                                            </p:txEl>
-                                          </p:spTgt>
+                                          <p:spTgt spid="549"/>
                                         </p:tgtEl>
                                         <p:attrNameLst>
                                           <p:attrName>style.visibility</p:attrName>
@@ -26935,45 +25400,14 @@
                                         <p:strVal val="visible"/>
                                       </p:to>
                                     </p:set>
-                                  </p:childTnLst>
-                                </p:cTn>
-                              </p:par>
-                            </p:childTnLst>
-                          </p:cTn>
-                        </p:par>
-                        <p:par>
-                          <p:cTn id="24" fill="hold">
-                            <p:stCondLst>
-                              <p:cond delay="0"/>
-                            </p:stCondLst>
-                            <p:childTnLst>
-                              <p:par>
-                                <p:cTn id="25" presetID="1" presetClass="entr" presetSubtype="0" fill="hold" grpId="1" nodeType="afterEffect">
-                                  <p:stCondLst>
-                                    <p:cond delay="0"/>
-                                  </p:stCondLst>
-                                  <p:iterate>
-                                    <p:tmAbs val="0"/>
-                                  </p:iterate>
-                                  <p:childTnLst>
-                                    <p:set>
+                                    <p:animEffect transition="in" filter="wipe(up)">
                                       <p:cBhvr>
-                                        <p:cTn id="26" fill="hold"/>
+                                        <p:cTn id="26" dur="500"/>
                                         <p:tgtEl>
-                                          <p:spTgt spid="536">
-                                            <p:txEl>
-                                              <p:pRg st="6" end="6"/>
-                                            </p:txEl>
-                                          </p:spTgt>
+                                          <p:spTgt spid="549"/>
                                         </p:tgtEl>
-                                        <p:attrNameLst>
-                                          <p:attrName>style.visibility</p:attrName>
-                                        </p:attrNameLst>
                                       </p:cBhvr>
-                                      <p:to>
-                                        <p:strVal val="visible"/>
-                                      </p:to>
-                                    </p:set>
+                                    </p:animEffect>
                                   </p:childTnLst>
                                 </p:cTn>
                               </p:par>
@@ -26996,7 +25430,7 @@
                             </p:stCondLst>
                             <p:childTnLst>
                               <p:par>
-                                <p:cTn id="29" presetID="22" presetClass="entr" presetSubtype="1" fill="hold" grpId="2" nodeType="clickEffect">
+                                <p:cTn id="29" presetID="22" presetClass="entr" presetSubtype="1" fill="hold" grpId="5" nodeType="clickEffect">
                                   <p:stCondLst>
                                     <p:cond delay="0"/>
                                   </p:stCondLst>
@@ -27008,7 +25442,7 @@
                                       <p:cBhvr>
                                         <p:cTn id="30" fill="hold"/>
                                         <p:tgtEl>
-                                          <p:spTgt spid="543"/>
+                                          <p:spTgt spid="552"/>
                                         </p:tgtEl>
                                         <p:attrNameLst>
                                           <p:attrName>style.visibility</p:attrName>
@@ -27022,7 +25456,7 @@
                                       <p:cBhvr>
                                         <p:cTn id="31" dur="500"/>
                                         <p:tgtEl>
-                                          <p:spTgt spid="543"/>
+                                          <p:spTgt spid="552"/>
                                         </p:tgtEl>
                                       </p:cBhvr>
                                     </p:animEffect>
@@ -27048,7 +25482,7 @@
                             </p:stCondLst>
                             <p:childTnLst>
                               <p:par>
-                                <p:cTn id="34" presetID="22" presetClass="entr" presetSubtype="1" fill="hold" grpId="3" nodeType="clickEffect">
+                                <p:cTn id="34" presetID="22" presetClass="entr" presetSubtype="1" fill="hold" grpId="6" nodeType="clickEffect">
                                   <p:stCondLst>
                                     <p:cond delay="0"/>
                                   </p:stCondLst>
@@ -27060,7 +25494,7 @@
                                       <p:cBhvr>
                                         <p:cTn id="35" fill="hold"/>
                                         <p:tgtEl>
-                                          <p:spTgt spid="546"/>
+                                          <p:spTgt spid="559"/>
                                         </p:tgtEl>
                                         <p:attrNameLst>
                                           <p:attrName>style.visibility</p:attrName>
@@ -27074,7 +25508,7 @@
                                       <p:cBhvr>
                                         <p:cTn id="36" dur="500"/>
                                         <p:tgtEl>
-                                          <p:spTgt spid="546"/>
+                                          <p:spTgt spid="559"/>
                                         </p:tgtEl>
                                       </p:cBhvr>
                                     </p:animEffect>
@@ -27100,7 +25534,7 @@
                             </p:stCondLst>
                             <p:childTnLst>
                               <p:par>
-                                <p:cTn id="39" presetID="22" presetClass="entr" presetSubtype="1" fill="hold" grpId="4" nodeType="clickEffect">
+                                <p:cTn id="39" presetID="22" presetClass="entr" presetSubtype="1" fill="hold" grpId="7" nodeType="clickEffect">
                                   <p:stCondLst>
                                     <p:cond delay="0"/>
                                   </p:stCondLst>
@@ -27112,7 +25546,7 @@
                                       <p:cBhvr>
                                         <p:cTn id="40" fill="hold"/>
                                         <p:tgtEl>
-                                          <p:spTgt spid="549"/>
+                                          <p:spTgt spid="556"/>
                                         </p:tgtEl>
                                         <p:attrNameLst>
                                           <p:attrName>style.visibility</p:attrName>
@@ -27126,7 +25560,7 @@
                                       <p:cBhvr>
                                         <p:cTn id="41" dur="500"/>
                                         <p:tgtEl>
-                                          <p:spTgt spid="549"/>
+                                          <p:spTgt spid="556"/>
                                         </p:tgtEl>
                                       </p:cBhvr>
                                     </p:animEffect>
@@ -27152,7 +25586,7 @@
                             </p:stCondLst>
                             <p:childTnLst>
                               <p:par>
-                                <p:cTn id="44" presetID="22" presetClass="entr" presetSubtype="1" fill="hold" grpId="5" nodeType="clickEffect">
+                                <p:cTn id="44" presetID="1" presetClass="entr" presetSubtype="0" fill="hold" grpId="1" nodeType="clickEffect">
                                   <p:stCondLst>
                                     <p:cond delay="0"/>
                                   </p:stCondLst>
@@ -27163,162 +25597,6 @@
                                     <p:set>
                                       <p:cBhvr>
                                         <p:cTn id="45" fill="hold"/>
-                                        <p:tgtEl>
-                                          <p:spTgt spid="552"/>
-                                        </p:tgtEl>
-                                        <p:attrNameLst>
-                                          <p:attrName>style.visibility</p:attrName>
-                                        </p:attrNameLst>
-                                      </p:cBhvr>
-                                      <p:to>
-                                        <p:strVal val="visible"/>
-                                      </p:to>
-                                    </p:set>
-                                    <p:animEffect transition="in" filter="wipe(up)">
-                                      <p:cBhvr>
-                                        <p:cTn id="46" dur="500"/>
-                                        <p:tgtEl>
-                                          <p:spTgt spid="552"/>
-                                        </p:tgtEl>
-                                      </p:cBhvr>
-                                    </p:animEffect>
-                                  </p:childTnLst>
-                                </p:cTn>
-                              </p:par>
-                            </p:childTnLst>
-                          </p:cTn>
-                        </p:par>
-                      </p:childTnLst>
-                    </p:cTn>
-                  </p:par>
-                  <p:par>
-                    <p:cTn id="47" fill="hold">
-                      <p:stCondLst>
-                        <p:cond delay="indefinite"/>
-                      </p:stCondLst>
-                      <p:childTnLst>
-                        <p:par>
-                          <p:cTn id="48" fill="hold">
-                            <p:stCondLst>
-                              <p:cond delay="0"/>
-                            </p:stCondLst>
-                            <p:childTnLst>
-                              <p:par>
-                                <p:cTn id="49" presetID="22" presetClass="entr" presetSubtype="1" fill="hold" grpId="6" nodeType="clickEffect">
-                                  <p:stCondLst>
-                                    <p:cond delay="0"/>
-                                  </p:stCondLst>
-                                  <p:iterate>
-                                    <p:tmAbs val="0"/>
-                                  </p:iterate>
-                                  <p:childTnLst>
-                                    <p:set>
-                                      <p:cBhvr>
-                                        <p:cTn id="50" fill="hold"/>
-                                        <p:tgtEl>
-                                          <p:spTgt spid="559"/>
-                                        </p:tgtEl>
-                                        <p:attrNameLst>
-                                          <p:attrName>style.visibility</p:attrName>
-                                        </p:attrNameLst>
-                                      </p:cBhvr>
-                                      <p:to>
-                                        <p:strVal val="visible"/>
-                                      </p:to>
-                                    </p:set>
-                                    <p:animEffect transition="in" filter="wipe(up)">
-                                      <p:cBhvr>
-                                        <p:cTn id="51" dur="500"/>
-                                        <p:tgtEl>
-                                          <p:spTgt spid="559"/>
-                                        </p:tgtEl>
-                                      </p:cBhvr>
-                                    </p:animEffect>
-                                  </p:childTnLst>
-                                </p:cTn>
-                              </p:par>
-                            </p:childTnLst>
-                          </p:cTn>
-                        </p:par>
-                      </p:childTnLst>
-                    </p:cTn>
-                  </p:par>
-                  <p:par>
-                    <p:cTn id="52" fill="hold">
-                      <p:stCondLst>
-                        <p:cond delay="indefinite"/>
-                      </p:stCondLst>
-                      <p:childTnLst>
-                        <p:par>
-                          <p:cTn id="53" fill="hold">
-                            <p:stCondLst>
-                              <p:cond delay="0"/>
-                            </p:stCondLst>
-                            <p:childTnLst>
-                              <p:par>
-                                <p:cTn id="54" presetID="22" presetClass="entr" presetSubtype="1" fill="hold" grpId="7" nodeType="clickEffect">
-                                  <p:stCondLst>
-                                    <p:cond delay="0"/>
-                                  </p:stCondLst>
-                                  <p:iterate>
-                                    <p:tmAbs val="0"/>
-                                  </p:iterate>
-                                  <p:childTnLst>
-                                    <p:set>
-                                      <p:cBhvr>
-                                        <p:cTn id="55" fill="hold"/>
-                                        <p:tgtEl>
-                                          <p:spTgt spid="556"/>
-                                        </p:tgtEl>
-                                        <p:attrNameLst>
-                                          <p:attrName>style.visibility</p:attrName>
-                                        </p:attrNameLst>
-                                      </p:cBhvr>
-                                      <p:to>
-                                        <p:strVal val="visible"/>
-                                      </p:to>
-                                    </p:set>
-                                    <p:animEffect transition="in" filter="wipe(up)">
-                                      <p:cBhvr>
-                                        <p:cTn id="56" dur="500"/>
-                                        <p:tgtEl>
-                                          <p:spTgt spid="556"/>
-                                        </p:tgtEl>
-                                      </p:cBhvr>
-                                    </p:animEffect>
-                                  </p:childTnLst>
-                                </p:cTn>
-                              </p:par>
-                            </p:childTnLst>
-                          </p:cTn>
-                        </p:par>
-                      </p:childTnLst>
-                    </p:cTn>
-                  </p:par>
-                  <p:par>
-                    <p:cTn id="57" fill="hold">
-                      <p:stCondLst>
-                        <p:cond delay="indefinite"/>
-                      </p:stCondLst>
-                      <p:childTnLst>
-                        <p:par>
-                          <p:cTn id="58" fill="hold">
-                            <p:stCondLst>
-                              <p:cond delay="0"/>
-                            </p:stCondLst>
-                            <p:childTnLst>
-                              <p:par>
-                                <p:cTn id="59" presetID="1" presetClass="entr" presetSubtype="0" fill="hold" grpId="1" nodeType="clickEffect">
-                                  <p:stCondLst>
-                                    <p:cond delay="0"/>
-                                  </p:stCondLst>
-                                  <p:iterate>
-                                    <p:tmAbs val="0"/>
-                                  </p:iterate>
-                                  <p:childTnLst>
-                                    <p:set>
-                                      <p:cBhvr>
-                                        <p:cTn id="60" fill="hold"/>
                                         <p:tgtEl>
                                           <p:spTgt spid="536">
                                             <p:txEl>
@@ -27340,23 +25618,14 @@
                             </p:childTnLst>
                           </p:cTn>
                         </p:par>
-                      </p:childTnLst>
-                    </p:cTn>
-                  </p:par>
-                  <p:par>
-                    <p:cTn id="61" fill="hold">
-                      <p:stCondLst>
-                        <p:cond delay="indefinite"/>
-                      </p:stCondLst>
-                      <p:childTnLst>
                         <p:par>
-                          <p:cTn id="62" fill="hold">
+                          <p:cTn id="46" fill="hold">
                             <p:stCondLst>
                               <p:cond delay="0"/>
                             </p:stCondLst>
                             <p:childTnLst>
                               <p:par>
-                                <p:cTn id="63" presetID="1" presetClass="entr" presetSubtype="0" fill="hold" grpId="1" nodeType="clickEffect">
+                                <p:cTn id="47" presetID="1" presetClass="entr" presetSubtype="0" fill="hold" grpId="1" nodeType="afterEffect">
                                   <p:stCondLst>
                                     <p:cond delay="0"/>
                                   </p:stCondLst>
@@ -27366,7 +25635,7 @@
                                   <p:childTnLst>
                                     <p:set>
                                       <p:cBhvr>
-                                        <p:cTn id="64" fill="hold"/>
+                                        <p:cTn id="48" fill="hold"/>
                                         <p:tgtEl>
                                           <p:spTgt spid="536">
                                             <p:txEl>
@@ -27389,13 +25658,13 @@
                           </p:cTn>
                         </p:par>
                         <p:par>
-                          <p:cTn id="65" fill="hold">
+                          <p:cTn id="49" fill="hold">
                             <p:stCondLst>
                               <p:cond delay="0"/>
                             </p:stCondLst>
                             <p:childTnLst>
                               <p:par>
-                                <p:cTn id="66" presetID="1" presetClass="entr" presetSubtype="0" fill="hold" grpId="1" nodeType="afterEffect">
+                                <p:cTn id="50" presetID="1" presetClass="entr" presetSubtype="0" fill="hold" grpId="1" nodeType="afterEffect">
                                   <p:stCondLst>
                                     <p:cond delay="0"/>
                                   </p:stCondLst>
@@ -27405,50 +25674,11 @@
                                   <p:childTnLst>
                                     <p:set>
                                       <p:cBhvr>
-                                        <p:cTn id="67" fill="hold"/>
+                                        <p:cTn id="51" fill="hold"/>
                                         <p:tgtEl>
                                           <p:spTgt spid="536">
                                             <p:txEl>
                                               <p:pRg st="9" end="9"/>
-                                            </p:txEl>
-                                          </p:spTgt>
-                                        </p:tgtEl>
-                                        <p:attrNameLst>
-                                          <p:attrName>style.visibility</p:attrName>
-                                        </p:attrNameLst>
-                                      </p:cBhvr>
-                                      <p:to>
-                                        <p:strVal val="visible"/>
-                                      </p:to>
-                                    </p:set>
-                                  </p:childTnLst>
-                                </p:cTn>
-                              </p:par>
-                            </p:childTnLst>
-                          </p:cTn>
-                        </p:par>
-                        <p:par>
-                          <p:cTn id="68" fill="hold">
-                            <p:stCondLst>
-                              <p:cond delay="0"/>
-                            </p:stCondLst>
-                            <p:childTnLst>
-                              <p:par>
-                                <p:cTn id="69" presetID="1" presetClass="entr" presetSubtype="0" fill="hold" grpId="1" nodeType="afterEffect">
-                                  <p:stCondLst>
-                                    <p:cond delay="0"/>
-                                  </p:stCondLst>
-                                  <p:iterate>
-                                    <p:tmAbs val="0"/>
-                                  </p:iterate>
-                                  <p:childTnLst>
-                                    <p:set>
-                                      <p:cBhvr>
-                                        <p:cTn id="70" fill="hold"/>
-                                        <p:tgtEl>
-                                          <p:spTgt spid="536">
-                                            <p:txEl>
-                                              <p:pRg st="10" end="10"/>
                                             </p:txEl>
                                           </p:spTgt>
                                         </p:tgtEl>
@@ -27498,6 +25728,819 @@
       <p:bldP spid="552" grpId="5" animBg="1" advAuto="0"/>
       <p:bldP spid="556" grpId="7" animBg="1" advAuto="0"/>
       <p:bldP spid="559" grpId="6" animBg="1" advAuto="0"/>
+    </p:bldLst>
+  </p:timing>
+</p:sld>
+</file>
+
+<file path=ppt/slides/slide9.xml><?xml version="1.0" encoding="utf-8"?>
+<p:sld xmlns:a="http://schemas.openxmlformats.org/drawingml/2006/main" xmlns:r="http://schemas.openxmlformats.org/officeDocument/2006/relationships" xmlns:p="http://schemas.openxmlformats.org/presentationml/2006/main">
+  <p:cSld>
+    <p:spTree>
+      <p:nvGrpSpPr>
+        <p:cNvPr id="1" name=""/>
+        <p:cNvGrpSpPr/>
+        <p:nvPr/>
+      </p:nvGrpSpPr>
+      <p:grpSpPr>
+        <a:xfrm>
+          <a:off x="0" y="0"/>
+          <a:ext cx="0" cy="0"/>
+          <a:chOff x="0" y="0"/>
+          <a:chExt cx="0" cy="0"/>
+        </a:xfrm>
+      </p:grpSpPr>
+      <p:sp>
+        <p:nvSpPr>
+          <p:cNvPr id="562" name="The previous formulas gave us one frequency component for each bin…"/>
+          <p:cNvSpPr txBox="1">
+            <a:spLocks noGrp="1"/>
+          </p:cNvSpPr>
+          <p:nvPr>
+            <p:ph type="body" idx="1"/>
+          </p:nvPr>
+        </p:nvSpPr>
+        <p:spPr>
+          <a:xfrm>
+            <a:off x="1228725" y="2957512"/>
+            <a:ext cx="22888575" cy="9347763"/>
+          </a:xfrm>
+          <a:prstGeom prst="rect">
+            <a:avLst/>
+          </a:prstGeom>
+        </p:spPr>
+        <p:txBody>
+          <a:bodyPr anchor="t">
+            <a:normAutofit/>
+          </a:bodyPr>
+          <a:lstStyle/>
+          <a:p>
+            <a:r>
+              <a:rPr lang="en-GB" dirty="0"/>
+              <a:t>P</a:t>
+            </a:r>
+            <a:r>
+              <a:rPr dirty="0" err="1"/>
+              <a:t>revious</a:t>
+            </a:r>
+            <a:r>
+              <a:rPr dirty="0"/>
+              <a:t> formulas gave us </a:t>
+            </a:r>
+            <a:r>
+              <a:rPr dirty="0">
+                <a:solidFill>
+                  <a:srgbClr val="3D46A6"/>
+                </a:solidFill>
+              </a:rPr>
+              <a:t>one frequency component for each bin</a:t>
+            </a:r>
+          </a:p>
+          <a:p>
+            <a:pPr lvl="1"/>
+            <a:r>
+              <a:rPr dirty="0"/>
+              <a:t>FFT of size </a:t>
+            </a:r>
+            <a:r>
+              <a:rPr i="1" dirty="0"/>
+              <a:t>N</a:t>
+            </a:r>
+            <a:r>
+              <a:rPr dirty="0"/>
+              <a:t> has (</a:t>
+            </a:r>
+            <a:r>
+              <a:rPr i="1" dirty="0"/>
+              <a:t>N</a:t>
+            </a:r>
+            <a:r>
+              <a:rPr dirty="0"/>
+              <a:t>/2+1) unique bins after accounting for symmetry</a:t>
+            </a:r>
+          </a:p>
+          <a:p>
+            <a:pPr lvl="1"/>
+            <a:r>
+              <a:rPr dirty="0"/>
+              <a:t>Tells us maximum number of frequency components we can represent</a:t>
+            </a:r>
+          </a:p>
+          <a:p>
+            <a:pPr>
+              <a:defRPr>
+                <a:solidFill>
+                  <a:srgbClr val="3D46A6"/>
+                </a:solidFill>
+              </a:defRPr>
+            </a:pPr>
+            <a:r>
+              <a:rPr lang="en-GB" dirty="0"/>
+              <a:t>N time-domain samples ↔︎ N frequency-domain bins</a:t>
+            </a:r>
+          </a:p>
+          <a:p>
+            <a:r>
+              <a:rPr lang="en-GB" dirty="0"/>
+              <a:t>L</a:t>
+            </a:r>
+            <a:r>
+              <a:rPr dirty="0" err="1">
+                <a:solidFill>
+                  <a:srgbClr val="3D46A6"/>
+                </a:solidFill>
+              </a:rPr>
+              <a:t>arger</a:t>
+            </a:r>
+            <a:r>
+              <a:rPr dirty="0">
+                <a:solidFill>
+                  <a:srgbClr val="3D46A6"/>
+                </a:solidFill>
+              </a:rPr>
+              <a:t> FFT</a:t>
+            </a:r>
+            <a:r>
+              <a:rPr lang="en-GB" dirty="0">
+                <a:solidFill>
+                  <a:srgbClr val="3D46A6"/>
+                </a:solidFill>
+              </a:rPr>
+              <a:t> </a:t>
+            </a:r>
+            <a:r>
+              <a:rPr lang="en-GB" dirty="0">
+                <a:solidFill>
+                  <a:srgbClr val="3D46A6"/>
+                </a:solidFill>
+                <a:sym typeface="Wingdings" panose="05000000000000000000" pitchFamily="2" charset="2"/>
+              </a:rPr>
+              <a:t></a:t>
+            </a:r>
+            <a:r>
+              <a:rPr dirty="0">
+                <a:solidFill>
+                  <a:srgbClr val="3D46A6"/>
+                </a:solidFill>
+              </a:rPr>
+              <a:t> greater frequency resolution</a:t>
+            </a:r>
+          </a:p>
+          <a:p>
+            <a:pPr lvl="1"/>
+            <a:r>
+              <a:rPr dirty="0"/>
+              <a:t>Bins spaced more closely together in frequency: 2π</a:t>
+            </a:r>
+            <a:r>
+              <a:rPr i="1" dirty="0"/>
+              <a:t>k</a:t>
+            </a:r>
+            <a:r>
+              <a:rPr dirty="0"/>
+              <a:t>/</a:t>
+            </a:r>
+            <a:r>
+              <a:rPr i="1" dirty="0"/>
+              <a:t>N</a:t>
+            </a:r>
+          </a:p>
+          <a:p>
+            <a:pPr lvl="1"/>
+            <a:r>
+              <a:rPr dirty="0"/>
+              <a:t>Easier to resolve two closely-spaced frequency components of signal</a:t>
+            </a:r>
+          </a:p>
+          <a:p>
+            <a:r>
+              <a:rPr lang="en-GB" dirty="0"/>
+              <a:t>Trade off:</a:t>
+            </a:r>
+          </a:p>
+          <a:p>
+            <a:pPr lvl="1"/>
+            <a:r>
+              <a:rPr lang="en-GB" dirty="0"/>
+              <a:t>Fundamental mathematical limitations</a:t>
+            </a:r>
+          </a:p>
+          <a:p>
+            <a:pPr lvl="1"/>
+            <a:r>
+              <a:rPr dirty="0"/>
+              <a:t>Resolving </a:t>
+            </a:r>
+            <a:r>
+              <a:rPr dirty="0">
+                <a:solidFill>
+                  <a:srgbClr val="3D46A6"/>
+                </a:solidFill>
+              </a:rPr>
+              <a:t>short transient events</a:t>
+            </a:r>
+            <a:r>
+              <a:rPr dirty="0"/>
+              <a:t> within long time window is difficult</a:t>
+            </a:r>
+          </a:p>
+        </p:txBody>
+      </p:sp>
+      <p:sp>
+        <p:nvSpPr>
+          <p:cNvPr id="563" name="Choosing an FFT size"/>
+          <p:cNvSpPr txBox="1">
+            <a:spLocks noGrp="1"/>
+          </p:cNvSpPr>
+          <p:nvPr>
+            <p:ph type="title"/>
+          </p:nvPr>
+        </p:nvSpPr>
+        <p:spPr>
+          <a:prstGeom prst="rect">
+            <a:avLst/>
+          </a:prstGeom>
+        </p:spPr>
+        <p:txBody>
+          <a:bodyPr/>
+          <a:lstStyle/>
+          <a:p>
+            <a:r>
+              <a:t>Choosing an FFT size</a:t>
+            </a:r>
+          </a:p>
+        </p:txBody>
+      </p:sp>
+      <p:sp>
+        <p:nvSpPr>
+          <p:cNvPr id="564" name="Poor time resolution"/>
+          <p:cNvSpPr txBox="1"/>
+          <p:nvPr/>
+        </p:nvSpPr>
+        <p:spPr>
+          <a:xfrm>
+            <a:off x="4948291" y="8958264"/>
+            <a:ext cx="9957855" cy="902811"/>
+          </a:xfrm>
+          <a:prstGeom prst="rect">
+            <a:avLst/>
+          </a:prstGeom>
+          <a:ln w="12700">
+            <a:miter lim="400000"/>
+          </a:ln>
+          <a:extLst>
+            <a:ext uri="{C572A759-6A51-4108-AA02-DFA0A04FC94B}">
+              <ma14:wrappingTextBoxFlag xmlns="" xmlns:m="http://schemas.openxmlformats.org/officeDocument/2006/math" xmlns:a14="http://schemas.microsoft.com/office/drawing/2010/main" xmlns:ma14="http://schemas.microsoft.com/office/mac/drawingml/2011/main" val="1"/>
+            </a:ext>
+          </a:extLst>
+        </p:spPr>
+        <p:txBody>
+          <a:bodyPr wrap="square" lIns="50800" tIns="50800" rIns="50800" bIns="50800" anchor="ctr">
+            <a:spAutoFit/>
+          </a:bodyPr>
+          <a:lstStyle>
+            <a:lvl1pPr>
+              <a:defRPr sz="5200" b="0">
+                <a:solidFill>
+                  <a:srgbClr val="9B1200"/>
+                </a:solidFill>
+              </a:defRPr>
+            </a:lvl1pPr>
+          </a:lstStyle>
+          <a:p>
+            <a:r>
+              <a:rPr dirty="0"/>
+              <a:t>Poor time resolution</a:t>
+            </a:r>
+            <a:r>
+              <a:rPr lang="en-GB" dirty="0"/>
+              <a:t>, long latency</a:t>
+            </a:r>
+            <a:endParaRPr dirty="0"/>
+          </a:p>
+        </p:txBody>
+      </p:sp>
+    </p:spTree>
+  </p:cSld>
+  <p:clrMapOvr>
+    <a:masterClrMapping/>
+  </p:clrMapOvr>
+  <p:transition spd="med"/>
+  <p:timing>
+    <p:tnLst>
+      <p:par>
+        <p:cTn id="1" dur="indefinite" restart="never" fill="hold" nodeType="tmRoot">
+          <p:childTnLst>
+            <p:seq concurrent="1" prevAc="none" nextAc="seek">
+              <p:cTn id="2" dur="indefinite" fill="hold" nodeType="mainSeq">
+                <p:childTnLst>
+                  <p:par>
+                    <p:cTn id="3" fill="hold">
+                      <p:stCondLst>
+                        <p:cond delay="indefinite"/>
+                        <p:cond evt="onBegin" delay="0">
+                          <p:tn val="2"/>
+                        </p:cond>
+                      </p:stCondLst>
+                      <p:childTnLst>
+                        <p:par>
+                          <p:cTn id="4" fill="hold">
+                            <p:stCondLst>
+                              <p:cond delay="0"/>
+                            </p:stCondLst>
+                            <p:childTnLst>
+                              <p:par>
+                                <p:cTn id="5" presetID="1" presetClass="entr" presetSubtype="0" fill="hold" grpId="1" nodeType="afterEffect">
+                                  <p:stCondLst>
+                                    <p:cond delay="0"/>
+                                  </p:stCondLst>
+                                  <p:iterate>
+                                    <p:tmAbs val="0"/>
+                                  </p:iterate>
+                                  <p:childTnLst>
+                                    <p:set>
+                                      <p:cBhvr>
+                                        <p:cTn id="6" fill="hold"/>
+                                        <p:tgtEl>
+                                          <p:spTgt spid="562">
+                                            <p:bg/>
+                                          </p:spTgt>
+                                        </p:tgtEl>
+                                        <p:attrNameLst>
+                                          <p:attrName>style.visibility</p:attrName>
+                                        </p:attrNameLst>
+                                      </p:cBhvr>
+                                      <p:to>
+                                        <p:strVal val="visible"/>
+                                      </p:to>
+                                    </p:set>
+                                  </p:childTnLst>
+                                </p:cTn>
+                              </p:par>
+                              <p:par>
+                                <p:cTn id="7" presetID="1" presetClass="entr" presetSubtype="0" fill="hold" grpId="1" nodeType="withEffect">
+                                  <p:stCondLst>
+                                    <p:cond delay="0"/>
+                                  </p:stCondLst>
+                                  <p:iterate>
+                                    <p:tmAbs val="0"/>
+                                  </p:iterate>
+                                  <p:childTnLst>
+                                    <p:set>
+                                      <p:cBhvr>
+                                        <p:cTn id="8" fill="hold"/>
+                                        <p:tgtEl>
+                                          <p:spTgt spid="562">
+                                            <p:txEl>
+                                              <p:pRg st="0" end="0"/>
+                                            </p:txEl>
+                                          </p:spTgt>
+                                        </p:tgtEl>
+                                        <p:attrNameLst>
+                                          <p:attrName>style.visibility</p:attrName>
+                                        </p:attrNameLst>
+                                      </p:cBhvr>
+                                      <p:to>
+                                        <p:strVal val="visible"/>
+                                      </p:to>
+                                    </p:set>
+                                  </p:childTnLst>
+                                </p:cTn>
+                              </p:par>
+                            </p:childTnLst>
+                          </p:cTn>
+                        </p:par>
+                        <p:par>
+                          <p:cTn id="9" fill="hold">
+                            <p:stCondLst>
+                              <p:cond delay="0"/>
+                            </p:stCondLst>
+                            <p:childTnLst>
+                              <p:par>
+                                <p:cTn id="10" presetID="1" presetClass="entr" presetSubtype="0" fill="hold" grpId="1" nodeType="afterEffect">
+                                  <p:stCondLst>
+                                    <p:cond delay="0"/>
+                                  </p:stCondLst>
+                                  <p:iterate>
+                                    <p:tmAbs val="0"/>
+                                  </p:iterate>
+                                  <p:childTnLst>
+                                    <p:set>
+                                      <p:cBhvr>
+                                        <p:cTn id="11" fill="hold"/>
+                                        <p:tgtEl>
+                                          <p:spTgt spid="562">
+                                            <p:txEl>
+                                              <p:pRg st="1" end="1"/>
+                                            </p:txEl>
+                                          </p:spTgt>
+                                        </p:tgtEl>
+                                        <p:attrNameLst>
+                                          <p:attrName>style.visibility</p:attrName>
+                                        </p:attrNameLst>
+                                      </p:cBhvr>
+                                      <p:to>
+                                        <p:strVal val="visible"/>
+                                      </p:to>
+                                    </p:set>
+                                  </p:childTnLst>
+                                </p:cTn>
+                              </p:par>
+                            </p:childTnLst>
+                          </p:cTn>
+                        </p:par>
+                        <p:par>
+                          <p:cTn id="12" fill="hold">
+                            <p:stCondLst>
+                              <p:cond delay="0"/>
+                            </p:stCondLst>
+                            <p:childTnLst>
+                              <p:par>
+                                <p:cTn id="13" presetID="1" presetClass="entr" presetSubtype="0" fill="hold" grpId="1" nodeType="afterEffect">
+                                  <p:stCondLst>
+                                    <p:cond delay="0"/>
+                                  </p:stCondLst>
+                                  <p:iterate>
+                                    <p:tmAbs val="0"/>
+                                  </p:iterate>
+                                  <p:childTnLst>
+                                    <p:set>
+                                      <p:cBhvr>
+                                        <p:cTn id="14" fill="hold"/>
+                                        <p:tgtEl>
+                                          <p:spTgt spid="562">
+                                            <p:txEl>
+                                              <p:pRg st="2" end="2"/>
+                                            </p:txEl>
+                                          </p:spTgt>
+                                        </p:tgtEl>
+                                        <p:attrNameLst>
+                                          <p:attrName>style.visibility</p:attrName>
+                                        </p:attrNameLst>
+                                      </p:cBhvr>
+                                      <p:to>
+                                        <p:strVal val="visible"/>
+                                      </p:to>
+                                    </p:set>
+                                  </p:childTnLst>
+                                </p:cTn>
+                              </p:par>
+                            </p:childTnLst>
+                          </p:cTn>
+                        </p:par>
+                        <p:par>
+                          <p:cTn id="15" fill="hold">
+                            <p:stCondLst>
+                              <p:cond delay="0"/>
+                            </p:stCondLst>
+                            <p:childTnLst>
+                              <p:par>
+                                <p:cTn id="16" presetID="1" presetClass="entr" presetSubtype="0" fill="hold" grpId="1" nodeType="afterEffect">
+                                  <p:stCondLst>
+                                    <p:cond delay="0"/>
+                                  </p:stCondLst>
+                                  <p:iterate>
+                                    <p:tmAbs val="0"/>
+                                  </p:iterate>
+                                  <p:childTnLst>
+                                    <p:set>
+                                      <p:cBhvr>
+                                        <p:cTn id="17" fill="hold"/>
+                                        <p:tgtEl>
+                                          <p:spTgt spid="562">
+                                            <p:txEl>
+                                              <p:pRg st="3" end="3"/>
+                                            </p:txEl>
+                                          </p:spTgt>
+                                        </p:tgtEl>
+                                        <p:attrNameLst>
+                                          <p:attrName>style.visibility</p:attrName>
+                                        </p:attrNameLst>
+                                      </p:cBhvr>
+                                      <p:to>
+                                        <p:strVal val="visible"/>
+                                      </p:to>
+                                    </p:set>
+                                  </p:childTnLst>
+                                </p:cTn>
+                              </p:par>
+                            </p:childTnLst>
+                          </p:cTn>
+                        </p:par>
+                        <p:par>
+                          <p:cTn id="18" fill="hold">
+                            <p:stCondLst>
+                              <p:cond delay="0"/>
+                            </p:stCondLst>
+                            <p:childTnLst>
+                              <p:par>
+                                <p:cTn id="19" presetID="1" presetClass="entr" presetSubtype="0" fill="hold" grpId="1" nodeType="afterEffect">
+                                  <p:stCondLst>
+                                    <p:cond delay="0"/>
+                                  </p:stCondLst>
+                                  <p:iterate>
+                                    <p:tmAbs val="0"/>
+                                  </p:iterate>
+                                  <p:childTnLst>
+                                    <p:set>
+                                      <p:cBhvr>
+                                        <p:cTn id="20" fill="hold"/>
+                                        <p:tgtEl>
+                                          <p:spTgt spid="562">
+                                            <p:txEl>
+                                              <p:pRg st="4" end="4"/>
+                                            </p:txEl>
+                                          </p:spTgt>
+                                        </p:tgtEl>
+                                        <p:attrNameLst>
+                                          <p:attrName>style.visibility</p:attrName>
+                                        </p:attrNameLst>
+                                      </p:cBhvr>
+                                      <p:to>
+                                        <p:strVal val="visible"/>
+                                      </p:to>
+                                    </p:set>
+                                  </p:childTnLst>
+                                </p:cTn>
+                              </p:par>
+                            </p:childTnLst>
+                          </p:cTn>
+                        </p:par>
+                        <p:par>
+                          <p:cTn id="21" fill="hold">
+                            <p:stCondLst>
+                              <p:cond delay="0"/>
+                            </p:stCondLst>
+                            <p:childTnLst>
+                              <p:par>
+                                <p:cTn id="22" presetID="1" presetClass="entr" presetSubtype="0" fill="hold" grpId="1" nodeType="afterEffect">
+                                  <p:stCondLst>
+                                    <p:cond delay="0"/>
+                                  </p:stCondLst>
+                                  <p:iterate>
+                                    <p:tmAbs val="0"/>
+                                  </p:iterate>
+                                  <p:childTnLst>
+                                    <p:set>
+                                      <p:cBhvr>
+                                        <p:cTn id="23" fill="hold"/>
+                                        <p:tgtEl>
+                                          <p:spTgt spid="562">
+                                            <p:txEl>
+                                              <p:pRg st="5" end="5"/>
+                                            </p:txEl>
+                                          </p:spTgt>
+                                        </p:tgtEl>
+                                        <p:attrNameLst>
+                                          <p:attrName>style.visibility</p:attrName>
+                                        </p:attrNameLst>
+                                      </p:cBhvr>
+                                      <p:to>
+                                        <p:strVal val="visible"/>
+                                      </p:to>
+                                    </p:set>
+                                  </p:childTnLst>
+                                </p:cTn>
+                              </p:par>
+                            </p:childTnLst>
+                          </p:cTn>
+                        </p:par>
+                        <p:par>
+                          <p:cTn id="24" fill="hold">
+                            <p:stCondLst>
+                              <p:cond delay="0"/>
+                            </p:stCondLst>
+                            <p:childTnLst>
+                              <p:par>
+                                <p:cTn id="25" presetID="1" presetClass="entr" presetSubtype="0" fill="hold" grpId="1" nodeType="afterEffect">
+                                  <p:stCondLst>
+                                    <p:cond delay="0"/>
+                                  </p:stCondLst>
+                                  <p:iterate>
+                                    <p:tmAbs val="0"/>
+                                  </p:iterate>
+                                  <p:childTnLst>
+                                    <p:set>
+                                      <p:cBhvr>
+                                        <p:cTn id="26" fill="hold"/>
+                                        <p:tgtEl>
+                                          <p:spTgt spid="562">
+                                            <p:txEl>
+                                              <p:pRg st="6" end="6"/>
+                                            </p:txEl>
+                                          </p:spTgt>
+                                        </p:tgtEl>
+                                        <p:attrNameLst>
+                                          <p:attrName>style.visibility</p:attrName>
+                                        </p:attrNameLst>
+                                      </p:cBhvr>
+                                      <p:to>
+                                        <p:strVal val="visible"/>
+                                      </p:to>
+                                    </p:set>
+                                  </p:childTnLst>
+                                </p:cTn>
+                              </p:par>
+                            </p:childTnLst>
+                          </p:cTn>
+                        </p:par>
+                      </p:childTnLst>
+                    </p:cTn>
+                  </p:par>
+                  <p:par>
+                    <p:cTn id="27" fill="hold">
+                      <p:stCondLst>
+                        <p:cond delay="indefinite"/>
+                      </p:stCondLst>
+                      <p:childTnLst>
+                        <p:par>
+                          <p:cTn id="28" fill="hold">
+                            <p:stCondLst>
+                              <p:cond delay="0"/>
+                            </p:stCondLst>
+                            <p:childTnLst>
+                              <p:par>
+                                <p:cTn id="29" presetID="1" presetClass="entr" presetSubtype="0" fill="hold" grpId="1" nodeType="clickEffect">
+                                  <p:stCondLst>
+                                    <p:cond delay="0"/>
+                                  </p:stCondLst>
+                                  <p:iterate>
+                                    <p:tmAbs val="0"/>
+                                  </p:iterate>
+                                  <p:childTnLst>
+                                    <p:set>
+                                      <p:cBhvr>
+                                        <p:cTn id="30" fill="hold"/>
+                                        <p:tgtEl>
+                                          <p:spTgt spid="562">
+                                            <p:txEl>
+                                              <p:pRg st="7" end="7"/>
+                                            </p:txEl>
+                                          </p:spTgt>
+                                        </p:tgtEl>
+                                        <p:attrNameLst>
+                                          <p:attrName>style.visibility</p:attrName>
+                                        </p:attrNameLst>
+                                      </p:cBhvr>
+                                      <p:to>
+                                        <p:strVal val="visible"/>
+                                      </p:to>
+                                    </p:set>
+                                  </p:childTnLst>
+                                </p:cTn>
+                              </p:par>
+                            </p:childTnLst>
+                          </p:cTn>
+                        </p:par>
+                        <p:par>
+                          <p:cTn id="31" fill="hold">
+                            <p:stCondLst>
+                              <p:cond delay="0"/>
+                            </p:stCondLst>
+                            <p:childTnLst>
+                              <p:par>
+                                <p:cTn id="32" presetID="1" presetClass="entr" presetSubtype="0" fill="hold" grpId="1" nodeType="afterEffect">
+                                  <p:stCondLst>
+                                    <p:cond delay="0"/>
+                                  </p:stCondLst>
+                                  <p:iterate>
+                                    <p:tmAbs val="0"/>
+                                  </p:iterate>
+                                  <p:childTnLst>
+                                    <p:set>
+                                      <p:cBhvr>
+                                        <p:cTn id="33" fill="hold"/>
+                                        <p:tgtEl>
+                                          <p:spTgt spid="562">
+                                            <p:txEl>
+                                              <p:pRg st="8" end="8"/>
+                                            </p:txEl>
+                                          </p:spTgt>
+                                        </p:tgtEl>
+                                        <p:attrNameLst>
+                                          <p:attrName>style.visibility</p:attrName>
+                                        </p:attrNameLst>
+                                      </p:cBhvr>
+                                      <p:to>
+                                        <p:strVal val="visible"/>
+                                      </p:to>
+                                    </p:set>
+                                  </p:childTnLst>
+                                </p:cTn>
+                              </p:par>
+                            </p:childTnLst>
+                          </p:cTn>
+                        </p:par>
+                        <p:par>
+                          <p:cTn id="34" fill="hold">
+                            <p:stCondLst>
+                              <p:cond delay="0"/>
+                            </p:stCondLst>
+                            <p:childTnLst>
+                              <p:par>
+                                <p:cTn id="35" presetID="1" presetClass="entr" presetSubtype="0" fill="hold" grpId="1" nodeType="afterEffect">
+                                  <p:stCondLst>
+                                    <p:cond delay="0"/>
+                                  </p:stCondLst>
+                                  <p:iterate>
+                                    <p:tmAbs val="0"/>
+                                  </p:iterate>
+                                  <p:childTnLst>
+                                    <p:set>
+                                      <p:cBhvr>
+                                        <p:cTn id="36" fill="hold"/>
+                                        <p:tgtEl>
+                                          <p:spTgt spid="562">
+                                            <p:txEl>
+                                              <p:pRg st="9" end="9"/>
+                                            </p:txEl>
+                                          </p:spTgt>
+                                        </p:tgtEl>
+                                        <p:attrNameLst>
+                                          <p:attrName>style.visibility</p:attrName>
+                                        </p:attrNameLst>
+                                      </p:cBhvr>
+                                      <p:to>
+                                        <p:strVal val="visible"/>
+                                      </p:to>
+                                    </p:set>
+                                  </p:childTnLst>
+                                </p:cTn>
+                              </p:par>
+                            </p:childTnLst>
+                          </p:cTn>
+                        </p:par>
+                      </p:childTnLst>
+                    </p:cTn>
+                  </p:par>
+                  <p:par>
+                    <p:cTn id="37" fill="hold">
+                      <p:stCondLst>
+                        <p:cond delay="indefinite"/>
+                      </p:stCondLst>
+                      <p:childTnLst>
+                        <p:par>
+                          <p:cTn id="38" fill="hold">
+                            <p:stCondLst>
+                              <p:cond delay="0"/>
+                            </p:stCondLst>
+                            <p:childTnLst>
+                              <p:par>
+                                <p:cTn id="39" presetID="1" presetClass="entr" presetSubtype="0" fill="hold" grpId="2" nodeType="clickEffect">
+                                  <p:stCondLst>
+                                    <p:cond delay="0"/>
+                                  </p:stCondLst>
+                                  <p:iterate>
+                                    <p:tmAbs val="0"/>
+                                  </p:iterate>
+                                  <p:childTnLst>
+                                    <p:set>
+                                      <p:cBhvr>
+                                        <p:cTn id="40" fill="hold"/>
+                                        <p:tgtEl>
+                                          <p:spTgt spid="564"/>
+                                        </p:tgtEl>
+                                        <p:attrNameLst>
+                                          <p:attrName>style.visibility</p:attrName>
+                                        </p:attrNameLst>
+                                      </p:cBhvr>
+                                      <p:to>
+                                        <p:strVal val="visible"/>
+                                      </p:to>
+                                    </p:set>
+                                  </p:childTnLst>
+                                </p:cTn>
+                              </p:par>
+                            </p:childTnLst>
+                          </p:cTn>
+                        </p:par>
+                      </p:childTnLst>
+                    </p:cTn>
+                  </p:par>
+                </p:childTnLst>
+              </p:cTn>
+              <p:prevCondLst>
+                <p:cond evt="onPrev" delay="0">
+                  <p:tgtEl>
+                    <p:sldTgt/>
+                  </p:tgtEl>
+                </p:cond>
+              </p:prevCondLst>
+              <p:nextCondLst>
+                <p:cond evt="onNext" delay="0">
+                  <p:tgtEl>
+                    <p:sldTgt/>
+                  </p:tgtEl>
+                </p:cond>
+              </p:nextCondLst>
+            </p:seq>
+          </p:childTnLst>
+        </p:cTn>
+      </p:par>
+    </p:tnLst>
+    <p:bldLst>
+      <p:bldP spid="562" grpId="1" build="p" bldLvl="5" animBg="1" advAuto="0"/>
+      <p:bldP spid="564" grpId="2" animBg="1" advAuto="0"/>
     </p:bldLst>
   </p:timing>
 </p:sld>
